--- a/kktn.pptx
+++ b/kktn.pptx
@@ -4,9 +4,41 @@
   <p:sldMasterIdLst>
     <p:sldMasterId id="2147483648" r:id="rId1"/>
   </p:sldMasterIdLst>
+  <p:notesMasterIdLst>
+    <p:notesMasterId r:id="rId30"/>
+  </p:notesMasterIdLst>
+  <p:handoutMasterIdLst>
+    <p:handoutMasterId r:id="rId31"/>
+  </p:handoutMasterIdLst>
   <p:sldIdLst>
     <p:sldId id="256" r:id="rId2"/>
     <p:sldId id="257" r:id="rId3"/>
+    <p:sldId id="258" r:id="rId4"/>
+    <p:sldId id="260" r:id="rId5"/>
+    <p:sldId id="259" r:id="rId6"/>
+    <p:sldId id="261" r:id="rId7"/>
+    <p:sldId id="262" r:id="rId8"/>
+    <p:sldId id="263" r:id="rId9"/>
+    <p:sldId id="264" r:id="rId10"/>
+    <p:sldId id="265" r:id="rId11"/>
+    <p:sldId id="266" r:id="rId12"/>
+    <p:sldId id="267" r:id="rId13"/>
+    <p:sldId id="268" r:id="rId14"/>
+    <p:sldId id="269" r:id="rId15"/>
+    <p:sldId id="270" r:id="rId16"/>
+    <p:sldId id="271" r:id="rId17"/>
+    <p:sldId id="272" r:id="rId18"/>
+    <p:sldId id="273" r:id="rId19"/>
+    <p:sldId id="274" r:id="rId20"/>
+    <p:sldId id="275" r:id="rId21"/>
+    <p:sldId id="276" r:id="rId22"/>
+    <p:sldId id="277" r:id="rId23"/>
+    <p:sldId id="278" r:id="rId24"/>
+    <p:sldId id="279" r:id="rId25"/>
+    <p:sldId id="280" r:id="rId26"/>
+    <p:sldId id="281" r:id="rId27"/>
+    <p:sldId id="282" r:id="rId28"/>
+    <p:sldId id="283" r:id="rId29"/>
   </p:sldIdLst>
   <p:sldSz cx="12192000" cy="6858000"/>
   <p:notesSz cx="6858000" cy="9144000"/>
@@ -105,7 +137,552 @@
       </a:defRPr>
     </a:lvl9pPr>
   </p:defaultTextStyle>
+  <p:extLst>
+    <p:ext uri="{EFAFB233-063F-42B5-8137-9DF3F51BA10A}">
+      <p15:sldGuideLst xmlns:p15="http://schemas.microsoft.com/office/powerpoint/2012/main"/>
+    </p:ext>
+  </p:extLst>
 </p:presentation>
+</file>
+
+<file path=ppt/handoutMasters/handoutMaster1.xml><?xml version="1.0" encoding="utf-8"?>
+<p:handoutMaster xmlns:a="http://schemas.openxmlformats.org/drawingml/2006/main" xmlns:r="http://schemas.openxmlformats.org/officeDocument/2006/relationships" xmlns:p="http://schemas.openxmlformats.org/presentationml/2006/main">
+  <p:cSld>
+    <p:bg>
+      <p:bgRef idx="1001">
+        <a:schemeClr val="bg1"/>
+      </p:bgRef>
+    </p:bg>
+    <p:spTree>
+      <p:nvGrpSpPr>
+        <p:cNvPr id="1" name=""/>
+        <p:cNvGrpSpPr/>
+        <p:nvPr/>
+      </p:nvGrpSpPr>
+      <p:grpSpPr>
+        <a:xfrm>
+          <a:off x="0" y="0"/>
+          <a:ext cx="0" cy="0"/>
+          <a:chOff x="0" y="0"/>
+          <a:chExt cx="0" cy="0"/>
+        </a:xfrm>
+      </p:grpSpPr>
+      <p:sp>
+        <p:nvSpPr>
+          <p:cNvPr id="2" name="Header Placeholder 1">
+            <a:extLst>
+              <a:ext uri="{FF2B5EF4-FFF2-40B4-BE49-F238E27FC236}">
+                <a16:creationId xmlns:a16="http://schemas.microsoft.com/office/drawing/2014/main" id="{D2425EBB-EF6A-4423-88FC-45478A70669A}"/>
+              </a:ext>
+            </a:extLst>
+          </p:cNvPr>
+          <p:cNvSpPr>
+            <a:spLocks noGrp="1"/>
+          </p:cNvSpPr>
+          <p:nvPr>
+            <p:ph type="hdr" sz="quarter"/>
+          </p:nvPr>
+        </p:nvSpPr>
+        <p:spPr>
+          <a:xfrm>
+            <a:off x="0" y="0"/>
+            <a:ext cx="2971800" cy="458788"/>
+          </a:xfrm>
+          <a:prstGeom prst="rect">
+            <a:avLst/>
+          </a:prstGeom>
+        </p:spPr>
+        <p:txBody>
+          <a:bodyPr vert="horz" lIns="91440" tIns="45720" rIns="91440" bIns="45720" rtlCol="0"/>
+          <a:lstStyle>
+            <a:lvl1pPr algn="l">
+              <a:defRPr sz="1200"/>
+            </a:lvl1pPr>
+          </a:lstStyle>
+          <a:p>
+            <a:endParaRPr lang="en-US"/>
+          </a:p>
+        </p:txBody>
+      </p:sp>
+      <p:sp>
+        <p:nvSpPr>
+          <p:cNvPr id="3" name="Date Placeholder 2">
+            <a:extLst>
+              <a:ext uri="{FF2B5EF4-FFF2-40B4-BE49-F238E27FC236}">
+                <a16:creationId xmlns:a16="http://schemas.microsoft.com/office/drawing/2014/main" id="{E3EA3ECF-3E12-4F72-AF9E-CC4B63B245AE}"/>
+              </a:ext>
+            </a:extLst>
+          </p:cNvPr>
+          <p:cNvSpPr>
+            <a:spLocks noGrp="1"/>
+          </p:cNvSpPr>
+          <p:nvPr>
+            <p:ph type="dt" sz="quarter" idx="1"/>
+          </p:nvPr>
+        </p:nvSpPr>
+        <p:spPr>
+          <a:xfrm>
+            <a:off x="3884613" y="0"/>
+            <a:ext cx="2971800" cy="458788"/>
+          </a:xfrm>
+          <a:prstGeom prst="rect">
+            <a:avLst/>
+          </a:prstGeom>
+        </p:spPr>
+        <p:txBody>
+          <a:bodyPr vert="horz" lIns="91440" tIns="45720" rIns="91440" bIns="45720" rtlCol="0"/>
+          <a:lstStyle>
+            <a:lvl1pPr algn="r">
+              <a:defRPr sz="1200"/>
+            </a:lvl1pPr>
+          </a:lstStyle>
+          <a:p>
+            <a:fld id="{3C400D30-74F6-4129-91FC-545F8CCD4894}" type="datetimeFigureOut">
+              <a:rPr lang="en-US" smtClean="0"/>
+              <a:t>12/11/2020</a:t>
+            </a:fld>
+            <a:endParaRPr lang="en-US"/>
+          </a:p>
+        </p:txBody>
+      </p:sp>
+      <p:sp>
+        <p:nvSpPr>
+          <p:cNvPr id="4" name="Footer Placeholder 3">
+            <a:extLst>
+              <a:ext uri="{FF2B5EF4-FFF2-40B4-BE49-F238E27FC236}">
+                <a16:creationId xmlns:a16="http://schemas.microsoft.com/office/drawing/2014/main" id="{D3812671-6B4F-4630-B16E-679888A49A52}"/>
+              </a:ext>
+            </a:extLst>
+          </p:cNvPr>
+          <p:cNvSpPr>
+            <a:spLocks noGrp="1"/>
+          </p:cNvSpPr>
+          <p:nvPr>
+            <p:ph type="ftr" sz="quarter" idx="2"/>
+          </p:nvPr>
+        </p:nvSpPr>
+        <p:spPr>
+          <a:xfrm>
+            <a:off x="0" y="8685213"/>
+            <a:ext cx="2971800" cy="458787"/>
+          </a:xfrm>
+          <a:prstGeom prst="rect">
+            <a:avLst/>
+          </a:prstGeom>
+        </p:spPr>
+        <p:txBody>
+          <a:bodyPr vert="horz" lIns="91440" tIns="45720" rIns="91440" bIns="45720" rtlCol="0" anchor="b"/>
+          <a:lstStyle>
+            <a:lvl1pPr algn="l">
+              <a:defRPr sz="1200"/>
+            </a:lvl1pPr>
+          </a:lstStyle>
+          <a:p>
+            <a:endParaRPr lang="en-US"/>
+          </a:p>
+        </p:txBody>
+      </p:sp>
+      <p:sp>
+        <p:nvSpPr>
+          <p:cNvPr id="5" name="Slide Number Placeholder 4">
+            <a:extLst>
+              <a:ext uri="{FF2B5EF4-FFF2-40B4-BE49-F238E27FC236}">
+                <a16:creationId xmlns:a16="http://schemas.microsoft.com/office/drawing/2014/main" id="{91C38A90-0D9F-4163-A8CE-B8A94C03797F}"/>
+              </a:ext>
+            </a:extLst>
+          </p:cNvPr>
+          <p:cNvSpPr>
+            <a:spLocks noGrp="1"/>
+          </p:cNvSpPr>
+          <p:nvPr>
+            <p:ph type="sldNum" sz="quarter" idx="3"/>
+          </p:nvPr>
+        </p:nvSpPr>
+        <p:spPr>
+          <a:xfrm>
+            <a:off x="3884613" y="8685213"/>
+            <a:ext cx="2971800" cy="458787"/>
+          </a:xfrm>
+          <a:prstGeom prst="rect">
+            <a:avLst/>
+          </a:prstGeom>
+        </p:spPr>
+        <p:txBody>
+          <a:bodyPr vert="horz" lIns="91440" tIns="45720" rIns="91440" bIns="45720" rtlCol="0" anchor="b"/>
+          <a:lstStyle>
+            <a:lvl1pPr algn="r">
+              <a:defRPr sz="1200"/>
+            </a:lvl1pPr>
+          </a:lstStyle>
+          <a:p>
+            <a:fld id="{EF904E38-1945-4057-ABF8-A25D67E5E746}" type="slidenum">
+              <a:rPr lang="en-US" smtClean="0"/>
+              <a:t>‹#›</a:t>
+            </a:fld>
+            <a:endParaRPr lang="en-US"/>
+          </a:p>
+        </p:txBody>
+      </p:sp>
+    </p:spTree>
+    <p:extLst>
+      <p:ext uri="{BB962C8B-B14F-4D97-AF65-F5344CB8AC3E}">
+        <p14:creationId xmlns:p14="http://schemas.microsoft.com/office/powerpoint/2010/main" val="3675955497"/>
+      </p:ext>
+    </p:extLst>
+  </p:cSld>
+  <p:clrMap bg1="lt1" tx1="dk1" bg2="lt2" tx2="dk2" accent1="accent1" accent2="accent2" accent3="accent3" accent4="accent4" accent5="accent5" accent6="accent6" hlink="hlink" folHlink="folHlink"/>
+  <p:hf hdr="0" ftr="0" dt="0"/>
+</p:handoutMaster>
+</file>
+
+<file path=ppt/notesMasters/notesMaster1.xml><?xml version="1.0" encoding="utf-8"?>
+<p:notesMaster xmlns:a="http://schemas.openxmlformats.org/drawingml/2006/main" xmlns:r="http://schemas.openxmlformats.org/officeDocument/2006/relationships" xmlns:p="http://schemas.openxmlformats.org/presentationml/2006/main">
+  <p:cSld>
+    <p:bg>
+      <p:bgRef idx="1001">
+        <a:schemeClr val="bg1"/>
+      </p:bgRef>
+    </p:bg>
+    <p:spTree>
+      <p:nvGrpSpPr>
+        <p:cNvPr id="1" name=""/>
+        <p:cNvGrpSpPr/>
+        <p:nvPr/>
+      </p:nvGrpSpPr>
+      <p:grpSpPr>
+        <a:xfrm>
+          <a:off x="0" y="0"/>
+          <a:ext cx="0" cy="0"/>
+          <a:chOff x="0" y="0"/>
+          <a:chExt cx="0" cy="0"/>
+        </a:xfrm>
+      </p:grpSpPr>
+      <p:sp>
+        <p:nvSpPr>
+          <p:cNvPr id="2" name="Header Placeholder 1"/>
+          <p:cNvSpPr>
+            <a:spLocks noGrp="1"/>
+          </p:cNvSpPr>
+          <p:nvPr>
+            <p:ph type="hdr" sz="quarter"/>
+          </p:nvPr>
+        </p:nvSpPr>
+        <p:spPr>
+          <a:xfrm>
+            <a:off x="0" y="0"/>
+            <a:ext cx="2971800" cy="458788"/>
+          </a:xfrm>
+          <a:prstGeom prst="rect">
+            <a:avLst/>
+          </a:prstGeom>
+        </p:spPr>
+        <p:txBody>
+          <a:bodyPr vert="horz" lIns="91440" tIns="45720" rIns="91440" bIns="45720" rtlCol="0"/>
+          <a:lstStyle>
+            <a:lvl1pPr algn="l">
+              <a:defRPr sz="1200"/>
+            </a:lvl1pPr>
+          </a:lstStyle>
+          <a:p>
+            <a:endParaRPr lang="en-US"/>
+          </a:p>
+        </p:txBody>
+      </p:sp>
+      <p:sp>
+        <p:nvSpPr>
+          <p:cNvPr id="3" name="Date Placeholder 2"/>
+          <p:cNvSpPr>
+            <a:spLocks noGrp="1"/>
+          </p:cNvSpPr>
+          <p:nvPr>
+            <p:ph type="dt" idx="1"/>
+          </p:nvPr>
+        </p:nvSpPr>
+        <p:spPr>
+          <a:xfrm>
+            <a:off x="3884613" y="0"/>
+            <a:ext cx="2971800" cy="458788"/>
+          </a:xfrm>
+          <a:prstGeom prst="rect">
+            <a:avLst/>
+          </a:prstGeom>
+        </p:spPr>
+        <p:txBody>
+          <a:bodyPr vert="horz" lIns="91440" tIns="45720" rIns="91440" bIns="45720" rtlCol="0"/>
+          <a:lstStyle>
+            <a:lvl1pPr algn="r">
+              <a:defRPr sz="1200"/>
+            </a:lvl1pPr>
+          </a:lstStyle>
+          <a:p>
+            <a:fld id="{E72C425F-0903-4742-918F-38AA0B3C0E0A}" type="datetimeFigureOut">
+              <a:rPr lang="en-US" smtClean="0"/>
+              <a:t>12/11/2020</a:t>
+            </a:fld>
+            <a:endParaRPr lang="en-US"/>
+          </a:p>
+        </p:txBody>
+      </p:sp>
+      <p:sp>
+        <p:nvSpPr>
+          <p:cNvPr id="4" name="Slide Image Placeholder 3"/>
+          <p:cNvSpPr>
+            <a:spLocks noGrp="1" noRot="1" noChangeAspect="1"/>
+          </p:cNvSpPr>
+          <p:nvPr>
+            <p:ph type="sldImg" idx="2"/>
+          </p:nvPr>
+        </p:nvSpPr>
+        <p:spPr>
+          <a:xfrm>
+            <a:off x="685800" y="1143000"/>
+            <a:ext cx="5486400" cy="3086100"/>
+          </a:xfrm>
+          <a:prstGeom prst="rect">
+            <a:avLst/>
+          </a:prstGeom>
+          <a:noFill/>
+          <a:ln w="12700">
+            <a:solidFill>
+              <a:prstClr val="black"/>
+            </a:solidFill>
+          </a:ln>
+        </p:spPr>
+        <p:txBody>
+          <a:bodyPr vert="horz" lIns="91440" tIns="45720" rIns="91440" bIns="45720" rtlCol="0" anchor="ctr"/>
+          <a:lstStyle/>
+          <a:p>
+            <a:endParaRPr lang="en-US"/>
+          </a:p>
+        </p:txBody>
+      </p:sp>
+      <p:sp>
+        <p:nvSpPr>
+          <p:cNvPr id="5" name="Notes Placeholder 4"/>
+          <p:cNvSpPr>
+            <a:spLocks noGrp="1"/>
+          </p:cNvSpPr>
+          <p:nvPr>
+            <p:ph type="body" sz="quarter" idx="3"/>
+          </p:nvPr>
+        </p:nvSpPr>
+        <p:spPr>
+          <a:xfrm>
+            <a:off x="685800" y="4400550"/>
+            <a:ext cx="5486400" cy="3600450"/>
+          </a:xfrm>
+          <a:prstGeom prst="rect">
+            <a:avLst/>
+          </a:prstGeom>
+        </p:spPr>
+        <p:txBody>
+          <a:bodyPr vert="horz" lIns="91440" tIns="45720" rIns="91440" bIns="45720" rtlCol="0"/>
+          <a:lstStyle/>
+          <a:p>
+            <a:pPr lvl="0"/>
+            <a:r>
+              <a:rPr lang="en-US"/>
+              <a:t>Edit Master text styles</a:t>
+            </a:r>
+          </a:p>
+          <a:p>
+            <a:pPr lvl="1"/>
+            <a:r>
+              <a:rPr lang="en-US"/>
+              <a:t>Second level</a:t>
+            </a:r>
+          </a:p>
+          <a:p>
+            <a:pPr lvl="2"/>
+            <a:r>
+              <a:rPr lang="en-US"/>
+              <a:t>Third level</a:t>
+            </a:r>
+          </a:p>
+          <a:p>
+            <a:pPr lvl="3"/>
+            <a:r>
+              <a:rPr lang="en-US"/>
+              <a:t>Fourth level</a:t>
+            </a:r>
+          </a:p>
+          <a:p>
+            <a:pPr lvl="4"/>
+            <a:r>
+              <a:rPr lang="en-US"/>
+              <a:t>Fifth level</a:t>
+            </a:r>
+          </a:p>
+        </p:txBody>
+      </p:sp>
+      <p:sp>
+        <p:nvSpPr>
+          <p:cNvPr id="6" name="Footer Placeholder 5"/>
+          <p:cNvSpPr>
+            <a:spLocks noGrp="1"/>
+          </p:cNvSpPr>
+          <p:nvPr>
+            <p:ph type="ftr" sz="quarter" idx="4"/>
+          </p:nvPr>
+        </p:nvSpPr>
+        <p:spPr>
+          <a:xfrm>
+            <a:off x="0" y="8685213"/>
+            <a:ext cx="2971800" cy="458787"/>
+          </a:xfrm>
+          <a:prstGeom prst="rect">
+            <a:avLst/>
+          </a:prstGeom>
+        </p:spPr>
+        <p:txBody>
+          <a:bodyPr vert="horz" lIns="91440" tIns="45720" rIns="91440" bIns="45720" rtlCol="0" anchor="b"/>
+          <a:lstStyle>
+            <a:lvl1pPr algn="l">
+              <a:defRPr sz="1200"/>
+            </a:lvl1pPr>
+          </a:lstStyle>
+          <a:p>
+            <a:endParaRPr lang="en-US"/>
+          </a:p>
+        </p:txBody>
+      </p:sp>
+      <p:sp>
+        <p:nvSpPr>
+          <p:cNvPr id="7" name="Slide Number Placeholder 6"/>
+          <p:cNvSpPr>
+            <a:spLocks noGrp="1"/>
+          </p:cNvSpPr>
+          <p:nvPr>
+            <p:ph type="sldNum" sz="quarter" idx="5"/>
+          </p:nvPr>
+        </p:nvSpPr>
+        <p:spPr>
+          <a:xfrm>
+            <a:off x="3884613" y="8685213"/>
+            <a:ext cx="2971800" cy="458787"/>
+          </a:xfrm>
+          <a:prstGeom prst="rect">
+            <a:avLst/>
+          </a:prstGeom>
+        </p:spPr>
+        <p:txBody>
+          <a:bodyPr vert="horz" lIns="91440" tIns="45720" rIns="91440" bIns="45720" rtlCol="0" anchor="b"/>
+          <a:lstStyle>
+            <a:lvl1pPr algn="r">
+              <a:defRPr sz="1200"/>
+            </a:lvl1pPr>
+          </a:lstStyle>
+          <a:p>
+            <a:fld id="{5735C113-C2C6-496E-956D-244AD5F28732}" type="slidenum">
+              <a:rPr lang="en-US" smtClean="0"/>
+              <a:t>‹#›</a:t>
+            </a:fld>
+            <a:endParaRPr lang="en-US"/>
+          </a:p>
+        </p:txBody>
+      </p:sp>
+    </p:spTree>
+    <p:extLst>
+      <p:ext uri="{BB962C8B-B14F-4D97-AF65-F5344CB8AC3E}">
+        <p14:creationId xmlns:p14="http://schemas.microsoft.com/office/powerpoint/2010/main" val="3655133099"/>
+      </p:ext>
+    </p:extLst>
+  </p:cSld>
+  <p:clrMap bg1="lt1" tx1="dk1" bg2="lt2" tx2="dk2" accent1="accent1" accent2="accent2" accent3="accent3" accent4="accent4" accent5="accent5" accent6="accent6" hlink="hlink" folHlink="folHlink"/>
+  <p:hf hdr="0" ftr="0" dt="0"/>
+  <p:notesStyle>
+    <a:lvl1pPr marL="0" algn="l" defTabSz="914400" rtl="0" eaLnBrk="1" latinLnBrk="0" hangingPunct="1">
+      <a:defRPr sz="1200" kern="1200">
+        <a:solidFill>
+          <a:schemeClr val="tx1"/>
+        </a:solidFill>
+        <a:latin typeface="+mn-lt"/>
+        <a:ea typeface="+mn-ea"/>
+        <a:cs typeface="+mn-cs"/>
+      </a:defRPr>
+    </a:lvl1pPr>
+    <a:lvl2pPr marL="457200" algn="l" defTabSz="914400" rtl="0" eaLnBrk="1" latinLnBrk="0" hangingPunct="1">
+      <a:defRPr sz="1200" kern="1200">
+        <a:solidFill>
+          <a:schemeClr val="tx1"/>
+        </a:solidFill>
+        <a:latin typeface="+mn-lt"/>
+        <a:ea typeface="+mn-ea"/>
+        <a:cs typeface="+mn-cs"/>
+      </a:defRPr>
+    </a:lvl2pPr>
+    <a:lvl3pPr marL="914400" algn="l" defTabSz="914400" rtl="0" eaLnBrk="1" latinLnBrk="0" hangingPunct="1">
+      <a:defRPr sz="1200" kern="1200">
+        <a:solidFill>
+          <a:schemeClr val="tx1"/>
+        </a:solidFill>
+        <a:latin typeface="+mn-lt"/>
+        <a:ea typeface="+mn-ea"/>
+        <a:cs typeface="+mn-cs"/>
+      </a:defRPr>
+    </a:lvl3pPr>
+    <a:lvl4pPr marL="1371600" algn="l" defTabSz="914400" rtl="0" eaLnBrk="1" latinLnBrk="0" hangingPunct="1">
+      <a:defRPr sz="1200" kern="1200">
+        <a:solidFill>
+          <a:schemeClr val="tx1"/>
+        </a:solidFill>
+        <a:latin typeface="+mn-lt"/>
+        <a:ea typeface="+mn-ea"/>
+        <a:cs typeface="+mn-cs"/>
+      </a:defRPr>
+    </a:lvl4pPr>
+    <a:lvl5pPr marL="1828800" algn="l" defTabSz="914400" rtl="0" eaLnBrk="1" latinLnBrk="0" hangingPunct="1">
+      <a:defRPr sz="1200" kern="1200">
+        <a:solidFill>
+          <a:schemeClr val="tx1"/>
+        </a:solidFill>
+        <a:latin typeface="+mn-lt"/>
+        <a:ea typeface="+mn-ea"/>
+        <a:cs typeface="+mn-cs"/>
+      </a:defRPr>
+    </a:lvl5pPr>
+    <a:lvl6pPr marL="2286000" algn="l" defTabSz="914400" rtl="0" eaLnBrk="1" latinLnBrk="0" hangingPunct="1">
+      <a:defRPr sz="1200" kern="1200">
+        <a:solidFill>
+          <a:schemeClr val="tx1"/>
+        </a:solidFill>
+        <a:latin typeface="+mn-lt"/>
+        <a:ea typeface="+mn-ea"/>
+        <a:cs typeface="+mn-cs"/>
+      </a:defRPr>
+    </a:lvl6pPr>
+    <a:lvl7pPr marL="2743200" algn="l" defTabSz="914400" rtl="0" eaLnBrk="1" latinLnBrk="0" hangingPunct="1">
+      <a:defRPr sz="1200" kern="1200">
+        <a:solidFill>
+          <a:schemeClr val="tx1"/>
+        </a:solidFill>
+        <a:latin typeface="+mn-lt"/>
+        <a:ea typeface="+mn-ea"/>
+        <a:cs typeface="+mn-cs"/>
+      </a:defRPr>
+    </a:lvl7pPr>
+    <a:lvl8pPr marL="3200400" algn="l" defTabSz="914400" rtl="0" eaLnBrk="1" latinLnBrk="0" hangingPunct="1">
+      <a:defRPr sz="1200" kern="1200">
+        <a:solidFill>
+          <a:schemeClr val="tx1"/>
+        </a:solidFill>
+        <a:latin typeface="+mn-lt"/>
+        <a:ea typeface="+mn-ea"/>
+        <a:cs typeface="+mn-cs"/>
+      </a:defRPr>
+    </a:lvl8pPr>
+    <a:lvl9pPr marL="3657600" algn="l" defTabSz="914400" rtl="0" eaLnBrk="1" latinLnBrk="0" hangingPunct="1">
+      <a:defRPr sz="1200" kern="1200">
+        <a:solidFill>
+          <a:schemeClr val="tx1"/>
+        </a:solidFill>
+        <a:latin typeface="+mn-lt"/>
+        <a:ea typeface="+mn-ea"/>
+        <a:cs typeface="+mn-cs"/>
+      </a:defRPr>
+    </a:lvl9pPr>
+  </p:notesStyle>
+</p:notesMaster>
 </file>
 
 <file path=ppt/slideLayouts/slideLayout1.xml><?xml version="1.0" encoding="utf-8"?>
@@ -335,9 +912,8 @@
           <a:bodyPr/>
           <a:lstStyle/>
           <a:p>
-            <a:fld id="{B61BEF0D-F0BB-DE4B-95CE-6DB70DBA9567}" type="datetimeFigureOut">
-              <a:rPr lang="en-US"/>
-              <a:pPr/>
+            <a:fld id="{6F75D4E6-ACA1-4D8E-8FDB-B166BB934D9F}" type="datetime1">
+              <a:rPr lang="en-US" smtClean="0"/>
               <a:t>12/11/2020</a:t>
             </a:fld>
             <a:endParaRPr lang="en-US"/>
@@ -364,7 +940,10 @@
           <a:bodyPr/>
           <a:lstStyle/>
           <a:p>
-            <a:endParaRPr lang="en-US"/>
+            <a:r>
+              <a:rPr lang="en-US"/>
+              <a:t>ShipXanh - Bán Hàng Thông Minh</a:t>
+            </a:r>
           </a:p>
         </p:txBody>
       </p:sp>
@@ -665,9 +1244,8 @@
           <a:bodyPr/>
           <a:lstStyle/>
           <a:p>
-            <a:fld id="{B61BEF0D-F0BB-DE4B-95CE-6DB70DBA9567}" type="datetimeFigureOut">
-              <a:rPr lang="en-US"/>
-              <a:pPr/>
+            <a:fld id="{9D872A2A-055E-4476-9416-54BB00579FCE}" type="datetime1">
+              <a:rPr lang="en-US" smtClean="0"/>
               <a:t>12/11/2020</a:t>
             </a:fld>
             <a:endParaRPr lang="en-US"/>
@@ -689,7 +1267,10 @@
           <a:bodyPr/>
           <a:lstStyle/>
           <a:p>
-            <a:endParaRPr lang="en-US"/>
+            <a:r>
+              <a:rPr lang="en-US"/>
+              <a:t>ShipXanh - Bán Hàng Thông Minh</a:t>
+            </a:r>
           </a:p>
         </p:txBody>
       </p:sp>
@@ -940,9 +1521,8 @@
           <a:bodyPr/>
           <a:lstStyle/>
           <a:p>
-            <a:fld id="{B61BEF0D-F0BB-DE4B-95CE-6DB70DBA9567}" type="datetimeFigureOut">
-              <a:rPr lang="en-US"/>
-              <a:pPr/>
+            <a:fld id="{CC768A4A-B487-40C8-AC5F-686D11057113}" type="datetime1">
+              <a:rPr lang="en-US" smtClean="0"/>
               <a:t>12/11/2020</a:t>
             </a:fld>
             <a:endParaRPr lang="en-US"/>
@@ -964,7 +1544,10 @@
           <a:bodyPr/>
           <a:lstStyle/>
           <a:p>
-            <a:endParaRPr lang="en-US"/>
+            <a:r>
+              <a:rPr lang="en-US"/>
+              <a:t>ShipXanh - Bán Hàng Thông Minh</a:t>
+            </a:r>
           </a:p>
         </p:txBody>
       </p:sp>
@@ -1505,9 +2088,8 @@
           <a:bodyPr/>
           <a:lstStyle/>
           <a:p>
-            <a:fld id="{B61BEF0D-F0BB-DE4B-95CE-6DB70DBA9567}" type="datetimeFigureOut">
-              <a:rPr lang="en-US"/>
-              <a:pPr/>
+            <a:fld id="{2B048229-FAFB-4095-8115-546E5CDD1C71}" type="datetime1">
+              <a:rPr lang="en-US" smtClean="0"/>
               <a:t>12/11/2020</a:t>
             </a:fld>
             <a:endParaRPr lang="en-US"/>
@@ -1529,7 +2111,10 @@
           <a:bodyPr/>
           <a:lstStyle/>
           <a:p>
-            <a:endParaRPr lang="en-US"/>
+            <a:r>
+              <a:rPr lang="en-US"/>
+              <a:t>ShipXanh - Bán Hàng Thông Minh</a:t>
+            </a:r>
           </a:p>
         </p:txBody>
       </p:sp>
@@ -1780,9 +2365,8 @@
           <a:bodyPr/>
           <a:lstStyle/>
           <a:p>
-            <a:fld id="{B61BEF0D-F0BB-DE4B-95CE-6DB70DBA9567}" type="datetimeFigureOut">
-              <a:rPr lang="en-US"/>
-              <a:pPr/>
+            <a:fld id="{F334EAFA-26BE-4CB5-BB11-9624C7CBAA72}" type="datetime1">
+              <a:rPr lang="en-US" smtClean="0"/>
               <a:t>12/11/2020</a:t>
             </a:fld>
             <a:endParaRPr lang="en-US"/>
@@ -1804,7 +2388,10 @@
           <a:bodyPr/>
           <a:lstStyle/>
           <a:p>
-            <a:endParaRPr lang="en-US"/>
+            <a:r>
+              <a:rPr lang="en-US"/>
+              <a:t>ShipXanh - Bán Hàng Thông Minh</a:t>
+            </a:r>
           </a:p>
         </p:txBody>
       </p:sp>
@@ -2339,9 +2926,8 @@
           <a:bodyPr/>
           <a:lstStyle/>
           <a:p>
-            <a:fld id="{B61BEF0D-F0BB-DE4B-95CE-6DB70DBA9567}" type="datetimeFigureOut">
-              <a:rPr lang="en-US"/>
-              <a:pPr/>
+            <a:fld id="{C833E9C8-A4FD-4B17-B80F-DF3047E860C0}" type="datetime1">
+              <a:rPr lang="en-US" smtClean="0"/>
               <a:t>12/11/2020</a:t>
             </a:fld>
             <a:endParaRPr lang="en-US"/>
@@ -2363,7 +2949,10 @@
           <a:bodyPr/>
           <a:lstStyle/>
           <a:p>
-            <a:endParaRPr lang="en-US"/>
+            <a:r>
+              <a:rPr lang="en-US"/>
+              <a:t>ShipXanh - Bán Hàng Thông Minh</a:t>
+            </a:r>
           </a:p>
         </p:txBody>
       </p:sp>
@@ -2663,9 +3252,8 @@
           <a:bodyPr/>
           <a:lstStyle/>
           <a:p>
-            <a:fld id="{B61BEF0D-F0BB-DE4B-95CE-6DB70DBA9567}" type="datetimeFigureOut">
-              <a:rPr lang="en-US"/>
-              <a:pPr/>
+            <a:fld id="{10B7EB13-3622-4F65-BC22-6AFA904A8249}" type="datetime1">
+              <a:rPr lang="en-US" smtClean="0"/>
               <a:t>12/11/2020</a:t>
             </a:fld>
             <a:endParaRPr lang="en-US"/>
@@ -2687,7 +3275,10 @@
           <a:bodyPr/>
           <a:lstStyle/>
           <a:p>
-            <a:endParaRPr lang="en-US"/>
+            <a:r>
+              <a:rPr lang="en-US"/>
+              <a:t>ShipXanh - Bán Hàng Thông Minh</a:t>
+            </a:r>
           </a:p>
         </p:txBody>
       </p:sp>
@@ -2837,9 +3428,8 @@
           <a:bodyPr/>
           <a:lstStyle/>
           <a:p>
-            <a:fld id="{B61BEF0D-F0BB-DE4B-95CE-6DB70DBA9567}" type="datetimeFigureOut">
-              <a:rPr lang="en-US"/>
-              <a:pPr/>
+            <a:fld id="{6E3465C3-937D-4483-B569-BEE0A66C55E0}" type="datetime1">
+              <a:rPr lang="en-US" smtClean="0"/>
               <a:t>12/11/2020</a:t>
             </a:fld>
             <a:endParaRPr lang="en-US"/>
@@ -2861,7 +3451,10 @@
           <a:bodyPr/>
           <a:lstStyle/>
           <a:p>
-            <a:endParaRPr lang="en-US"/>
+            <a:r>
+              <a:rPr lang="en-US"/>
+              <a:t>ShipXanh - Bán Hàng Thông Minh</a:t>
+            </a:r>
           </a:p>
         </p:txBody>
       </p:sp>
@@ -3072,9 +3665,8 @@
           <a:bodyPr/>
           <a:lstStyle/>
           <a:p>
-            <a:fld id="{B61BEF0D-F0BB-DE4B-95CE-6DB70DBA9567}" type="datetimeFigureOut">
-              <a:rPr lang="en-US"/>
-              <a:pPr/>
+            <a:fld id="{75B1464D-3870-4068-9CDD-4F2B1AED578D}" type="datetime1">
+              <a:rPr lang="en-US" smtClean="0"/>
               <a:t>12/11/2020</a:t>
             </a:fld>
             <a:endParaRPr lang="en-US"/>
@@ -3096,7 +3688,10 @@
           <a:bodyPr/>
           <a:lstStyle/>
           <a:p>
-            <a:endParaRPr lang="en-US"/>
+            <a:r>
+              <a:rPr lang="en-US"/>
+              <a:t>ShipXanh - Bán Hàng Thông Minh</a:t>
+            </a:r>
           </a:p>
         </p:txBody>
       </p:sp>
@@ -3269,9 +3864,8 @@
           <a:bodyPr/>
           <a:lstStyle/>
           <a:p>
-            <a:fld id="{B61BEF0D-F0BB-DE4B-95CE-6DB70DBA9567}" type="datetimeFigureOut">
-              <a:rPr lang="en-US"/>
-              <a:pPr/>
+            <a:fld id="{087372F2-2152-418B-B3E2-C6DE92D62803}" type="datetime1">
+              <a:rPr lang="en-US" smtClean="0"/>
               <a:t>12/11/2020</a:t>
             </a:fld>
             <a:endParaRPr lang="en-US"/>
@@ -3293,7 +3887,10 @@
           <a:bodyPr/>
           <a:lstStyle/>
           <a:p>
-            <a:endParaRPr lang="en-US"/>
+            <a:r>
+              <a:rPr lang="en-US"/>
+              <a:t>ShipXanh - Bán Hàng Thông Minh</a:t>
+            </a:r>
           </a:p>
         </p:txBody>
       </p:sp>
@@ -3542,9 +4139,8 @@
           <a:bodyPr/>
           <a:lstStyle/>
           <a:p>
-            <a:fld id="{B61BEF0D-F0BB-DE4B-95CE-6DB70DBA9567}" type="datetimeFigureOut">
-              <a:rPr lang="en-US"/>
-              <a:pPr/>
+            <a:fld id="{1DCCD821-DC88-4EA6-8583-373525788824}" type="datetime1">
+              <a:rPr lang="en-US" smtClean="0"/>
               <a:t>12/11/2020</a:t>
             </a:fld>
             <a:endParaRPr lang="en-US"/>
@@ -3566,7 +4162,10 @@
           <a:bodyPr/>
           <a:lstStyle/>
           <a:p>
-            <a:endParaRPr lang="en-US"/>
+            <a:r>
+              <a:rPr lang="en-US"/>
+              <a:t>ShipXanh - Bán Hàng Thông Minh</a:t>
+            </a:r>
           </a:p>
         </p:txBody>
       </p:sp>
@@ -3805,9 +4404,8 @@
           <a:bodyPr/>
           <a:lstStyle/>
           <a:p>
-            <a:fld id="{B61BEF0D-F0BB-DE4B-95CE-6DB70DBA9567}" type="datetimeFigureOut">
-              <a:rPr lang="en-US"/>
-              <a:pPr/>
+            <a:fld id="{A98CF06D-BB50-422B-AC8A-6FED3005CD9D}" type="datetime1">
+              <a:rPr lang="en-US" smtClean="0"/>
               <a:t>12/11/2020</a:t>
             </a:fld>
             <a:endParaRPr lang="en-US"/>
@@ -3829,7 +4427,10 @@
           <a:bodyPr/>
           <a:lstStyle/>
           <a:p>
-            <a:endParaRPr lang="en-US"/>
+            <a:r>
+              <a:rPr lang="en-US"/>
+              <a:t>ShipXanh - Bán Hàng Thông Minh</a:t>
+            </a:r>
           </a:p>
         </p:txBody>
       </p:sp>
@@ -4176,9 +4777,8 @@
           <a:bodyPr/>
           <a:lstStyle/>
           <a:p>
-            <a:fld id="{B61BEF0D-F0BB-DE4B-95CE-6DB70DBA9567}" type="datetimeFigureOut">
-              <a:rPr lang="en-US"/>
-              <a:pPr/>
+            <a:fld id="{A7AA9299-B0ED-4AEB-89AE-13CB3ED4BBC2}" type="datetime1">
+              <a:rPr lang="en-US" smtClean="0"/>
               <a:t>12/11/2020</a:t>
             </a:fld>
             <a:endParaRPr lang="en-US"/>
@@ -4200,7 +4800,10 @@
           <a:bodyPr/>
           <a:lstStyle/>
           <a:p>
-            <a:endParaRPr lang="en-US"/>
+            <a:r>
+              <a:rPr lang="en-US"/>
+              <a:t>ShipXanh - Bán Hàng Thông Minh</a:t>
+            </a:r>
           </a:p>
         </p:txBody>
       </p:sp>
@@ -4321,9 +4924,8 @@
           <a:bodyPr/>
           <a:lstStyle/>
           <a:p>
-            <a:fld id="{B61BEF0D-F0BB-DE4B-95CE-6DB70DBA9567}" type="datetimeFigureOut">
-              <a:rPr lang="en-US"/>
-              <a:pPr/>
+            <a:fld id="{433A2310-E276-4A2A-8549-440DF94A9B0F}" type="datetime1">
+              <a:rPr lang="en-US" smtClean="0"/>
               <a:t>12/11/2020</a:t>
             </a:fld>
             <a:endParaRPr lang="en-US"/>
@@ -4345,7 +4947,10 @@
           <a:bodyPr/>
           <a:lstStyle/>
           <a:p>
-            <a:endParaRPr lang="en-US"/>
+            <a:r>
+              <a:rPr lang="en-US"/>
+              <a:t>ShipXanh - Bán Hàng Thông Minh</a:t>
+            </a:r>
           </a:p>
         </p:txBody>
       </p:sp>
@@ -4443,9 +5048,8 @@
           <a:bodyPr/>
           <a:lstStyle/>
           <a:p>
-            <a:fld id="{B61BEF0D-F0BB-DE4B-95CE-6DB70DBA9567}" type="datetimeFigureOut">
-              <a:rPr lang="en-US"/>
-              <a:pPr/>
+            <a:fld id="{813916FF-E217-44A5-B785-3591E1C7FFE8}" type="datetime1">
+              <a:rPr lang="en-US" smtClean="0"/>
               <a:t>12/11/2020</a:t>
             </a:fld>
             <a:endParaRPr lang="en-US"/>
@@ -4467,7 +5071,10 @@
           <a:bodyPr/>
           <a:lstStyle/>
           <a:p>
-            <a:endParaRPr lang="en-US"/>
+            <a:r>
+              <a:rPr lang="en-US"/>
+              <a:t>ShipXanh - Bán Hàng Thông Minh</a:t>
+            </a:r>
           </a:p>
         </p:txBody>
       </p:sp>
@@ -4725,9 +5332,8 @@
           <a:bodyPr/>
           <a:lstStyle/>
           <a:p>
-            <a:fld id="{B61BEF0D-F0BB-DE4B-95CE-6DB70DBA9567}" type="datetimeFigureOut">
-              <a:rPr lang="en-US"/>
-              <a:pPr/>
+            <a:fld id="{DE99D95E-4686-446F-AEE6-05837D61B93D}" type="datetime1">
+              <a:rPr lang="en-US" smtClean="0"/>
               <a:t>12/11/2020</a:t>
             </a:fld>
             <a:endParaRPr lang="en-US"/>
@@ -4749,7 +5355,10 @@
           <a:bodyPr/>
           <a:lstStyle/>
           <a:p>
-            <a:endParaRPr lang="en-US"/>
+            <a:r>
+              <a:rPr lang="en-US"/>
+              <a:t>ShipXanh - Bán Hàng Thông Minh</a:t>
+            </a:r>
           </a:p>
         </p:txBody>
       </p:sp>
@@ -5045,9 +5654,8 @@
           <a:bodyPr/>
           <a:lstStyle/>
           <a:p>
-            <a:fld id="{B61BEF0D-F0BB-DE4B-95CE-6DB70DBA9567}" type="datetimeFigureOut">
-              <a:rPr lang="en-US"/>
-              <a:pPr/>
+            <a:fld id="{257C3206-10BE-4BC9-AAFD-73E21C07E10E}" type="datetime1">
+              <a:rPr lang="en-US" smtClean="0"/>
               <a:t>12/11/2020</a:t>
             </a:fld>
             <a:endParaRPr lang="en-US"/>
@@ -5069,7 +5677,10 @@
           <a:bodyPr/>
           <a:lstStyle/>
           <a:p>
-            <a:endParaRPr lang="en-US"/>
+            <a:r>
+              <a:rPr lang="en-US"/>
+              <a:t>ShipXanh - Bán Hàng Thông Minh</a:t>
+            </a:r>
           </a:p>
         </p:txBody>
       </p:sp>
@@ -5256,9 +5867,8 @@
             </a:lvl1pPr>
           </a:lstStyle>
           <a:p>
-            <a:fld id="{B61BEF0D-F0BB-DE4B-95CE-6DB70DBA9567}" type="datetimeFigureOut">
-              <a:rPr lang="en-US"/>
-              <a:pPr/>
+            <a:fld id="{8048B8E9-DCE5-45F4-8226-916AA5D27FFA}" type="datetime1">
+              <a:rPr lang="en-US" smtClean="0"/>
               <a:t>12/11/2020</a:t>
             </a:fld>
             <a:endParaRPr lang="en-US"/>
@@ -5298,7 +5908,10 @@
             </a:lvl1pPr>
           </a:lstStyle>
           <a:p>
-            <a:endParaRPr lang="en-US"/>
+            <a:r>
+              <a:rPr lang="en-US"/>
+              <a:t>ShipXanh - Bán Hàng Thông Minh</a:t>
+            </a:r>
           </a:p>
         </p:txBody>
       </p:sp>
@@ -5366,6 +5979,7 @@
     <p:sldLayoutId id="2147483658" r:id="rId16"/>
     <p:sldLayoutId id="2147483659" r:id="rId17"/>
   </p:sldLayoutIdLst>
+  <p:hf sldNum="0" hdr="0" ftr="0" dt="0"/>
   <p:txStyles>
     <p:titleStyle>
       <a:lvl1pPr algn="l" defTabSz="457200" rtl="0" eaLnBrk="1" latinLnBrk="0" hangingPunct="1">
@@ -5912,8 +6526,8 @@
         </p:nvSpPr>
         <p:spPr>
           <a:xfrm>
-            <a:off x="3768055" y="5008228"/>
-            <a:ext cx="4655890" cy="369332"/>
+            <a:off x="3326934" y="4991450"/>
+            <a:ext cx="5538132" cy="923330"/>
           </a:xfrm>
           <a:prstGeom prst="rect">
             <a:avLst/>
@@ -5932,7 +6546,73 @@
                 <a:latin typeface="JetBrains Mono" panose="02000009000000000000" pitchFamily="49" charset="0"/>
                 <a:cs typeface="JetBrains Mono" panose="02000009000000000000" pitchFamily="49" charset="0"/>
               </a:rPr>
-              <a:t>Nguyễn Công Huynh – K61 N</a:t>
+              <a:t>Sinh viên: Nguyễn Công Huynh – K61 N</a:t>
+            </a:r>
+          </a:p>
+          <a:p>
+            <a:pPr algn="ctr"/>
+            <a:endParaRPr lang="en-US">
+              <a:latin typeface="JetBrains Mono" panose="02000009000000000000" pitchFamily="49" charset="0"/>
+              <a:cs typeface="JetBrains Mono" panose="02000009000000000000" pitchFamily="49" charset="0"/>
+            </a:endParaRPr>
+          </a:p>
+          <a:p>
+            <a:pPr algn="ctr"/>
+            <a:r>
+              <a:rPr lang="en-US">
+                <a:latin typeface="JetBrains Mono" panose="02000009000000000000" pitchFamily="49" charset="0"/>
+                <a:cs typeface="JetBrains Mono" panose="02000009000000000000" pitchFamily="49" charset="0"/>
+              </a:rPr>
+              <a:t>Giảng viên h</a:t>
+            </a:r>
+            <a:r>
+              <a:rPr lang="vi-VN">
+                <a:latin typeface="JetBrains Mono" panose="02000009000000000000" pitchFamily="49" charset="0"/>
+                <a:cs typeface="JetBrains Mono" panose="02000009000000000000" pitchFamily="49" charset="0"/>
+              </a:rPr>
+              <a:t>ư</a:t>
+            </a:r>
+            <a:r>
+              <a:rPr lang="en-US">
+                <a:latin typeface="JetBrains Mono" panose="02000009000000000000" pitchFamily="49" charset="0"/>
+                <a:cs typeface="JetBrains Mono" panose="02000009000000000000" pitchFamily="49" charset="0"/>
+              </a:rPr>
+              <a:t>ớng dẫn: TS. Trần Trúc Mai</a:t>
+            </a:r>
+          </a:p>
+        </p:txBody>
+      </p:sp>
+      <p:sp>
+        <p:nvSpPr>
+          <p:cNvPr id="5" name="TextBox 4">
+            <a:extLst>
+              <a:ext uri="{FF2B5EF4-FFF2-40B4-BE49-F238E27FC236}">
+                <a16:creationId xmlns:a16="http://schemas.microsoft.com/office/drawing/2014/main" id="{33D32502-F23A-4B9F-BB2A-4468859AD17A}"/>
+              </a:ext>
+            </a:extLst>
+          </p:cNvPr>
+          <p:cNvSpPr txBox="1"/>
+          <p:nvPr/>
+        </p:nvSpPr>
+        <p:spPr>
+          <a:xfrm>
+            <a:off x="1730061" y="443321"/>
+            <a:ext cx="8731878" cy="369332"/>
+          </a:xfrm>
+          <a:prstGeom prst="rect">
+            <a:avLst/>
+          </a:prstGeom>
+          <a:noFill/>
+        </p:spPr>
+        <p:txBody>
+          <a:bodyPr wrap="none" rtlCol="0">
+            <a:spAutoFit/>
+          </a:bodyPr>
+          <a:lstStyle/>
+          <a:p>
+            <a:r>
+              <a:rPr lang="en-US"/>
+              <a:t>ĐỒ ÁN TỐT NGHIỆP – ĐẠI HỌC CÔNG NGHỆ - ĐẠI HỌC QUỐC GIA HÀ NỘI</a:t>
             </a:r>
           </a:p>
         </p:txBody>
@@ -5947,6 +6627,1847 @@
   <p:clrMapOvr>
     <a:masterClrMapping/>
   </p:clrMapOvr>
+  <p:transition spd="slow">
+    <p:cover/>
+  </p:transition>
+</p:sld>
+</file>
+
+<file path=ppt/slides/slide10.xml><?xml version="1.0" encoding="utf-8"?>
+<p:sld xmlns:a="http://schemas.openxmlformats.org/drawingml/2006/main" xmlns:r="http://schemas.openxmlformats.org/officeDocument/2006/relationships" xmlns:p="http://schemas.openxmlformats.org/presentationml/2006/main">
+  <p:cSld>
+    <p:spTree>
+      <p:nvGrpSpPr>
+        <p:cNvPr id="1" name=""/>
+        <p:cNvGrpSpPr/>
+        <p:nvPr/>
+      </p:nvGrpSpPr>
+      <p:grpSpPr>
+        <a:xfrm>
+          <a:off x="0" y="0"/>
+          <a:ext cx="0" cy="0"/>
+          <a:chOff x="0" y="0"/>
+          <a:chExt cx="0" cy="0"/>
+        </a:xfrm>
+      </p:grpSpPr>
+      <p:pic>
+        <p:nvPicPr>
+          <p:cNvPr id="5" name="Picture 4">
+            <a:extLst>
+              <a:ext uri="{FF2B5EF4-FFF2-40B4-BE49-F238E27FC236}">
+                <a16:creationId xmlns:a16="http://schemas.microsoft.com/office/drawing/2014/main" id="{EEC3E9DB-F069-4894-A60E-1164C7386299}"/>
+              </a:ext>
+            </a:extLst>
+          </p:cNvPr>
+          <p:cNvPicPr>
+            <a:picLocks noChangeAspect="1"/>
+          </p:cNvPicPr>
+          <p:nvPr/>
+        </p:nvPicPr>
+        <p:blipFill>
+          <a:blip r:embed="rId2"/>
+          <a:stretch>
+            <a:fillRect/>
+          </a:stretch>
+        </p:blipFill>
+        <p:spPr>
+          <a:xfrm>
+            <a:off x="2218468" y="310392"/>
+            <a:ext cx="7755064" cy="5408431"/>
+          </a:xfrm>
+          <a:prstGeom prst="rect">
+            <a:avLst/>
+          </a:prstGeom>
+          <a:solidFill>
+            <a:srgbClr val="FFFFFF">
+              <a:shade val="85000"/>
+            </a:srgbClr>
+          </a:solidFill>
+          <a:ln w="88900" cap="sq">
+            <a:solidFill>
+              <a:srgbClr val="FFFFFF"/>
+            </a:solidFill>
+            <a:miter lim="800000"/>
+          </a:ln>
+          <a:effectLst>
+            <a:outerShdw blurRad="55000" dist="18000" dir="5400000" algn="tl" rotWithShape="0">
+              <a:srgbClr val="000000">
+                <a:alpha val="40000"/>
+              </a:srgbClr>
+            </a:outerShdw>
+          </a:effectLst>
+          <a:scene3d>
+            <a:camera prst="orthographicFront"/>
+            <a:lightRig rig="twoPt" dir="t">
+              <a:rot lat="0" lon="0" rev="7200000"/>
+            </a:lightRig>
+          </a:scene3d>
+          <a:sp3d>
+            <a:bevelT w="25400" h="19050"/>
+            <a:contourClr>
+              <a:srgbClr val="FFFFFF"/>
+            </a:contourClr>
+          </a:sp3d>
+        </p:spPr>
+      </p:pic>
+      <p:sp>
+        <p:nvSpPr>
+          <p:cNvPr id="6" name="TextBox 5">
+            <a:extLst>
+              <a:ext uri="{FF2B5EF4-FFF2-40B4-BE49-F238E27FC236}">
+                <a16:creationId xmlns:a16="http://schemas.microsoft.com/office/drawing/2014/main" id="{F0320D1F-2167-428C-980D-DE8EC7FA68B6}"/>
+              </a:ext>
+            </a:extLst>
+          </p:cNvPr>
+          <p:cNvSpPr txBox="1"/>
+          <p:nvPr/>
+        </p:nvSpPr>
+        <p:spPr>
+          <a:xfrm>
+            <a:off x="2218468" y="6056851"/>
+            <a:ext cx="7766870" cy="369332"/>
+          </a:xfrm>
+          <a:prstGeom prst="rect">
+            <a:avLst/>
+          </a:prstGeom>
+          <a:noFill/>
+        </p:spPr>
+        <p:txBody>
+          <a:bodyPr wrap="none" rtlCol="0">
+            <a:spAutoFit/>
+          </a:bodyPr>
+          <a:lstStyle/>
+          <a:p>
+            <a:r>
+              <a:rPr lang="en-US"/>
+              <a:t>Kết quả tìm kiếm trên Google cho từ khóa Công Cụ Shopee</a:t>
+            </a:r>
+          </a:p>
+        </p:txBody>
+      </p:sp>
+    </p:spTree>
+    <p:extLst>
+      <p:ext uri="{BB962C8B-B14F-4D97-AF65-F5344CB8AC3E}">
+        <p14:creationId xmlns:p14="http://schemas.microsoft.com/office/powerpoint/2010/main" val="3989720125"/>
+      </p:ext>
+    </p:extLst>
+  </p:cSld>
+  <p:clrMapOvr>
+    <a:masterClrMapping/>
+  </p:clrMapOvr>
+  <p:transition spd="slow">
+    <p:cover/>
+  </p:transition>
+</p:sld>
+</file>
+
+<file path=ppt/slides/slide11.xml><?xml version="1.0" encoding="utf-8"?>
+<p:sld xmlns:a="http://schemas.openxmlformats.org/drawingml/2006/main" xmlns:r="http://schemas.openxmlformats.org/officeDocument/2006/relationships" xmlns:p="http://schemas.openxmlformats.org/presentationml/2006/main">
+  <p:cSld>
+    <p:spTree>
+      <p:nvGrpSpPr>
+        <p:cNvPr id="1" name=""/>
+        <p:cNvGrpSpPr/>
+        <p:nvPr/>
+      </p:nvGrpSpPr>
+      <p:grpSpPr>
+        <a:xfrm>
+          <a:off x="0" y="0"/>
+          <a:ext cx="0" cy="0"/>
+          <a:chOff x="0" y="0"/>
+          <a:chExt cx="0" cy="0"/>
+        </a:xfrm>
+      </p:grpSpPr>
+      <p:sp>
+        <p:nvSpPr>
+          <p:cNvPr id="2" name="Title 1">
+            <a:extLst>
+              <a:ext uri="{FF2B5EF4-FFF2-40B4-BE49-F238E27FC236}">
+                <a16:creationId xmlns:a16="http://schemas.microsoft.com/office/drawing/2014/main" id="{9A68D738-DC5E-4A85-A60B-34467DCCA0C8}"/>
+              </a:ext>
+            </a:extLst>
+          </p:cNvPr>
+          <p:cNvSpPr>
+            <a:spLocks noGrp="1"/>
+          </p:cNvSpPr>
+          <p:nvPr>
+            <p:ph type="title"/>
+          </p:nvPr>
+        </p:nvSpPr>
+        <p:spPr>
+          <a:xfrm>
+            <a:off x="697014" y="441821"/>
+            <a:ext cx="10131425" cy="1456267"/>
+          </a:xfrm>
+        </p:spPr>
+        <p:txBody>
+          <a:bodyPr/>
+          <a:lstStyle/>
+          <a:p>
+            <a:pPr algn="ctr"/>
+            <a:r>
+              <a:rPr lang="en-US"/>
+              <a:t>Ch</a:t>
+            </a:r>
+            <a:r>
+              <a:rPr lang="vi-VN"/>
+              <a:t>ư</a:t>
+            </a:r>
+            <a:r>
+              <a:rPr lang="en-US"/>
+              <a:t>ơng 2. Các tính năng chính</a:t>
+            </a:r>
+          </a:p>
+        </p:txBody>
+      </p:sp>
+      <p:sp>
+        <p:nvSpPr>
+          <p:cNvPr id="3" name="Content Placeholder 2">
+            <a:extLst>
+              <a:ext uri="{FF2B5EF4-FFF2-40B4-BE49-F238E27FC236}">
+                <a16:creationId xmlns:a16="http://schemas.microsoft.com/office/drawing/2014/main" id="{83CFD4D9-FF31-490A-8F8B-DC8EB038B65E}"/>
+              </a:ext>
+            </a:extLst>
+          </p:cNvPr>
+          <p:cNvSpPr>
+            <a:spLocks noGrp="1"/>
+          </p:cNvSpPr>
+          <p:nvPr>
+            <p:ph idx="1"/>
+          </p:nvPr>
+        </p:nvSpPr>
+        <p:spPr>
+          <a:xfrm>
+            <a:off x="1363561" y="2318235"/>
+            <a:ext cx="9464878" cy="3649133"/>
+          </a:xfrm>
+        </p:spPr>
+        <p:txBody>
+          <a:bodyPr>
+            <a:normAutofit lnSpcReduction="10000"/>
+          </a:bodyPr>
+          <a:lstStyle/>
+          <a:p>
+            <a:pPr marL="342900" indent="-342900">
+              <a:lnSpc>
+                <a:spcPct val="150000"/>
+              </a:lnSpc>
+              <a:buAutoNum type="arabicPeriod"/>
+            </a:pPr>
+            <a:r>
+              <a:rPr lang="en-US" sz="2800"/>
+              <a:t> Tính Năng Copy Sản Phẩm Bất Kì Trên Shopee Về Shop Mình</a:t>
+            </a:r>
+          </a:p>
+          <a:p>
+            <a:pPr marL="0" indent="0">
+              <a:lnSpc>
+                <a:spcPct val="150000"/>
+              </a:lnSpc>
+              <a:buNone/>
+            </a:pPr>
+            <a:r>
+              <a:rPr lang="en-US" sz="2800"/>
+              <a:t>2. Bộ Tính Năng Để Quản Lý Đ</a:t>
+            </a:r>
+            <a:r>
+              <a:rPr lang="vi-VN" sz="2800"/>
+              <a:t>ơ</a:t>
+            </a:r>
+            <a:r>
+              <a:rPr lang="en-US" sz="2800"/>
+              <a:t>n Hàng, Theo 	Dõi Trạng Thái</a:t>
+            </a:r>
+          </a:p>
+          <a:p>
+            <a:pPr marL="0" indent="0">
+              <a:lnSpc>
+                <a:spcPct val="150000"/>
+              </a:lnSpc>
+              <a:buNone/>
+            </a:pPr>
+            <a:r>
+              <a:rPr lang="en-US" sz="2800"/>
+              <a:t>3. Tính Năng Đi Kèm (Tải Ảnh, Tải Video,…)</a:t>
+            </a:r>
+          </a:p>
+          <a:p>
+            <a:pPr marL="0" indent="0">
+              <a:buNone/>
+            </a:pPr>
+            <a:endParaRPr lang="en-US"/>
+          </a:p>
+          <a:p>
+            <a:pPr marL="0" indent="0">
+              <a:buNone/>
+            </a:pPr>
+            <a:endParaRPr lang="en-US"/>
+          </a:p>
+        </p:txBody>
+      </p:sp>
+    </p:spTree>
+    <p:extLst>
+      <p:ext uri="{BB962C8B-B14F-4D97-AF65-F5344CB8AC3E}">
+        <p14:creationId xmlns:p14="http://schemas.microsoft.com/office/powerpoint/2010/main" val="295626432"/>
+      </p:ext>
+    </p:extLst>
+  </p:cSld>
+  <p:clrMapOvr>
+    <a:masterClrMapping/>
+  </p:clrMapOvr>
+  <p:transition spd="slow">
+    <p:cover/>
+  </p:transition>
+</p:sld>
+</file>
+
+<file path=ppt/slides/slide12.xml><?xml version="1.0" encoding="utf-8"?>
+<p:sld xmlns:a="http://schemas.openxmlformats.org/drawingml/2006/main" xmlns:r="http://schemas.openxmlformats.org/officeDocument/2006/relationships" xmlns:p="http://schemas.openxmlformats.org/presentationml/2006/main">
+  <p:cSld>
+    <p:spTree>
+      <p:nvGrpSpPr>
+        <p:cNvPr id="1" name=""/>
+        <p:cNvGrpSpPr/>
+        <p:nvPr/>
+      </p:nvGrpSpPr>
+      <p:grpSpPr>
+        <a:xfrm>
+          <a:off x="0" y="0"/>
+          <a:ext cx="0" cy="0"/>
+          <a:chOff x="0" y="0"/>
+          <a:chExt cx="0" cy="0"/>
+        </a:xfrm>
+      </p:grpSpPr>
+      <p:sp>
+        <p:nvSpPr>
+          <p:cNvPr id="2" name="Title 1">
+            <a:extLst>
+              <a:ext uri="{FF2B5EF4-FFF2-40B4-BE49-F238E27FC236}">
+                <a16:creationId xmlns:a16="http://schemas.microsoft.com/office/drawing/2014/main" id="{6186FC15-4933-4EE9-9B27-681A312EBBAB}"/>
+              </a:ext>
+            </a:extLst>
+          </p:cNvPr>
+          <p:cNvSpPr>
+            <a:spLocks noGrp="1"/>
+          </p:cNvSpPr>
+          <p:nvPr>
+            <p:ph type="title"/>
+          </p:nvPr>
+        </p:nvSpPr>
+        <p:spPr/>
+        <p:txBody>
+          <a:bodyPr/>
+          <a:lstStyle/>
+          <a:p>
+            <a:r>
+              <a:rPr lang="en-US"/>
+              <a:t>1. TÍNH NĂNG COPY SẢN PHẨM</a:t>
+            </a:r>
+          </a:p>
+        </p:txBody>
+      </p:sp>
+      <p:sp>
+        <p:nvSpPr>
+          <p:cNvPr id="3" name="Content Placeholder 2">
+            <a:extLst>
+              <a:ext uri="{FF2B5EF4-FFF2-40B4-BE49-F238E27FC236}">
+                <a16:creationId xmlns:a16="http://schemas.microsoft.com/office/drawing/2014/main" id="{9A8092CF-950B-4410-AA89-20D10B665DBC}"/>
+              </a:ext>
+            </a:extLst>
+          </p:cNvPr>
+          <p:cNvSpPr>
+            <a:spLocks noGrp="1"/>
+          </p:cNvSpPr>
+          <p:nvPr>
+            <p:ph idx="1"/>
+          </p:nvPr>
+        </p:nvSpPr>
+        <p:spPr/>
+        <p:txBody>
+          <a:bodyPr>
+            <a:normAutofit fontScale="92500" lnSpcReduction="20000"/>
+          </a:bodyPr>
+          <a:lstStyle/>
+          <a:p>
+            <a:pPr marL="457200" lvl="1" indent="0">
+              <a:lnSpc>
+                <a:spcPct val="150000"/>
+              </a:lnSpc>
+              <a:buNone/>
+            </a:pPr>
+            <a:r>
+              <a:rPr lang="en-US" sz="1800"/>
+              <a:t>B</a:t>
+            </a:r>
+            <a:r>
+              <a:rPr lang="vi-VN" sz="1800"/>
+              <a:t>ư</a:t>
+            </a:r>
+            <a:r>
+              <a:rPr lang="en-US" sz="1800"/>
+              <a:t>ớc 1. Mở một sản phẩm bất kì trên Shopee</a:t>
+            </a:r>
+          </a:p>
+          <a:p>
+            <a:pPr marL="457200" lvl="1" indent="0">
+              <a:lnSpc>
+                <a:spcPct val="150000"/>
+              </a:lnSpc>
+              <a:buNone/>
+            </a:pPr>
+            <a:r>
+              <a:rPr lang="en-US" sz="1800"/>
+              <a:t>Bước 2. Tùy theo nhu cầu đăng lên Shopee, Lazada để chọn tab</a:t>
+            </a:r>
+          </a:p>
+          <a:p>
+            <a:pPr marL="457200" lvl="1" indent="0">
+              <a:lnSpc>
+                <a:spcPct val="150000"/>
+              </a:lnSpc>
+              <a:buNone/>
+            </a:pPr>
+            <a:r>
+              <a:rPr lang="en-US" sz="1800"/>
+              <a:t>B</a:t>
+            </a:r>
+            <a:r>
+              <a:rPr lang="vi-VN" sz="1800"/>
+              <a:t>ư</a:t>
+            </a:r>
+            <a:r>
+              <a:rPr lang="en-US" sz="1800"/>
+              <a:t>ớc 3. Thêm shop bạn muốn đăng sản phẩm đó lên</a:t>
+            </a:r>
+          </a:p>
+          <a:p>
+            <a:pPr marL="457200" lvl="1" indent="0">
+              <a:lnSpc>
+                <a:spcPct val="150000"/>
+              </a:lnSpc>
+              <a:buNone/>
+            </a:pPr>
+            <a:r>
+              <a:rPr lang="en-US" sz="1800"/>
+              <a:t>B</a:t>
+            </a:r>
+            <a:r>
+              <a:rPr lang="vi-VN" sz="1800"/>
+              <a:t>ư</a:t>
+            </a:r>
+            <a:r>
+              <a:rPr lang="en-US" sz="1800"/>
+              <a:t>ớc 4. Soát qua một l</a:t>
+            </a:r>
+            <a:r>
+              <a:rPr lang="vi-VN" sz="1800"/>
+              <a:t>ư</a:t>
+            </a:r>
+            <a:r>
+              <a:rPr lang="en-US" sz="1800"/>
+              <a:t>ợt các tr</a:t>
+            </a:r>
+            <a:r>
+              <a:rPr lang="vi-VN" sz="1800"/>
+              <a:t>ư</a:t>
+            </a:r>
+            <a:r>
+              <a:rPr lang="en-US" sz="1800"/>
+              <a:t>ờng, xem cần chỉnh sửa gì không (tùy ý). Vì mặc định ShipXanh sẽ tự fill các thuộc tính đã có của sản phẩm đó vào trong giao diện đăng nhanh. (Với Lazada cần thêm b</a:t>
+            </a:r>
+            <a:r>
+              <a:rPr lang="vi-VN" sz="1800"/>
+              <a:t>ư</a:t>
+            </a:r>
+            <a:r>
+              <a:rPr lang="en-US" sz="1800"/>
+              <a:t>ớc chọn danh mục hàng)</a:t>
+            </a:r>
+          </a:p>
+          <a:p>
+            <a:pPr marL="457200" lvl="1" indent="0">
+              <a:lnSpc>
+                <a:spcPct val="150000"/>
+              </a:lnSpc>
+              <a:buNone/>
+            </a:pPr>
+            <a:r>
+              <a:rPr lang="en-US" sz="1800"/>
+              <a:t>B</a:t>
+            </a:r>
+            <a:r>
+              <a:rPr lang="vi-VN" sz="1800"/>
+              <a:t>ư</a:t>
+            </a:r>
+            <a:r>
+              <a:rPr lang="en-US" sz="1800"/>
+              <a:t>ớc 5. Click nút đăng và đợi báo kết quả (Đăng Thành Công, Lỗi, Cảnh báo tr</a:t>
+            </a:r>
+            <a:r>
+              <a:rPr lang="vi-VN" sz="1800"/>
+              <a:t>ư</a:t>
+            </a:r>
+            <a:r>
+              <a:rPr lang="en-US" sz="1800"/>
+              <a:t>ờng chưa nhập đủ,…)</a:t>
+            </a:r>
+            <a:endParaRPr lang="en-US"/>
+          </a:p>
+        </p:txBody>
+      </p:sp>
+    </p:spTree>
+    <p:extLst>
+      <p:ext uri="{BB962C8B-B14F-4D97-AF65-F5344CB8AC3E}">
+        <p14:creationId xmlns:p14="http://schemas.microsoft.com/office/powerpoint/2010/main" val="2244975910"/>
+      </p:ext>
+    </p:extLst>
+  </p:cSld>
+  <p:clrMapOvr>
+    <a:masterClrMapping/>
+  </p:clrMapOvr>
+  <p:transition spd="slow">
+    <p:cover/>
+  </p:transition>
+</p:sld>
+</file>
+
+<file path=ppt/slides/slide13.xml><?xml version="1.0" encoding="utf-8"?>
+<p:sld xmlns:a="http://schemas.openxmlformats.org/drawingml/2006/main" xmlns:r="http://schemas.openxmlformats.org/officeDocument/2006/relationships" xmlns:p="http://schemas.openxmlformats.org/presentationml/2006/main">
+  <p:cSld>
+    <p:spTree>
+      <p:nvGrpSpPr>
+        <p:cNvPr id="1" name=""/>
+        <p:cNvGrpSpPr/>
+        <p:nvPr/>
+      </p:nvGrpSpPr>
+      <p:grpSpPr>
+        <a:xfrm>
+          <a:off x="0" y="0"/>
+          <a:ext cx="0" cy="0"/>
+          <a:chOff x="0" y="0"/>
+          <a:chExt cx="0" cy="0"/>
+        </a:xfrm>
+      </p:grpSpPr>
+      <p:pic>
+        <p:nvPicPr>
+          <p:cNvPr id="5" name="Picture 4">
+            <a:extLst>
+              <a:ext uri="{FF2B5EF4-FFF2-40B4-BE49-F238E27FC236}">
+                <a16:creationId xmlns:a16="http://schemas.microsoft.com/office/drawing/2014/main" id="{B01770FF-1C89-4CE7-85DB-836584B55209}"/>
+              </a:ext>
+            </a:extLst>
+          </p:cNvPr>
+          <p:cNvPicPr>
+            <a:picLocks noChangeAspect="1"/>
+          </p:cNvPicPr>
+          <p:nvPr/>
+        </p:nvPicPr>
+        <p:blipFill>
+          <a:blip r:embed="rId2"/>
+          <a:stretch>
+            <a:fillRect/>
+          </a:stretch>
+        </p:blipFill>
+        <p:spPr>
+          <a:xfrm>
+            <a:off x="1526209" y="369115"/>
+            <a:ext cx="9139582" cy="5541586"/>
+          </a:xfrm>
+          <a:prstGeom prst="rect">
+            <a:avLst/>
+          </a:prstGeom>
+        </p:spPr>
+      </p:pic>
+      <p:sp>
+        <p:nvSpPr>
+          <p:cNvPr id="6" name="TextBox 5">
+            <a:extLst>
+              <a:ext uri="{FF2B5EF4-FFF2-40B4-BE49-F238E27FC236}">
+                <a16:creationId xmlns:a16="http://schemas.microsoft.com/office/drawing/2014/main" id="{F43672A6-D24D-4D85-86DF-CA4199887DE2}"/>
+              </a:ext>
+            </a:extLst>
+          </p:cNvPr>
+          <p:cNvSpPr txBox="1"/>
+          <p:nvPr/>
+        </p:nvSpPr>
+        <p:spPr>
+          <a:xfrm>
+            <a:off x="2763998" y="6119553"/>
+            <a:ext cx="6664004" cy="369332"/>
+          </a:xfrm>
+          <a:prstGeom prst="rect">
+            <a:avLst/>
+          </a:prstGeom>
+          <a:noFill/>
+        </p:spPr>
+        <p:txBody>
+          <a:bodyPr wrap="none" rtlCol="0">
+            <a:spAutoFit/>
+          </a:bodyPr>
+          <a:lstStyle/>
+          <a:p>
+            <a:r>
+              <a:rPr lang="en-US"/>
+              <a:t>Hình ảnh giao diện shipxanh trên trang bán hàng</a:t>
+            </a:r>
+          </a:p>
+        </p:txBody>
+      </p:sp>
+    </p:spTree>
+    <p:extLst>
+      <p:ext uri="{BB962C8B-B14F-4D97-AF65-F5344CB8AC3E}">
+        <p14:creationId xmlns:p14="http://schemas.microsoft.com/office/powerpoint/2010/main" val="1849130322"/>
+      </p:ext>
+    </p:extLst>
+  </p:cSld>
+  <p:clrMapOvr>
+    <a:masterClrMapping/>
+  </p:clrMapOvr>
+  <p:transition spd="slow">
+    <p:cover/>
+  </p:transition>
+</p:sld>
+</file>
+
+<file path=ppt/slides/slide14.xml><?xml version="1.0" encoding="utf-8"?>
+<p:sld xmlns:a="http://schemas.openxmlformats.org/drawingml/2006/main" xmlns:r="http://schemas.openxmlformats.org/officeDocument/2006/relationships" xmlns:p="http://schemas.openxmlformats.org/presentationml/2006/main">
+  <p:cSld>
+    <p:spTree>
+      <p:nvGrpSpPr>
+        <p:cNvPr id="1" name=""/>
+        <p:cNvGrpSpPr/>
+        <p:nvPr/>
+      </p:nvGrpSpPr>
+      <p:grpSpPr>
+        <a:xfrm>
+          <a:off x="0" y="0"/>
+          <a:ext cx="0" cy="0"/>
+          <a:chOff x="0" y="0"/>
+          <a:chExt cx="0" cy="0"/>
+        </a:xfrm>
+      </p:grpSpPr>
+      <p:sp>
+        <p:nvSpPr>
+          <p:cNvPr id="2" name="Title 1">
+            <a:extLst>
+              <a:ext uri="{FF2B5EF4-FFF2-40B4-BE49-F238E27FC236}">
+                <a16:creationId xmlns:a16="http://schemas.microsoft.com/office/drawing/2014/main" id="{398B30B1-DC71-4B2A-97E2-A00B24A096BF}"/>
+              </a:ext>
+            </a:extLst>
+          </p:cNvPr>
+          <p:cNvSpPr>
+            <a:spLocks noGrp="1"/>
+          </p:cNvSpPr>
+          <p:nvPr>
+            <p:ph type="title"/>
+          </p:nvPr>
+        </p:nvSpPr>
+        <p:spPr/>
+        <p:txBody>
+          <a:bodyPr/>
+          <a:lstStyle/>
+          <a:p>
+            <a:r>
+              <a:rPr lang="en-US"/>
+              <a:t>2. TÍNH NĂNG QUẢN LÝ, THEO DÕI Đ</a:t>
+            </a:r>
+            <a:r>
+              <a:rPr lang="vi-VN"/>
+              <a:t>Ơ</a:t>
+            </a:r>
+            <a:r>
+              <a:rPr lang="en-US"/>
+              <a:t>N</a:t>
+            </a:r>
+          </a:p>
+        </p:txBody>
+      </p:sp>
+      <p:pic>
+        <p:nvPicPr>
+          <p:cNvPr id="5" name="Content Placeholder 4">
+            <a:extLst>
+              <a:ext uri="{FF2B5EF4-FFF2-40B4-BE49-F238E27FC236}">
+                <a16:creationId xmlns:a16="http://schemas.microsoft.com/office/drawing/2014/main" id="{FD47770F-4170-4969-87F1-A022A34D4B80}"/>
+              </a:ext>
+            </a:extLst>
+          </p:cNvPr>
+          <p:cNvPicPr>
+            <a:picLocks noGrp="1" noChangeAspect="1"/>
+          </p:cNvPicPr>
+          <p:nvPr>
+            <p:ph idx="1"/>
+          </p:nvPr>
+        </p:nvPicPr>
+        <p:blipFill>
+          <a:blip r:embed="rId2"/>
+          <a:stretch>
+            <a:fillRect/>
+          </a:stretch>
+        </p:blipFill>
+        <p:spPr>
+          <a:xfrm>
+            <a:off x="1690455" y="2023114"/>
+            <a:ext cx="8811089" cy="4225286"/>
+          </a:xfrm>
+        </p:spPr>
+      </p:pic>
+    </p:spTree>
+    <p:extLst>
+      <p:ext uri="{BB962C8B-B14F-4D97-AF65-F5344CB8AC3E}">
+        <p14:creationId xmlns:p14="http://schemas.microsoft.com/office/powerpoint/2010/main" val="3097973992"/>
+      </p:ext>
+    </p:extLst>
+  </p:cSld>
+  <p:clrMapOvr>
+    <a:masterClrMapping/>
+  </p:clrMapOvr>
+  <p:transition spd="slow">
+    <p:cover/>
+  </p:transition>
+</p:sld>
+</file>
+
+<file path=ppt/slides/slide15.xml><?xml version="1.0" encoding="utf-8"?>
+<p:sld xmlns:a="http://schemas.openxmlformats.org/drawingml/2006/main" xmlns:r="http://schemas.openxmlformats.org/officeDocument/2006/relationships" xmlns:p="http://schemas.openxmlformats.org/presentationml/2006/main">
+  <p:cSld>
+    <p:spTree>
+      <p:nvGrpSpPr>
+        <p:cNvPr id="1" name=""/>
+        <p:cNvGrpSpPr/>
+        <p:nvPr/>
+      </p:nvGrpSpPr>
+      <p:grpSpPr>
+        <a:xfrm>
+          <a:off x="0" y="0"/>
+          <a:ext cx="0" cy="0"/>
+          <a:chOff x="0" y="0"/>
+          <a:chExt cx="0" cy="0"/>
+        </a:xfrm>
+      </p:grpSpPr>
+      <p:sp>
+        <p:nvSpPr>
+          <p:cNvPr id="2" name="Title 1">
+            <a:extLst>
+              <a:ext uri="{FF2B5EF4-FFF2-40B4-BE49-F238E27FC236}">
+                <a16:creationId xmlns:a16="http://schemas.microsoft.com/office/drawing/2014/main" id="{B6C87E39-58B0-4680-847C-80E619A11518}"/>
+              </a:ext>
+            </a:extLst>
+          </p:cNvPr>
+          <p:cNvSpPr>
+            <a:spLocks noGrp="1"/>
+          </p:cNvSpPr>
+          <p:nvPr>
+            <p:ph type="title"/>
+          </p:nvPr>
+        </p:nvSpPr>
+        <p:spPr/>
+        <p:txBody>
+          <a:bodyPr/>
+          <a:lstStyle/>
+          <a:p>
+            <a:r>
+              <a:rPr lang="en-US"/>
+              <a:t>2. TÍNH NĂNG QUẢN LÝ, THEO DÕI Đ</a:t>
+            </a:r>
+            <a:r>
+              <a:rPr lang="vi-VN"/>
+              <a:t>Ơ</a:t>
+            </a:r>
+            <a:r>
+              <a:rPr lang="en-US"/>
+              <a:t>N</a:t>
+            </a:r>
+          </a:p>
+        </p:txBody>
+      </p:sp>
+      <p:sp>
+        <p:nvSpPr>
+          <p:cNvPr id="3" name="Content Placeholder 2">
+            <a:extLst>
+              <a:ext uri="{FF2B5EF4-FFF2-40B4-BE49-F238E27FC236}">
+                <a16:creationId xmlns:a16="http://schemas.microsoft.com/office/drawing/2014/main" id="{C03ADD36-0EBA-454E-93E9-954823BB9C37}"/>
+              </a:ext>
+            </a:extLst>
+          </p:cNvPr>
+          <p:cNvSpPr>
+            <a:spLocks noGrp="1"/>
+          </p:cNvSpPr>
+          <p:nvPr>
+            <p:ph idx="1"/>
+          </p:nvPr>
+        </p:nvSpPr>
+        <p:spPr/>
+        <p:txBody>
+          <a:bodyPr/>
+          <a:lstStyle/>
+          <a:p>
+            <a:pPr marL="342900" indent="-342900">
+              <a:lnSpc>
+                <a:spcPct val="150000"/>
+              </a:lnSpc>
+              <a:buAutoNum type="arabicPeriod"/>
+            </a:pPr>
+            <a:r>
+              <a:rPr lang="en-US"/>
+              <a:t>Đồng Bộ Đ</a:t>
+            </a:r>
+            <a:r>
+              <a:rPr lang="vi-VN"/>
+              <a:t>ơ</a:t>
+            </a:r>
+            <a:r>
+              <a:rPr lang="en-US"/>
+              <a:t>n Từ Trang Bán Hàng Shopee Vào ShipXanh</a:t>
+            </a:r>
+          </a:p>
+          <a:p>
+            <a:pPr lvl="1">
+              <a:lnSpc>
+                <a:spcPct val="150000"/>
+              </a:lnSpc>
+            </a:pPr>
+            <a:r>
+              <a:rPr lang="en-US"/>
+              <a:t>B</a:t>
+            </a:r>
+            <a:r>
+              <a:rPr lang="vi-VN"/>
+              <a:t>ư</a:t>
+            </a:r>
+            <a:r>
+              <a:rPr lang="en-US"/>
+              <a:t>ớc 1. Mở trang quản trị ShipXanh vào menu Đồng Bộ Đ</a:t>
+            </a:r>
+            <a:r>
+              <a:rPr lang="vi-VN"/>
+              <a:t>ơ</a:t>
+            </a:r>
+            <a:r>
+              <a:rPr lang="en-US"/>
+              <a:t>n</a:t>
+            </a:r>
+          </a:p>
+          <a:p>
+            <a:pPr lvl="1">
+              <a:lnSpc>
+                <a:spcPct val="150000"/>
+              </a:lnSpc>
+            </a:pPr>
+            <a:r>
+              <a:rPr lang="en-US"/>
+              <a:t>Bước 2. Chọn các shop muốn đồng bộ đ</a:t>
+            </a:r>
+            <a:r>
+              <a:rPr lang="vi-VN"/>
+              <a:t>ơ</a:t>
+            </a:r>
+            <a:r>
+              <a:rPr lang="en-US"/>
+              <a:t>n</a:t>
+            </a:r>
+          </a:p>
+          <a:p>
+            <a:pPr lvl="1">
+              <a:lnSpc>
+                <a:spcPct val="150000"/>
+              </a:lnSpc>
+            </a:pPr>
+            <a:r>
+              <a:rPr lang="en-US"/>
+              <a:t>B</a:t>
+            </a:r>
+            <a:r>
+              <a:rPr lang="vi-VN"/>
+              <a:t>ư</a:t>
+            </a:r>
+            <a:r>
+              <a:rPr lang="en-US"/>
+              <a:t>ớc 3. Nhấn nút Đồng Bộ Đ</a:t>
+            </a:r>
+            <a:r>
+              <a:rPr lang="vi-VN"/>
+              <a:t>ơ</a:t>
+            </a:r>
+            <a:r>
+              <a:rPr lang="en-US"/>
+              <a:t>n Đã Xử Lý (ShipXanh sẽ l</a:t>
+            </a:r>
+            <a:r>
+              <a:rPr lang="vi-VN"/>
+              <a:t>ư</a:t>
+            </a:r>
+            <a:r>
+              <a:rPr lang="en-US"/>
+              <a:t>u các đ</a:t>
+            </a:r>
+            <a:r>
+              <a:rPr lang="vi-VN"/>
+              <a:t>ơ</a:t>
+            </a:r>
+            <a:r>
+              <a:rPr lang="en-US"/>
+              <a:t>n ở shop bạn mà đang ở trạng thái Đã Xử Lý)</a:t>
+            </a:r>
+          </a:p>
+          <a:p>
+            <a:pPr lvl="1">
+              <a:lnSpc>
+                <a:spcPct val="150000"/>
+              </a:lnSpc>
+            </a:pPr>
+            <a:r>
+              <a:rPr lang="en-US"/>
+              <a:t>B</a:t>
+            </a:r>
+            <a:r>
+              <a:rPr lang="vi-VN"/>
+              <a:t>ư</a:t>
+            </a:r>
+            <a:r>
+              <a:rPr lang="en-US"/>
+              <a:t>ớc 4. Kiểm tra lại các đ</a:t>
+            </a:r>
+            <a:r>
+              <a:rPr lang="vi-VN"/>
+              <a:t>ơ</a:t>
+            </a:r>
+            <a:r>
+              <a:rPr lang="en-US"/>
+              <a:t>n đó bằng cách vào menu Đ</a:t>
+            </a:r>
+            <a:r>
+              <a:rPr lang="vi-VN"/>
+              <a:t>ơ</a:t>
+            </a:r>
+            <a:r>
+              <a:rPr lang="en-US"/>
+              <a:t>n Mới</a:t>
+            </a:r>
+          </a:p>
+        </p:txBody>
+      </p:sp>
+    </p:spTree>
+    <p:extLst>
+      <p:ext uri="{BB962C8B-B14F-4D97-AF65-F5344CB8AC3E}">
+        <p14:creationId xmlns:p14="http://schemas.microsoft.com/office/powerpoint/2010/main" val="1650339166"/>
+      </p:ext>
+    </p:extLst>
+  </p:cSld>
+  <p:clrMapOvr>
+    <a:masterClrMapping/>
+  </p:clrMapOvr>
+  <p:transition spd="slow">
+    <p:cover/>
+  </p:transition>
+</p:sld>
+</file>
+
+<file path=ppt/slides/slide16.xml><?xml version="1.0" encoding="utf-8"?>
+<p:sld xmlns:a="http://schemas.openxmlformats.org/drawingml/2006/main" xmlns:r="http://schemas.openxmlformats.org/officeDocument/2006/relationships" xmlns:p="http://schemas.openxmlformats.org/presentationml/2006/main">
+  <p:cSld>
+    <p:spTree>
+      <p:nvGrpSpPr>
+        <p:cNvPr id="1" name=""/>
+        <p:cNvGrpSpPr/>
+        <p:nvPr/>
+      </p:nvGrpSpPr>
+      <p:grpSpPr>
+        <a:xfrm>
+          <a:off x="0" y="0"/>
+          <a:ext cx="0" cy="0"/>
+          <a:chOff x="0" y="0"/>
+          <a:chExt cx="0" cy="0"/>
+        </a:xfrm>
+      </p:grpSpPr>
+      <p:sp>
+        <p:nvSpPr>
+          <p:cNvPr id="2" name="Title 1">
+            <a:extLst>
+              <a:ext uri="{FF2B5EF4-FFF2-40B4-BE49-F238E27FC236}">
+                <a16:creationId xmlns:a16="http://schemas.microsoft.com/office/drawing/2014/main" id="{A77D6663-5237-4A88-83D5-60AAF9F42E7F}"/>
+              </a:ext>
+            </a:extLst>
+          </p:cNvPr>
+          <p:cNvSpPr>
+            <a:spLocks noGrp="1"/>
+          </p:cNvSpPr>
+          <p:nvPr>
+            <p:ph type="title"/>
+          </p:nvPr>
+        </p:nvSpPr>
+        <p:spPr/>
+        <p:txBody>
+          <a:bodyPr/>
+          <a:lstStyle/>
+          <a:p>
+            <a:r>
+              <a:rPr lang="en-US"/>
+              <a:t>2. TÍNH NĂNG QUẢN LÝ, THEO DÕI Đ</a:t>
+            </a:r>
+            <a:r>
+              <a:rPr lang="vi-VN"/>
+              <a:t>Ơ</a:t>
+            </a:r>
+            <a:r>
+              <a:rPr lang="en-US"/>
+              <a:t>N</a:t>
+            </a:r>
+          </a:p>
+        </p:txBody>
+      </p:sp>
+      <p:sp>
+        <p:nvSpPr>
+          <p:cNvPr id="3" name="Content Placeholder 2">
+            <a:extLst>
+              <a:ext uri="{FF2B5EF4-FFF2-40B4-BE49-F238E27FC236}">
+                <a16:creationId xmlns:a16="http://schemas.microsoft.com/office/drawing/2014/main" id="{2D3456D4-F714-4FDE-B4CA-7DBDC8CDECAB}"/>
+              </a:ext>
+            </a:extLst>
+          </p:cNvPr>
+          <p:cNvSpPr>
+            <a:spLocks noGrp="1"/>
+          </p:cNvSpPr>
+          <p:nvPr>
+            <p:ph idx="1"/>
+          </p:nvPr>
+        </p:nvSpPr>
+        <p:spPr/>
+        <p:txBody>
+          <a:bodyPr>
+            <a:normAutofit fontScale="92500" lnSpcReduction="10000"/>
+          </a:bodyPr>
+          <a:lstStyle/>
+          <a:p>
+            <a:pPr marL="0" indent="0">
+              <a:lnSpc>
+                <a:spcPct val="150000"/>
+              </a:lnSpc>
+              <a:buNone/>
+            </a:pPr>
+            <a:r>
+              <a:rPr lang="en-US"/>
+              <a:t>2. Chia Đ</a:t>
+            </a:r>
+            <a:r>
+              <a:rPr lang="vi-VN"/>
+              <a:t>ơ</a:t>
+            </a:r>
+            <a:r>
+              <a:rPr lang="en-US"/>
+              <a:t>n Cho Nhân Viên Đi Nhặt Từ Trang Quản Lý</a:t>
+            </a:r>
+          </a:p>
+          <a:p>
+            <a:pPr lvl="1">
+              <a:lnSpc>
+                <a:spcPct val="150000"/>
+              </a:lnSpc>
+            </a:pPr>
+            <a:r>
+              <a:rPr lang="en-US"/>
+              <a:t>B</a:t>
+            </a:r>
+            <a:r>
+              <a:rPr lang="vi-VN"/>
+              <a:t>ư</a:t>
+            </a:r>
+            <a:r>
+              <a:rPr lang="en-US"/>
+              <a:t>ớc 1. Tại danh sách đ</a:t>
+            </a:r>
+            <a:r>
+              <a:rPr lang="vi-VN"/>
+              <a:t>ơ</a:t>
+            </a:r>
+            <a:r>
+              <a:rPr lang="en-US"/>
+              <a:t>n trong danh sách đ</a:t>
+            </a:r>
+            <a:r>
+              <a:rPr lang="vi-VN"/>
+              <a:t>ơ</a:t>
+            </a:r>
+            <a:r>
+              <a:rPr lang="en-US"/>
+              <a:t>n mới, tích chọn những đ</a:t>
+            </a:r>
+            <a:r>
+              <a:rPr lang="vi-VN"/>
+              <a:t>ơ</a:t>
+            </a:r>
+            <a:r>
+              <a:rPr lang="en-US"/>
+              <a:t>n cần chia, sau đó click vào biểu t</a:t>
+            </a:r>
+            <a:r>
+              <a:rPr lang="vi-VN"/>
+              <a:t>ư</a:t>
+            </a:r>
+            <a:r>
+              <a:rPr lang="en-US"/>
+              <a:t>ợng chia đ</a:t>
+            </a:r>
+            <a:r>
+              <a:rPr lang="vi-VN"/>
+              <a:t>ơ</a:t>
+            </a:r>
+            <a:r>
+              <a:rPr lang="en-US"/>
+              <a:t>n</a:t>
+            </a:r>
+          </a:p>
+          <a:p>
+            <a:pPr lvl="1">
+              <a:lnSpc>
+                <a:spcPct val="150000"/>
+              </a:lnSpc>
+            </a:pPr>
+            <a:r>
+              <a:rPr lang="en-US"/>
+              <a:t>B</a:t>
+            </a:r>
+            <a:r>
+              <a:rPr lang="vi-VN"/>
+              <a:t>ư</a:t>
+            </a:r>
+            <a:r>
+              <a:rPr lang="en-US"/>
+              <a:t>ớc 2. Chọn ng</a:t>
+            </a:r>
+            <a:r>
+              <a:rPr lang="vi-VN"/>
+              <a:t>ư</a:t>
+            </a:r>
+            <a:r>
+              <a:rPr lang="en-US"/>
+              <a:t>ời đ</a:t>
+            </a:r>
+            <a:r>
+              <a:rPr lang="vi-VN"/>
+              <a:t>ư</a:t>
+            </a:r>
+            <a:r>
+              <a:rPr lang="en-US"/>
+              <a:t>ợc chia, bạn có thể thêm ng</a:t>
+            </a:r>
+            <a:r>
+              <a:rPr lang="vi-VN"/>
+              <a:t>ư</a:t>
+            </a:r>
+            <a:r>
+              <a:rPr lang="en-US"/>
+              <a:t>ời đ</a:t>
+            </a:r>
+            <a:r>
+              <a:rPr lang="vi-VN"/>
+              <a:t>ư</a:t>
+            </a:r>
+            <a:r>
+              <a:rPr lang="en-US"/>
+              <a:t>ợc chia mới trong menu Nhân Sự</a:t>
+            </a:r>
+          </a:p>
+          <a:p>
+            <a:pPr lvl="1">
+              <a:lnSpc>
+                <a:spcPct val="150000"/>
+              </a:lnSpc>
+            </a:pPr>
+            <a:r>
+              <a:rPr lang="en-US"/>
+              <a:t>Bước 3. Lúc này trên app mobile ShipXanh, sẽ hiện lên phần phân loại hàng đ</a:t>
+            </a:r>
+            <a:r>
+              <a:rPr lang="vi-VN"/>
+              <a:t>ư</a:t>
+            </a:r>
+            <a:r>
+              <a:rPr lang="en-US"/>
+              <a:t>ợc chia t</a:t>
+            </a:r>
+            <a:r>
+              <a:rPr lang="vi-VN"/>
+              <a:t>ư</a:t>
+            </a:r>
+            <a:r>
+              <a:rPr lang="en-US"/>
+              <a:t>ơng ứng với mỗi ng</a:t>
+            </a:r>
+            <a:r>
+              <a:rPr lang="vi-VN"/>
+              <a:t>ư</a:t>
+            </a:r>
+            <a:r>
+              <a:rPr lang="en-US"/>
+              <a:t>ời</a:t>
+            </a:r>
+          </a:p>
+          <a:p>
+            <a:pPr lvl="1">
+              <a:lnSpc>
+                <a:spcPct val="150000"/>
+              </a:lnSpc>
+            </a:pPr>
+            <a:r>
+              <a:rPr lang="en-US"/>
+              <a:t>Bước 4. Khi đã có danh sách phân loại đó rồi sẽ tiến hành đi nhặt, gom lại để đóng đ</a:t>
+            </a:r>
+            <a:r>
+              <a:rPr lang="vi-VN"/>
+              <a:t>ơ</a:t>
+            </a:r>
+            <a:r>
+              <a:rPr lang="en-US"/>
+              <a:t>n. (Các phân loại đã đ</a:t>
+            </a:r>
+            <a:r>
+              <a:rPr lang="vi-VN"/>
+              <a:t>ư</a:t>
+            </a:r>
+            <a:r>
+              <a:rPr lang="en-US"/>
+              <a:t>ợc gom lại để tránh tr</a:t>
+            </a:r>
+            <a:r>
+              <a:rPr lang="vi-VN"/>
+              <a:t>ư</a:t>
+            </a:r>
+            <a:r>
+              <a:rPr lang="en-US"/>
+              <a:t>ờng hợp nhặt lặp lại) </a:t>
+            </a:r>
+          </a:p>
+        </p:txBody>
+      </p:sp>
+    </p:spTree>
+    <p:extLst>
+      <p:ext uri="{BB962C8B-B14F-4D97-AF65-F5344CB8AC3E}">
+        <p14:creationId xmlns:p14="http://schemas.microsoft.com/office/powerpoint/2010/main" val="1674228510"/>
+      </p:ext>
+    </p:extLst>
+  </p:cSld>
+  <p:clrMapOvr>
+    <a:masterClrMapping/>
+  </p:clrMapOvr>
+  <p:transition spd="slow">
+    <p:cover/>
+  </p:transition>
+</p:sld>
+</file>
+
+<file path=ppt/slides/slide17.xml><?xml version="1.0" encoding="utf-8"?>
+<p:sld xmlns:a="http://schemas.openxmlformats.org/drawingml/2006/main" xmlns:r="http://schemas.openxmlformats.org/officeDocument/2006/relationships" xmlns:p="http://schemas.openxmlformats.org/presentationml/2006/main">
+  <p:cSld>
+    <p:spTree>
+      <p:nvGrpSpPr>
+        <p:cNvPr id="1" name=""/>
+        <p:cNvGrpSpPr/>
+        <p:nvPr/>
+      </p:nvGrpSpPr>
+      <p:grpSpPr>
+        <a:xfrm>
+          <a:off x="0" y="0"/>
+          <a:ext cx="0" cy="0"/>
+          <a:chOff x="0" y="0"/>
+          <a:chExt cx="0" cy="0"/>
+        </a:xfrm>
+      </p:grpSpPr>
+      <p:sp>
+        <p:nvSpPr>
+          <p:cNvPr id="2" name="Title 1">
+            <a:extLst>
+              <a:ext uri="{FF2B5EF4-FFF2-40B4-BE49-F238E27FC236}">
+                <a16:creationId xmlns:a16="http://schemas.microsoft.com/office/drawing/2014/main" id="{60175DA7-945D-4367-A51E-D3ED23DA2A77}"/>
+              </a:ext>
+            </a:extLst>
+          </p:cNvPr>
+          <p:cNvSpPr>
+            <a:spLocks noGrp="1"/>
+          </p:cNvSpPr>
+          <p:nvPr>
+            <p:ph type="title"/>
+          </p:nvPr>
+        </p:nvSpPr>
+        <p:spPr/>
+        <p:txBody>
+          <a:bodyPr/>
+          <a:lstStyle/>
+          <a:p>
+            <a:r>
+              <a:rPr lang="en-US"/>
+              <a:t>2. TÍNH NĂNG QUẢN LÝ, THEO DÕI Đ</a:t>
+            </a:r>
+            <a:r>
+              <a:rPr lang="vi-VN"/>
+              <a:t>Ơ</a:t>
+            </a:r>
+            <a:r>
+              <a:rPr lang="en-US"/>
+              <a:t>N</a:t>
+            </a:r>
+          </a:p>
+        </p:txBody>
+      </p:sp>
+      <p:sp>
+        <p:nvSpPr>
+          <p:cNvPr id="3" name="Content Placeholder 2">
+            <a:extLst>
+              <a:ext uri="{FF2B5EF4-FFF2-40B4-BE49-F238E27FC236}">
+                <a16:creationId xmlns:a16="http://schemas.microsoft.com/office/drawing/2014/main" id="{7B666853-F168-4144-BFD9-3F5A87495737}"/>
+              </a:ext>
+            </a:extLst>
+          </p:cNvPr>
+          <p:cNvSpPr>
+            <a:spLocks noGrp="1"/>
+          </p:cNvSpPr>
+          <p:nvPr>
+            <p:ph idx="1"/>
+          </p:nvPr>
+        </p:nvSpPr>
+        <p:spPr/>
+        <p:txBody>
+          <a:bodyPr/>
+          <a:lstStyle/>
+          <a:p>
+            <a:pPr marL="0" indent="0">
+              <a:lnSpc>
+                <a:spcPct val="150000"/>
+              </a:lnSpc>
+              <a:buNone/>
+            </a:pPr>
+            <a:r>
+              <a:rPr lang="en-US"/>
+              <a:t>3. Nhân Viên Đóng Hàng, Xác Nhận Đã Đóng Gói</a:t>
+            </a:r>
+          </a:p>
+          <a:p>
+            <a:pPr lvl="1">
+              <a:lnSpc>
+                <a:spcPct val="150000"/>
+              </a:lnSpc>
+            </a:pPr>
+            <a:r>
+              <a:rPr lang="en-US"/>
+              <a:t>Bước 1. In mã đ</a:t>
+            </a:r>
+            <a:r>
+              <a:rPr lang="vi-VN"/>
+              <a:t>ơ</a:t>
+            </a:r>
+            <a:r>
+              <a:rPr lang="en-US"/>
+              <a:t>n bằng cách tích chọn các đ</a:t>
+            </a:r>
+            <a:r>
+              <a:rPr lang="vi-VN"/>
+              <a:t>ơ</a:t>
+            </a:r>
+            <a:r>
+              <a:rPr lang="en-US"/>
+              <a:t>n trên trang Đ</a:t>
+            </a:r>
+            <a:r>
+              <a:rPr lang="vi-VN"/>
+              <a:t>ơ</a:t>
+            </a:r>
+            <a:r>
+              <a:rPr lang="en-US"/>
+              <a:t>n Mới, click biểu t</a:t>
+            </a:r>
+            <a:r>
+              <a:rPr lang="vi-VN"/>
+              <a:t>ư</a:t>
+            </a:r>
+            <a:r>
+              <a:rPr lang="en-US"/>
+              <a:t>ợng IN (mã vạch hoặc mã QR)</a:t>
+            </a:r>
+          </a:p>
+          <a:p>
+            <a:pPr lvl="1">
+              <a:lnSpc>
+                <a:spcPct val="150000"/>
+              </a:lnSpc>
+            </a:pPr>
+            <a:r>
+              <a:rPr lang="en-US"/>
+              <a:t>B</a:t>
+            </a:r>
+            <a:r>
+              <a:rPr lang="vi-VN"/>
+              <a:t>ư</a:t>
+            </a:r>
+            <a:r>
+              <a:rPr lang="en-US"/>
+              <a:t>ớc 2. Dựa theo từng mã để tìm đ</a:t>
+            </a:r>
+            <a:r>
+              <a:rPr lang="vi-VN"/>
+              <a:t>ơ</a:t>
+            </a:r>
+            <a:r>
+              <a:rPr lang="en-US"/>
+              <a:t>n trên app mobile, xem thông tin chi tiết đ</a:t>
+            </a:r>
+            <a:r>
+              <a:rPr lang="vi-VN"/>
+              <a:t>ơ</a:t>
+            </a:r>
+            <a:r>
+              <a:rPr lang="en-US"/>
+              <a:t>n đó, sau đó đổi trạng thái đ</a:t>
+            </a:r>
+            <a:r>
+              <a:rPr lang="vi-VN"/>
+              <a:t>ơ</a:t>
+            </a:r>
+            <a:r>
+              <a:rPr lang="en-US"/>
+              <a:t>n sang Đã Đóng Gói trên app luôn.</a:t>
+            </a:r>
+          </a:p>
+          <a:p>
+            <a:pPr lvl="1">
+              <a:lnSpc>
+                <a:spcPct val="150000"/>
+              </a:lnSpc>
+            </a:pPr>
+            <a:r>
+              <a:rPr lang="en-US"/>
+              <a:t>Làm t</a:t>
+            </a:r>
+            <a:r>
+              <a:rPr lang="vi-VN"/>
+              <a:t>ư</a:t>
+            </a:r>
+            <a:r>
+              <a:rPr lang="en-US"/>
+              <a:t>ơng tự với các đ</a:t>
+            </a:r>
+            <a:r>
+              <a:rPr lang="vi-VN"/>
+              <a:t>ơ</a:t>
+            </a:r>
+            <a:r>
+              <a:rPr lang="en-US"/>
+              <a:t>n tiếp theo</a:t>
+            </a:r>
+          </a:p>
+          <a:p>
+            <a:pPr marL="0" indent="0">
+              <a:buNone/>
+            </a:pPr>
+            <a:endParaRPr lang="en-US"/>
+          </a:p>
+        </p:txBody>
+      </p:sp>
+    </p:spTree>
+    <p:extLst>
+      <p:ext uri="{BB962C8B-B14F-4D97-AF65-F5344CB8AC3E}">
+        <p14:creationId xmlns:p14="http://schemas.microsoft.com/office/powerpoint/2010/main" val="3657564650"/>
+      </p:ext>
+    </p:extLst>
+  </p:cSld>
+  <p:clrMapOvr>
+    <a:masterClrMapping/>
+  </p:clrMapOvr>
+  <p:transition spd="slow">
+    <p:cover/>
+  </p:transition>
+</p:sld>
+</file>
+
+<file path=ppt/slides/slide18.xml><?xml version="1.0" encoding="utf-8"?>
+<p:sld xmlns:a="http://schemas.openxmlformats.org/drawingml/2006/main" xmlns:r="http://schemas.openxmlformats.org/officeDocument/2006/relationships" xmlns:p="http://schemas.openxmlformats.org/presentationml/2006/main">
+  <p:cSld>
+    <p:spTree>
+      <p:nvGrpSpPr>
+        <p:cNvPr id="1" name=""/>
+        <p:cNvGrpSpPr/>
+        <p:nvPr/>
+      </p:nvGrpSpPr>
+      <p:grpSpPr>
+        <a:xfrm>
+          <a:off x="0" y="0"/>
+          <a:ext cx="0" cy="0"/>
+          <a:chOff x="0" y="0"/>
+          <a:chExt cx="0" cy="0"/>
+        </a:xfrm>
+      </p:grpSpPr>
+      <p:sp>
+        <p:nvSpPr>
+          <p:cNvPr id="2" name="Title 1">
+            <a:extLst>
+              <a:ext uri="{FF2B5EF4-FFF2-40B4-BE49-F238E27FC236}">
+                <a16:creationId xmlns:a16="http://schemas.microsoft.com/office/drawing/2014/main" id="{61954719-9898-4316-9DCC-303562F9F4EA}"/>
+              </a:ext>
+            </a:extLst>
+          </p:cNvPr>
+          <p:cNvSpPr>
+            <a:spLocks noGrp="1"/>
+          </p:cNvSpPr>
+          <p:nvPr>
+            <p:ph type="title"/>
+          </p:nvPr>
+        </p:nvSpPr>
+        <p:spPr/>
+        <p:txBody>
+          <a:bodyPr/>
+          <a:lstStyle/>
+          <a:p>
+            <a:r>
+              <a:rPr lang="en-US"/>
+              <a:t>2. TÍNH NĂNG QUẢN LÝ, THEO DÕI Đ</a:t>
+            </a:r>
+            <a:r>
+              <a:rPr lang="vi-VN"/>
+              <a:t>Ơ</a:t>
+            </a:r>
+            <a:r>
+              <a:rPr lang="en-US"/>
+              <a:t>N</a:t>
+            </a:r>
+          </a:p>
+        </p:txBody>
+      </p:sp>
+      <p:sp>
+        <p:nvSpPr>
+          <p:cNvPr id="3" name="Content Placeholder 2">
+            <a:extLst>
+              <a:ext uri="{FF2B5EF4-FFF2-40B4-BE49-F238E27FC236}">
+                <a16:creationId xmlns:a16="http://schemas.microsoft.com/office/drawing/2014/main" id="{F194AD00-58FA-48E2-8463-D49E808BD022}"/>
+              </a:ext>
+            </a:extLst>
+          </p:cNvPr>
+          <p:cNvSpPr>
+            <a:spLocks noGrp="1"/>
+          </p:cNvSpPr>
+          <p:nvPr>
+            <p:ph idx="1"/>
+          </p:nvPr>
+        </p:nvSpPr>
+        <p:spPr/>
+        <p:txBody>
+          <a:bodyPr>
+            <a:normAutofit fontScale="92500" lnSpcReduction="10000"/>
+          </a:bodyPr>
+          <a:lstStyle/>
+          <a:p>
+            <a:pPr marL="0" indent="0">
+              <a:lnSpc>
+                <a:spcPct val="150000"/>
+              </a:lnSpc>
+              <a:buNone/>
+            </a:pPr>
+            <a:r>
+              <a:rPr lang="en-US"/>
+              <a:t>4. Tạo Phiếu Xuất Cho Những Đ</a:t>
+            </a:r>
+            <a:r>
+              <a:rPr lang="vi-VN"/>
+              <a:t>ơ</a:t>
+            </a:r>
+            <a:r>
+              <a:rPr lang="en-US"/>
+              <a:t>n Đã Đóng Gói Để Giao Đi</a:t>
+            </a:r>
+          </a:p>
+          <a:p>
+            <a:pPr lvl="1">
+              <a:lnSpc>
+                <a:spcPct val="150000"/>
+              </a:lnSpc>
+            </a:pPr>
+            <a:r>
+              <a:rPr lang="en-US"/>
+              <a:t>B</a:t>
+            </a:r>
+            <a:r>
+              <a:rPr lang="vi-VN"/>
+              <a:t>ư</a:t>
+            </a:r>
+            <a:r>
+              <a:rPr lang="en-US"/>
+              <a:t>ớc 1. Trong trang đ</a:t>
+            </a:r>
+            <a:r>
+              <a:rPr lang="vi-VN"/>
+              <a:t>ơ</a:t>
+            </a:r>
+            <a:r>
+              <a:rPr lang="en-US"/>
+              <a:t>n Đã Đóng Gói, ở góc d</a:t>
+            </a:r>
+            <a:r>
+              <a:rPr lang="vi-VN"/>
+              <a:t>ư</a:t>
+            </a:r>
+            <a:r>
+              <a:rPr lang="en-US"/>
+              <a:t>ới phải sẽ xuất hiện nút Tạo Phiếu Xuất cho từng nhà vận chuyển.</a:t>
+            </a:r>
+          </a:p>
+          <a:p>
+            <a:pPr lvl="1">
+              <a:lnSpc>
+                <a:spcPct val="150000"/>
+              </a:lnSpc>
+            </a:pPr>
+            <a:r>
+              <a:rPr lang="en-US"/>
+              <a:t>B</a:t>
+            </a:r>
+            <a:r>
+              <a:rPr lang="vi-VN"/>
+              <a:t>ư</a:t>
+            </a:r>
+            <a:r>
+              <a:rPr lang="en-US"/>
+              <a:t>ớc 2. Xem danh sách phiếu xuất trong menu Phiếu Xuất, tại đây chỉ hiện những phiếu xuất đáng quan tâm đó là phiếu xuất mới</a:t>
+            </a:r>
+          </a:p>
+          <a:p>
+            <a:pPr lvl="1">
+              <a:lnSpc>
+                <a:spcPct val="150000"/>
+              </a:lnSpc>
+            </a:pPr>
+            <a:r>
+              <a:rPr lang="en-US"/>
+              <a:t>Bước 3. Tích chọn phiếu xuất sau đó click vào biểu t</a:t>
+            </a:r>
+            <a:r>
+              <a:rPr lang="vi-VN"/>
+              <a:t>ư</a:t>
+            </a:r>
+            <a:r>
+              <a:rPr lang="en-US"/>
+              <a:t>ợng in để in phiếu xuất cho nhân viên lấy hàng kí. (Bằng chứng đã giao hàng)</a:t>
+            </a:r>
+          </a:p>
+          <a:p>
+            <a:pPr lvl="1">
+              <a:lnSpc>
+                <a:spcPct val="150000"/>
+              </a:lnSpc>
+            </a:pPr>
+            <a:r>
+              <a:rPr lang="en-US"/>
+              <a:t>Bước 4. Cuối ngày sẽ quét trạng thái xem b</a:t>
+            </a:r>
+            <a:r>
+              <a:rPr lang="vi-VN"/>
+              <a:t>ư</a:t>
+            </a:r>
+            <a:r>
+              <a:rPr lang="en-US"/>
+              <a:t>u tá lấy hàng về đã chuyển trạng thái các đ</a:t>
+            </a:r>
+            <a:r>
+              <a:rPr lang="vi-VN"/>
+              <a:t>ơ</a:t>
+            </a:r>
+            <a:r>
+              <a:rPr lang="en-US"/>
+              <a:t>n này sang đã giao ch</a:t>
+            </a:r>
+            <a:r>
+              <a:rPr lang="vi-VN"/>
+              <a:t>ư</a:t>
+            </a:r>
+            <a:r>
+              <a:rPr lang="en-US"/>
+              <a:t>a.</a:t>
+            </a:r>
+          </a:p>
+        </p:txBody>
+      </p:sp>
+    </p:spTree>
+    <p:extLst>
+      <p:ext uri="{BB962C8B-B14F-4D97-AF65-F5344CB8AC3E}">
+        <p14:creationId xmlns:p14="http://schemas.microsoft.com/office/powerpoint/2010/main" val="693740768"/>
+      </p:ext>
+    </p:extLst>
+  </p:cSld>
+  <p:clrMapOvr>
+    <a:masterClrMapping/>
+  </p:clrMapOvr>
+  <p:transition spd="slow">
+    <p:cover/>
+  </p:transition>
+</p:sld>
+</file>
+
+<file path=ppt/slides/slide19.xml><?xml version="1.0" encoding="utf-8"?>
+<p:sld xmlns:a="http://schemas.openxmlformats.org/drawingml/2006/main" xmlns:r="http://schemas.openxmlformats.org/officeDocument/2006/relationships" xmlns:p="http://schemas.openxmlformats.org/presentationml/2006/main">
+  <p:cSld>
+    <p:spTree>
+      <p:nvGrpSpPr>
+        <p:cNvPr id="1" name=""/>
+        <p:cNvGrpSpPr/>
+        <p:nvPr/>
+      </p:nvGrpSpPr>
+      <p:grpSpPr>
+        <a:xfrm>
+          <a:off x="0" y="0"/>
+          <a:ext cx="0" cy="0"/>
+          <a:chOff x="0" y="0"/>
+          <a:chExt cx="0" cy="0"/>
+        </a:xfrm>
+      </p:grpSpPr>
+      <p:sp>
+        <p:nvSpPr>
+          <p:cNvPr id="2" name="Title 1">
+            <a:extLst>
+              <a:ext uri="{FF2B5EF4-FFF2-40B4-BE49-F238E27FC236}">
+                <a16:creationId xmlns:a16="http://schemas.microsoft.com/office/drawing/2014/main" id="{C4AB7469-BBBC-462B-B355-1D1F6A2927B5}"/>
+              </a:ext>
+            </a:extLst>
+          </p:cNvPr>
+          <p:cNvSpPr>
+            <a:spLocks noGrp="1"/>
+          </p:cNvSpPr>
+          <p:nvPr>
+            <p:ph type="title"/>
+          </p:nvPr>
+        </p:nvSpPr>
+        <p:spPr/>
+        <p:txBody>
+          <a:bodyPr/>
+          <a:lstStyle/>
+          <a:p>
+            <a:r>
+              <a:rPr lang="en-US"/>
+              <a:t>2. TÍNH NĂNG QUẢN LÝ, THEO DÕI Đ</a:t>
+            </a:r>
+            <a:r>
+              <a:rPr lang="vi-VN"/>
+              <a:t>Ơ</a:t>
+            </a:r>
+            <a:r>
+              <a:rPr lang="en-US"/>
+              <a:t>N</a:t>
+            </a:r>
+          </a:p>
+        </p:txBody>
+      </p:sp>
+      <p:sp>
+        <p:nvSpPr>
+          <p:cNvPr id="3" name="Content Placeholder 2">
+            <a:extLst>
+              <a:ext uri="{FF2B5EF4-FFF2-40B4-BE49-F238E27FC236}">
+                <a16:creationId xmlns:a16="http://schemas.microsoft.com/office/drawing/2014/main" id="{BEE608D0-E0EF-4166-8D95-99C5CF6CC641}"/>
+              </a:ext>
+            </a:extLst>
+          </p:cNvPr>
+          <p:cNvSpPr>
+            <a:spLocks noGrp="1"/>
+          </p:cNvSpPr>
+          <p:nvPr>
+            <p:ph idx="1"/>
+          </p:nvPr>
+        </p:nvSpPr>
+        <p:spPr/>
+        <p:txBody>
+          <a:bodyPr/>
+          <a:lstStyle/>
+          <a:p>
+            <a:pPr marL="0" indent="0">
+              <a:lnSpc>
+                <a:spcPct val="150000"/>
+              </a:lnSpc>
+              <a:buNone/>
+            </a:pPr>
+            <a:r>
+              <a:rPr lang="en-US"/>
+              <a:t>5. Xác Nhận Đ</a:t>
+            </a:r>
+            <a:r>
+              <a:rPr lang="vi-VN"/>
+              <a:t>ơ</a:t>
+            </a:r>
+            <a:r>
+              <a:rPr lang="en-US"/>
+              <a:t>n Hoàn (nếu có)</a:t>
+            </a:r>
+          </a:p>
+          <a:p>
+            <a:pPr lvl="1">
+              <a:lnSpc>
+                <a:spcPct val="150000"/>
+              </a:lnSpc>
+            </a:pPr>
+            <a:r>
+              <a:rPr lang="en-US"/>
+              <a:t>Bước 1. Khi một đ</a:t>
+            </a:r>
+            <a:r>
+              <a:rPr lang="vi-VN"/>
+              <a:t>ơ</a:t>
+            </a:r>
+            <a:r>
+              <a:rPr lang="en-US"/>
+              <a:t>n đ</a:t>
+            </a:r>
+            <a:r>
+              <a:rPr lang="vi-VN"/>
+              <a:t>ư</a:t>
+            </a:r>
+            <a:r>
+              <a:rPr lang="en-US"/>
+              <a:t>ợc hoàn về, ta sẽ tiến hành đổi đ</a:t>
+            </a:r>
+            <a:r>
+              <a:rPr lang="vi-VN"/>
+              <a:t>ơ</a:t>
+            </a:r>
+            <a:r>
+              <a:rPr lang="en-US"/>
+              <a:t>n đó về trạng thái Đã Hoàn. Trong menu Hoàn Hủy, click nút Quét Đ</a:t>
+            </a:r>
+            <a:r>
+              <a:rPr lang="vi-VN"/>
+              <a:t>ơ</a:t>
+            </a:r>
+            <a:r>
+              <a:rPr lang="en-US"/>
+              <a:t>n Hoàn</a:t>
+            </a:r>
+          </a:p>
+          <a:p>
+            <a:pPr lvl="1">
+              <a:lnSpc>
+                <a:spcPct val="150000"/>
+              </a:lnSpc>
+            </a:pPr>
+            <a:r>
+              <a:rPr lang="en-US"/>
+              <a:t>Bước 2. Tại đây, ta có thể nhập tay rồi click nút Xác Nhận (có thể chọn chế độ xác nhận nhanh cho tr</a:t>
+            </a:r>
+            <a:r>
+              <a:rPr lang="vi-VN"/>
+              <a:t>ư</a:t>
+            </a:r>
+            <a:r>
+              <a:rPr lang="en-US"/>
+              <a:t>ờng hợp dùng máy scan mã vạch</a:t>
+            </a:r>
+          </a:p>
+        </p:txBody>
+      </p:sp>
+    </p:spTree>
+    <p:extLst>
+      <p:ext uri="{BB962C8B-B14F-4D97-AF65-F5344CB8AC3E}">
+        <p14:creationId xmlns:p14="http://schemas.microsoft.com/office/powerpoint/2010/main" val="4008642791"/>
+      </p:ext>
+    </p:extLst>
+  </p:cSld>
+  <p:clrMapOvr>
+    <a:masterClrMapping/>
+  </p:clrMapOvr>
+  <p:transition spd="slow">
+    <p:cover/>
+  </p:transition>
 </p:sld>
 </file>
 
@@ -5969,10 +8490,10 @@
       </p:grpSpPr>
       <p:sp>
         <p:nvSpPr>
-          <p:cNvPr id="4" name="Title 3">
+          <p:cNvPr id="2" name="Title 1">
             <a:extLst>
               <a:ext uri="{FF2B5EF4-FFF2-40B4-BE49-F238E27FC236}">
-                <a16:creationId xmlns:a16="http://schemas.microsoft.com/office/drawing/2014/main" id="{16A5376A-609E-447D-AA48-1343C5297911}"/>
+                <a16:creationId xmlns:a16="http://schemas.microsoft.com/office/drawing/2014/main" id="{3499F80C-B0BA-4C46-B71E-3AA8D695A7C4}"/>
               </a:ext>
             </a:extLst>
           </p:cNvPr>
@@ -5983,37 +8504,117 @@
             <p:ph type="title"/>
           </p:nvPr>
         </p:nvSpPr>
-        <p:spPr/>
-        <p:txBody>
-          <a:bodyPr/>
+        <p:spPr>
+          <a:xfrm>
+            <a:off x="1030286" y="819325"/>
+            <a:ext cx="10131425" cy="841695"/>
+          </a:xfrm>
+        </p:spPr>
+        <p:txBody>
+          <a:bodyPr>
+            <a:normAutofit/>
+          </a:bodyPr>
           <a:lstStyle/>
           <a:p>
-            <a:endParaRPr lang="en-US"/>
-          </a:p>
-        </p:txBody>
-      </p:sp>
-      <p:sp>
-        <p:nvSpPr>
-          <p:cNvPr id="5" name="Text Placeholder 4">
+            <a:pPr algn="ctr"/>
+            <a:r>
+              <a:rPr lang="en-US" sz="2400"/>
+              <a:t>NỘI DUNG TRÌNH BÀY</a:t>
+            </a:r>
+          </a:p>
+        </p:txBody>
+      </p:sp>
+      <p:sp>
+        <p:nvSpPr>
+          <p:cNvPr id="6" name="TextBox 5">
             <a:extLst>
               <a:ext uri="{FF2B5EF4-FFF2-40B4-BE49-F238E27FC236}">
-                <a16:creationId xmlns:a16="http://schemas.microsoft.com/office/drawing/2014/main" id="{DF434F46-7803-4E77-ADFD-6FCA68232FEF}"/>
+                <a16:creationId xmlns:a16="http://schemas.microsoft.com/office/drawing/2014/main" id="{F446388C-EAF4-45FF-AF78-5F6CC606C053}"/>
               </a:ext>
             </a:extLst>
           </p:cNvPr>
-          <p:cNvSpPr>
-            <a:spLocks noGrp="1"/>
-          </p:cNvSpPr>
-          <p:nvPr>
-            <p:ph type="body" idx="1"/>
-          </p:nvPr>
-        </p:nvSpPr>
-        <p:spPr/>
-        <p:txBody>
-          <a:bodyPr/>
+          <p:cNvSpPr txBox="1"/>
+          <p:nvPr/>
+        </p:nvSpPr>
+        <p:spPr>
+          <a:xfrm>
+            <a:off x="1030286" y="2878954"/>
+            <a:ext cx="4240263" cy="1569660"/>
+          </a:xfrm>
+          <a:prstGeom prst="rect">
+            <a:avLst/>
+          </a:prstGeom>
+          <a:noFill/>
+        </p:spPr>
+        <p:txBody>
+          <a:bodyPr wrap="none" rtlCol="0">
+            <a:spAutoFit/>
+          </a:bodyPr>
           <a:lstStyle/>
           <a:p>
-            <a:endParaRPr lang="en-US"/>
+            <a:pPr marL="342900" indent="-342900">
+              <a:buAutoNum type="arabicPeriod"/>
+            </a:pPr>
+            <a:r>
+              <a:rPr lang="en-US" sz="2400"/>
+              <a:t> ĐẶT VẤN ĐỀ</a:t>
+            </a:r>
+          </a:p>
+          <a:p>
+            <a:endParaRPr lang="en-US" sz="2400"/>
+          </a:p>
+          <a:p>
+            <a:r>
+              <a:rPr lang="en-US" sz="2400"/>
+              <a:t>2. CÁC TÍNH NĂNG CHÍNH</a:t>
+            </a:r>
+          </a:p>
+          <a:p>
+            <a:endParaRPr lang="en-US" sz="2400"/>
+          </a:p>
+        </p:txBody>
+      </p:sp>
+      <p:sp>
+        <p:nvSpPr>
+          <p:cNvPr id="7" name="TextBox 6">
+            <a:extLst>
+              <a:ext uri="{FF2B5EF4-FFF2-40B4-BE49-F238E27FC236}">
+                <a16:creationId xmlns:a16="http://schemas.microsoft.com/office/drawing/2014/main" id="{E464D4C4-2EB3-4A7F-91D6-4BE604CDEE6B}"/>
+              </a:ext>
+            </a:extLst>
+          </p:cNvPr>
+          <p:cNvSpPr txBox="1"/>
+          <p:nvPr/>
+        </p:nvSpPr>
+        <p:spPr>
+          <a:xfrm>
+            <a:off x="6095998" y="2878954"/>
+            <a:ext cx="5452844" cy="1200329"/>
+          </a:xfrm>
+          <a:prstGeom prst="rect">
+            <a:avLst/>
+          </a:prstGeom>
+          <a:noFill/>
+        </p:spPr>
+        <p:txBody>
+          <a:bodyPr wrap="square" rtlCol="0">
+            <a:spAutoFit/>
+          </a:bodyPr>
+          <a:lstStyle/>
+          <a:p>
+            <a:r>
+              <a:rPr lang="en-US" sz="2400"/>
+              <a:t>3. NỀN TẢNG CÔNG NGHỆ </a:t>
+            </a:r>
+          </a:p>
+          <a:p>
+            <a:endParaRPr lang="en-US" sz="2400"/>
+          </a:p>
+          <a:p>
+            <a:r>
+              <a:rPr lang="en-US" sz="2400"/>
+              <a:t>4. MỤC TIÊU VÀ TẦM NHÌN</a:t>
+            </a:r>
           </a:p>
         </p:txBody>
       </p:sp>
@@ -6027,6 +8628,2248 @@
   <p:clrMapOvr>
     <a:masterClrMapping/>
   </p:clrMapOvr>
+  <p:transition spd="slow">
+    <p:cover/>
+  </p:transition>
+</p:sld>
+</file>
+
+<file path=ppt/slides/slide20.xml><?xml version="1.0" encoding="utf-8"?>
+<p:sld xmlns:a="http://schemas.openxmlformats.org/drawingml/2006/main" xmlns:r="http://schemas.openxmlformats.org/officeDocument/2006/relationships" xmlns:p="http://schemas.openxmlformats.org/presentationml/2006/main">
+  <p:cSld>
+    <p:spTree>
+      <p:nvGrpSpPr>
+        <p:cNvPr id="1" name=""/>
+        <p:cNvGrpSpPr/>
+        <p:nvPr/>
+      </p:nvGrpSpPr>
+      <p:grpSpPr>
+        <a:xfrm>
+          <a:off x="0" y="0"/>
+          <a:ext cx="0" cy="0"/>
+          <a:chOff x="0" y="0"/>
+          <a:chExt cx="0" cy="0"/>
+        </a:xfrm>
+      </p:grpSpPr>
+      <p:sp>
+        <p:nvSpPr>
+          <p:cNvPr id="2" name="Title 1">
+            <a:extLst>
+              <a:ext uri="{FF2B5EF4-FFF2-40B4-BE49-F238E27FC236}">
+                <a16:creationId xmlns:a16="http://schemas.microsoft.com/office/drawing/2014/main" id="{FB30F9D7-3985-4FB5-B379-2AE04535B542}"/>
+              </a:ext>
+            </a:extLst>
+          </p:cNvPr>
+          <p:cNvSpPr>
+            <a:spLocks noGrp="1"/>
+          </p:cNvSpPr>
+          <p:nvPr>
+            <p:ph type="title"/>
+          </p:nvPr>
+        </p:nvSpPr>
+        <p:spPr/>
+        <p:txBody>
+          <a:bodyPr/>
+          <a:lstStyle/>
+          <a:p>
+            <a:r>
+              <a:rPr lang="en-US"/>
+              <a:t>2. TÍNH NĂNG QUẢN LÝ, THEO DÕI Đ</a:t>
+            </a:r>
+            <a:r>
+              <a:rPr lang="vi-VN"/>
+              <a:t>Ơ</a:t>
+            </a:r>
+            <a:r>
+              <a:rPr lang="en-US"/>
+              <a:t>N</a:t>
+            </a:r>
+          </a:p>
+        </p:txBody>
+      </p:sp>
+      <p:sp>
+        <p:nvSpPr>
+          <p:cNvPr id="3" name="Content Placeholder 2">
+            <a:extLst>
+              <a:ext uri="{FF2B5EF4-FFF2-40B4-BE49-F238E27FC236}">
+                <a16:creationId xmlns:a16="http://schemas.microsoft.com/office/drawing/2014/main" id="{E73A1BC3-DAF7-4E16-BD97-B3828C191507}"/>
+              </a:ext>
+            </a:extLst>
+          </p:cNvPr>
+          <p:cNvSpPr>
+            <a:spLocks noGrp="1"/>
+          </p:cNvSpPr>
+          <p:nvPr>
+            <p:ph idx="1"/>
+          </p:nvPr>
+        </p:nvSpPr>
+        <p:spPr/>
+        <p:txBody>
+          <a:bodyPr/>
+          <a:lstStyle/>
+          <a:p>
+            <a:pPr marL="0" indent="0">
+              <a:lnSpc>
+                <a:spcPct val="150000"/>
+              </a:lnSpc>
+              <a:buNone/>
+            </a:pPr>
+            <a:r>
+              <a:rPr lang="en-US"/>
+              <a:t>6. Đối Soát, Kiểm Kê Doanh Thu</a:t>
+            </a:r>
+          </a:p>
+          <a:p>
+            <a:pPr lvl="1">
+              <a:lnSpc>
+                <a:spcPct val="150000"/>
+              </a:lnSpc>
+            </a:pPr>
+            <a:r>
+              <a:rPr lang="en-US"/>
+              <a:t>Bước 1. Vào menu Đối Soát, tải lên file excel, csv xuất ra từ trang nhà bán</a:t>
+            </a:r>
+          </a:p>
+          <a:p>
+            <a:pPr lvl="1">
+              <a:lnSpc>
+                <a:spcPct val="150000"/>
+              </a:lnSpc>
+            </a:pPr>
+            <a:r>
+              <a:rPr lang="en-US"/>
+              <a:t>Bước 2. Sau khi tải lên, hệ thống sẽ đ</a:t>
+            </a:r>
+            <a:r>
+              <a:rPr lang="vi-VN"/>
+              <a:t>ư</a:t>
+            </a:r>
+            <a:r>
+              <a:rPr lang="en-US"/>
+              <a:t>a ra danh sách đ</a:t>
+            </a:r>
+            <a:r>
+              <a:rPr lang="vi-VN"/>
+              <a:t>ơ</a:t>
+            </a:r>
+            <a:r>
+              <a:rPr lang="en-US"/>
+              <a:t>n đó kèm phần so sánh chênh lệch giữ tiền mình nhận đ</a:t>
+            </a:r>
+            <a:r>
+              <a:rPr lang="vi-VN"/>
+              <a:t>ư</a:t>
+            </a:r>
+            <a:r>
+              <a:rPr lang="en-US"/>
+              <a:t>ợc (đã trừ phí) so với tiền mà Shopee trả mình.</a:t>
+            </a:r>
+          </a:p>
+          <a:p>
+            <a:pPr lvl="1">
+              <a:lnSpc>
+                <a:spcPct val="150000"/>
+              </a:lnSpc>
+            </a:pPr>
+            <a:r>
+              <a:rPr lang="en-US"/>
+              <a:t>Bước 3. Tạo phiếu thu cho lần đối soát đó để l</a:t>
+            </a:r>
+            <a:r>
+              <a:rPr lang="vi-VN"/>
+              <a:t>ư</a:t>
+            </a:r>
+            <a:r>
+              <a:rPr lang="en-US"/>
+              <a:t>u vết lại. Với những đ</a:t>
+            </a:r>
+            <a:r>
+              <a:rPr lang="vi-VN"/>
+              <a:t>ơ</a:t>
+            </a:r>
+            <a:r>
+              <a:rPr lang="en-US"/>
+              <a:t>n bị Shopee trả thiếu thì có thể xuất ra excel để gửi khiếu nại yêu cầu trả đủ tiền. </a:t>
+            </a:r>
+          </a:p>
+        </p:txBody>
+      </p:sp>
+    </p:spTree>
+    <p:extLst>
+      <p:ext uri="{BB962C8B-B14F-4D97-AF65-F5344CB8AC3E}">
+        <p14:creationId xmlns:p14="http://schemas.microsoft.com/office/powerpoint/2010/main" val="1931218421"/>
+      </p:ext>
+    </p:extLst>
+  </p:cSld>
+  <p:clrMapOvr>
+    <a:masterClrMapping/>
+  </p:clrMapOvr>
+  <p:transition spd="slow">
+    <p:cover/>
+  </p:transition>
+</p:sld>
+</file>
+
+<file path=ppt/slides/slide21.xml><?xml version="1.0" encoding="utf-8"?>
+<p:sld xmlns:a="http://schemas.openxmlformats.org/drawingml/2006/main" xmlns:r="http://schemas.openxmlformats.org/officeDocument/2006/relationships" xmlns:p="http://schemas.openxmlformats.org/presentationml/2006/main">
+  <p:cSld>
+    <p:spTree>
+      <p:nvGrpSpPr>
+        <p:cNvPr id="1" name=""/>
+        <p:cNvGrpSpPr/>
+        <p:nvPr/>
+      </p:nvGrpSpPr>
+      <p:grpSpPr>
+        <a:xfrm>
+          <a:off x="0" y="0"/>
+          <a:ext cx="0" cy="0"/>
+          <a:chOff x="0" y="0"/>
+          <a:chExt cx="0" cy="0"/>
+        </a:xfrm>
+      </p:grpSpPr>
+      <p:sp>
+        <p:nvSpPr>
+          <p:cNvPr id="2" name="Title 1">
+            <a:extLst>
+              <a:ext uri="{FF2B5EF4-FFF2-40B4-BE49-F238E27FC236}">
+                <a16:creationId xmlns:a16="http://schemas.microsoft.com/office/drawing/2014/main" id="{89773B4C-722D-4B82-A090-5E4C55DFB907}"/>
+              </a:ext>
+            </a:extLst>
+          </p:cNvPr>
+          <p:cNvSpPr>
+            <a:spLocks noGrp="1"/>
+          </p:cNvSpPr>
+          <p:nvPr>
+            <p:ph type="title"/>
+          </p:nvPr>
+        </p:nvSpPr>
+        <p:spPr/>
+        <p:txBody>
+          <a:bodyPr/>
+          <a:lstStyle/>
+          <a:p>
+            <a:r>
+              <a:rPr lang="en-US"/>
+              <a:t>3. Tính năng tải ảnh, tải video	</a:t>
+            </a:r>
+          </a:p>
+        </p:txBody>
+      </p:sp>
+      <p:sp>
+        <p:nvSpPr>
+          <p:cNvPr id="3" name="Content Placeholder 2">
+            <a:extLst>
+              <a:ext uri="{FF2B5EF4-FFF2-40B4-BE49-F238E27FC236}">
+                <a16:creationId xmlns:a16="http://schemas.microsoft.com/office/drawing/2014/main" id="{E7DB1DF6-7F6A-4C3F-8CEA-96BC90826563}"/>
+              </a:ext>
+            </a:extLst>
+          </p:cNvPr>
+          <p:cNvSpPr>
+            <a:spLocks noGrp="1"/>
+          </p:cNvSpPr>
+          <p:nvPr>
+            <p:ph idx="1"/>
+          </p:nvPr>
+        </p:nvSpPr>
+        <p:spPr/>
+        <p:txBody>
+          <a:bodyPr/>
+          <a:lstStyle/>
+          <a:p>
+            <a:pPr>
+              <a:lnSpc>
+                <a:spcPct val="150000"/>
+              </a:lnSpc>
+            </a:pPr>
+            <a:r>
+              <a:rPr lang="en-US"/>
+              <a:t>B</a:t>
+            </a:r>
+            <a:r>
+              <a:rPr lang="vi-VN"/>
+              <a:t>ư</a:t>
+            </a:r>
+            <a:r>
+              <a:rPr lang="en-US"/>
+              <a:t>ớc 1. Trên giao diện ShipXanh ở trang sản phẩm Shopee. Sang tab Download</a:t>
+            </a:r>
+          </a:p>
+          <a:p>
+            <a:pPr>
+              <a:lnSpc>
+                <a:spcPct val="150000"/>
+              </a:lnSpc>
+            </a:pPr>
+            <a:r>
+              <a:rPr lang="en-US"/>
+              <a:t>Bước 2. Tùy theo nhu cầu mà ta có thể click nút Download Video hoặc Download hình ảnh</a:t>
+            </a:r>
+          </a:p>
+        </p:txBody>
+      </p:sp>
+    </p:spTree>
+    <p:extLst>
+      <p:ext uri="{BB962C8B-B14F-4D97-AF65-F5344CB8AC3E}">
+        <p14:creationId xmlns:p14="http://schemas.microsoft.com/office/powerpoint/2010/main" val="3683003121"/>
+      </p:ext>
+    </p:extLst>
+  </p:cSld>
+  <p:clrMapOvr>
+    <a:masterClrMapping/>
+  </p:clrMapOvr>
+</p:sld>
+</file>
+
+<file path=ppt/slides/slide22.xml><?xml version="1.0" encoding="utf-8"?>
+<p:sld xmlns:a="http://schemas.openxmlformats.org/drawingml/2006/main" xmlns:r="http://schemas.openxmlformats.org/officeDocument/2006/relationships" xmlns:p="http://schemas.openxmlformats.org/presentationml/2006/main">
+  <p:cSld>
+    <p:spTree>
+      <p:nvGrpSpPr>
+        <p:cNvPr id="1" name=""/>
+        <p:cNvGrpSpPr/>
+        <p:nvPr/>
+      </p:nvGrpSpPr>
+      <p:grpSpPr>
+        <a:xfrm>
+          <a:off x="0" y="0"/>
+          <a:ext cx="0" cy="0"/>
+          <a:chOff x="0" y="0"/>
+          <a:chExt cx="0" cy="0"/>
+        </a:xfrm>
+      </p:grpSpPr>
+      <p:sp>
+        <p:nvSpPr>
+          <p:cNvPr id="2" name="Title 1">
+            <a:extLst>
+              <a:ext uri="{FF2B5EF4-FFF2-40B4-BE49-F238E27FC236}">
+                <a16:creationId xmlns:a16="http://schemas.microsoft.com/office/drawing/2014/main" id="{BED05B8D-A64E-487B-BCB7-8683296DE2DE}"/>
+              </a:ext>
+            </a:extLst>
+          </p:cNvPr>
+          <p:cNvSpPr>
+            <a:spLocks noGrp="1"/>
+          </p:cNvSpPr>
+          <p:nvPr>
+            <p:ph type="title"/>
+          </p:nvPr>
+        </p:nvSpPr>
+        <p:spPr/>
+        <p:txBody>
+          <a:bodyPr/>
+          <a:lstStyle/>
+          <a:p>
+            <a:r>
+              <a:rPr lang="en-US"/>
+              <a:t>CH</a:t>
+            </a:r>
+            <a:r>
+              <a:rPr lang="vi-VN"/>
+              <a:t>Ư</a:t>
+            </a:r>
+            <a:r>
+              <a:rPr lang="en-US"/>
+              <a:t>ƠNG 3. Nền TẢNG CÔNG NGHỆ</a:t>
+            </a:r>
+          </a:p>
+        </p:txBody>
+      </p:sp>
+      <p:sp>
+        <p:nvSpPr>
+          <p:cNvPr id="3" name="Content Placeholder 2">
+            <a:extLst>
+              <a:ext uri="{FF2B5EF4-FFF2-40B4-BE49-F238E27FC236}">
+                <a16:creationId xmlns:a16="http://schemas.microsoft.com/office/drawing/2014/main" id="{804F83F1-B5D7-4567-B619-04149EE8262C}"/>
+              </a:ext>
+            </a:extLst>
+          </p:cNvPr>
+          <p:cNvSpPr>
+            <a:spLocks noGrp="1"/>
+          </p:cNvSpPr>
+          <p:nvPr>
+            <p:ph idx="1"/>
+          </p:nvPr>
+        </p:nvSpPr>
+        <p:spPr/>
+        <p:txBody>
+          <a:bodyPr/>
+          <a:lstStyle/>
+          <a:p>
+            <a:pPr marL="342900" indent="-342900">
+              <a:lnSpc>
+                <a:spcPct val="150000"/>
+              </a:lnSpc>
+              <a:buAutoNum type="arabicPeriod"/>
+            </a:pPr>
+            <a:r>
+              <a:rPr lang="en-US" sz="3200"/>
+              <a:t>Chrome Extension</a:t>
+            </a:r>
+          </a:p>
+          <a:p>
+            <a:pPr marL="342900" indent="-342900">
+              <a:lnSpc>
+                <a:spcPct val="150000"/>
+              </a:lnSpc>
+              <a:buAutoNum type="arabicPeriod"/>
+            </a:pPr>
+            <a:r>
+              <a:rPr lang="en-US" sz="3200"/>
+              <a:t>Nodejs Application</a:t>
+            </a:r>
+          </a:p>
+          <a:p>
+            <a:pPr marL="342900" indent="-342900">
+              <a:lnSpc>
+                <a:spcPct val="150000"/>
+              </a:lnSpc>
+              <a:buAutoNum type="arabicPeriod"/>
+            </a:pPr>
+            <a:r>
+              <a:rPr lang="en-US" sz="3200"/>
+              <a:t>Firebase</a:t>
+            </a:r>
+          </a:p>
+          <a:p>
+            <a:pPr marL="342900" indent="-342900">
+              <a:lnSpc>
+                <a:spcPct val="150000"/>
+              </a:lnSpc>
+              <a:buAutoNum type="arabicPeriod"/>
+            </a:pPr>
+            <a:r>
+              <a:rPr lang="en-US" sz="3200"/>
+              <a:t>MeiliSearch</a:t>
+            </a:r>
+            <a:endParaRPr lang="en-US"/>
+          </a:p>
+        </p:txBody>
+      </p:sp>
+    </p:spTree>
+    <p:extLst>
+      <p:ext uri="{BB962C8B-B14F-4D97-AF65-F5344CB8AC3E}">
+        <p14:creationId xmlns:p14="http://schemas.microsoft.com/office/powerpoint/2010/main" val="3207405900"/>
+      </p:ext>
+    </p:extLst>
+  </p:cSld>
+  <p:clrMapOvr>
+    <a:masterClrMapping/>
+  </p:clrMapOvr>
+</p:sld>
+</file>
+
+<file path=ppt/slides/slide23.xml><?xml version="1.0" encoding="utf-8"?>
+<p:sld xmlns:a="http://schemas.openxmlformats.org/drawingml/2006/main" xmlns:r="http://schemas.openxmlformats.org/officeDocument/2006/relationships" xmlns:p="http://schemas.openxmlformats.org/presentationml/2006/main">
+  <p:cSld>
+    <p:spTree>
+      <p:nvGrpSpPr>
+        <p:cNvPr id="1" name=""/>
+        <p:cNvGrpSpPr/>
+        <p:nvPr/>
+      </p:nvGrpSpPr>
+      <p:grpSpPr>
+        <a:xfrm>
+          <a:off x="0" y="0"/>
+          <a:ext cx="0" cy="0"/>
+          <a:chOff x="0" y="0"/>
+          <a:chExt cx="0" cy="0"/>
+        </a:xfrm>
+      </p:grpSpPr>
+      <p:sp>
+        <p:nvSpPr>
+          <p:cNvPr id="2" name="Title 1">
+            <a:extLst>
+              <a:ext uri="{FF2B5EF4-FFF2-40B4-BE49-F238E27FC236}">
+                <a16:creationId xmlns:a16="http://schemas.microsoft.com/office/drawing/2014/main" id="{FA3B8547-A1DB-434C-A90F-E794C201F2C0}"/>
+              </a:ext>
+            </a:extLst>
+          </p:cNvPr>
+          <p:cNvSpPr>
+            <a:spLocks noGrp="1"/>
+          </p:cNvSpPr>
+          <p:nvPr>
+            <p:ph type="title"/>
+          </p:nvPr>
+        </p:nvSpPr>
+        <p:spPr/>
+        <p:txBody>
+          <a:bodyPr/>
+          <a:lstStyle/>
+          <a:p>
+            <a:r>
+              <a:rPr lang="en-US"/>
+              <a:t>CH</a:t>
+            </a:r>
+            <a:r>
+              <a:rPr lang="vi-VN"/>
+              <a:t>Ư</a:t>
+            </a:r>
+            <a:r>
+              <a:rPr lang="en-US"/>
+              <a:t>ƠNG 4. mục tiêu và tầm nhìn</a:t>
+            </a:r>
+          </a:p>
+        </p:txBody>
+      </p:sp>
+      <p:sp>
+        <p:nvSpPr>
+          <p:cNvPr id="3" name="Content Placeholder 2">
+            <a:extLst>
+              <a:ext uri="{FF2B5EF4-FFF2-40B4-BE49-F238E27FC236}">
+                <a16:creationId xmlns:a16="http://schemas.microsoft.com/office/drawing/2014/main" id="{6CD640DF-D393-44F7-93DD-3F789A60A114}"/>
+              </a:ext>
+            </a:extLst>
+          </p:cNvPr>
+          <p:cNvSpPr>
+            <a:spLocks noGrp="1"/>
+          </p:cNvSpPr>
+          <p:nvPr>
+            <p:ph idx="1"/>
+          </p:nvPr>
+        </p:nvSpPr>
+        <p:spPr/>
+        <p:txBody>
+          <a:bodyPr/>
+          <a:lstStyle/>
+          <a:p>
+            <a:pPr marL="342900" indent="-342900">
+              <a:lnSpc>
+                <a:spcPct val="150000"/>
+              </a:lnSpc>
+              <a:buAutoNum type="arabicPeriod"/>
+            </a:pPr>
+            <a:r>
+              <a:rPr lang="en-US" sz="3600"/>
+              <a:t>Thống Kê </a:t>
+            </a:r>
+          </a:p>
+          <a:p>
+            <a:pPr marL="342900" indent="-342900">
+              <a:lnSpc>
+                <a:spcPct val="150000"/>
+              </a:lnSpc>
+              <a:buAutoNum type="arabicPeriod"/>
+            </a:pPr>
+            <a:r>
+              <a:rPr lang="en-US" sz="3600"/>
+              <a:t>Mục Tiêu &amp; Tầm Nhìn</a:t>
+            </a:r>
+            <a:endParaRPr lang="en-US"/>
+          </a:p>
+          <a:p>
+            <a:pPr marL="0" indent="0">
+              <a:buNone/>
+            </a:pPr>
+            <a:endParaRPr lang="en-US"/>
+          </a:p>
+        </p:txBody>
+      </p:sp>
+    </p:spTree>
+    <p:extLst>
+      <p:ext uri="{BB962C8B-B14F-4D97-AF65-F5344CB8AC3E}">
+        <p14:creationId xmlns:p14="http://schemas.microsoft.com/office/powerpoint/2010/main" val="4243068762"/>
+      </p:ext>
+    </p:extLst>
+  </p:cSld>
+  <p:clrMapOvr>
+    <a:masterClrMapping/>
+  </p:clrMapOvr>
+</p:sld>
+</file>
+
+<file path=ppt/slides/slide24.xml><?xml version="1.0" encoding="utf-8"?>
+<p:sld xmlns:a="http://schemas.openxmlformats.org/drawingml/2006/main" xmlns:r="http://schemas.openxmlformats.org/officeDocument/2006/relationships" xmlns:p="http://schemas.openxmlformats.org/presentationml/2006/main">
+  <p:cSld>
+    <p:spTree>
+      <p:nvGrpSpPr>
+        <p:cNvPr id="1" name=""/>
+        <p:cNvGrpSpPr/>
+        <p:nvPr/>
+      </p:nvGrpSpPr>
+      <p:grpSpPr>
+        <a:xfrm>
+          <a:off x="0" y="0"/>
+          <a:ext cx="0" cy="0"/>
+          <a:chOff x="0" y="0"/>
+          <a:chExt cx="0" cy="0"/>
+        </a:xfrm>
+      </p:grpSpPr>
+      <p:sp>
+        <p:nvSpPr>
+          <p:cNvPr id="2" name="Title 1">
+            <a:extLst>
+              <a:ext uri="{FF2B5EF4-FFF2-40B4-BE49-F238E27FC236}">
+                <a16:creationId xmlns:a16="http://schemas.microsoft.com/office/drawing/2014/main" id="{AE716EEE-A5C7-4F38-AA4F-1427A192A1CC}"/>
+              </a:ext>
+            </a:extLst>
+          </p:cNvPr>
+          <p:cNvSpPr>
+            <a:spLocks noGrp="1"/>
+          </p:cNvSpPr>
+          <p:nvPr>
+            <p:ph type="title"/>
+          </p:nvPr>
+        </p:nvSpPr>
+        <p:spPr/>
+        <p:txBody>
+          <a:bodyPr/>
+          <a:lstStyle/>
+          <a:p>
+            <a:r>
+              <a:rPr lang="en-US"/>
+              <a:t>1. Thống kê</a:t>
+            </a:r>
+          </a:p>
+        </p:txBody>
+      </p:sp>
+      <p:sp>
+        <p:nvSpPr>
+          <p:cNvPr id="3" name="Content Placeholder 2">
+            <a:extLst>
+              <a:ext uri="{FF2B5EF4-FFF2-40B4-BE49-F238E27FC236}">
+                <a16:creationId xmlns:a16="http://schemas.microsoft.com/office/drawing/2014/main" id="{07EF6FA3-9ABA-49F4-B077-575A78330EAA}"/>
+              </a:ext>
+            </a:extLst>
+          </p:cNvPr>
+          <p:cNvSpPr>
+            <a:spLocks noGrp="1"/>
+          </p:cNvSpPr>
+          <p:nvPr>
+            <p:ph idx="1"/>
+          </p:nvPr>
+        </p:nvSpPr>
+        <p:spPr/>
+        <p:txBody>
+          <a:bodyPr/>
+          <a:lstStyle/>
+          <a:p>
+            <a:pPr marL="0" indent="0">
+              <a:buNone/>
+            </a:pPr>
+            <a:r>
+              <a:rPr lang="en-US"/>
+              <a:t>Bắt đầu đ</a:t>
+            </a:r>
+            <a:r>
+              <a:rPr lang="vi-VN"/>
+              <a:t>ư</a:t>
+            </a:r>
+            <a:r>
+              <a:rPr lang="en-US"/>
+              <a:t>a lên chợ ứng dụng từ tháng 08/2020, đến nay ShipXanh đã có ~2000 khách hàng tin t</a:t>
+            </a:r>
+            <a:r>
+              <a:rPr lang="vi-VN"/>
+              <a:t>ư</a:t>
+            </a:r>
+            <a:r>
+              <a:rPr lang="en-US"/>
+              <a:t>ởng và sử dụng</a:t>
+            </a:r>
+          </a:p>
+          <a:p>
+            <a:pPr marL="0" indent="0">
+              <a:buNone/>
+            </a:pPr>
+            <a:r>
+              <a:rPr lang="en-US"/>
+              <a:t>Với ~200 review 5* trên cửa hàng Chrome Web Store</a:t>
+            </a:r>
+          </a:p>
+          <a:p>
+            <a:pPr marL="0" indent="0">
+              <a:buNone/>
+            </a:pPr>
+            <a:r>
+              <a:rPr lang="en-US"/>
+              <a:t>Cộng đồng hỗ trợ trong group ShipXanh trên Facebook lên đến ~1300 thành viên</a:t>
+            </a:r>
+          </a:p>
+          <a:p>
+            <a:pPr marL="0" indent="0">
+              <a:buNone/>
+            </a:pPr>
+            <a:r>
+              <a:rPr lang="en-US"/>
+              <a:t>Các con số bên trên vẫn đang tăng đều qua từng ngày</a:t>
+            </a:r>
+          </a:p>
+        </p:txBody>
+      </p:sp>
+    </p:spTree>
+    <p:extLst>
+      <p:ext uri="{BB962C8B-B14F-4D97-AF65-F5344CB8AC3E}">
+        <p14:creationId xmlns:p14="http://schemas.microsoft.com/office/powerpoint/2010/main" val="3671329013"/>
+      </p:ext>
+    </p:extLst>
+  </p:cSld>
+  <p:clrMapOvr>
+    <a:masterClrMapping/>
+  </p:clrMapOvr>
+</p:sld>
+</file>
+
+<file path=ppt/slides/slide25.xml><?xml version="1.0" encoding="utf-8"?>
+<p:sld xmlns:a="http://schemas.openxmlformats.org/drawingml/2006/main" xmlns:r="http://schemas.openxmlformats.org/officeDocument/2006/relationships" xmlns:p="http://schemas.openxmlformats.org/presentationml/2006/main">
+  <p:cSld>
+    <p:spTree>
+      <p:nvGrpSpPr>
+        <p:cNvPr id="1" name=""/>
+        <p:cNvGrpSpPr/>
+        <p:nvPr/>
+      </p:nvGrpSpPr>
+      <p:grpSpPr>
+        <a:xfrm>
+          <a:off x="0" y="0"/>
+          <a:ext cx="0" cy="0"/>
+          <a:chOff x="0" y="0"/>
+          <a:chExt cx="0" cy="0"/>
+        </a:xfrm>
+      </p:grpSpPr>
+      <p:pic>
+        <p:nvPicPr>
+          <p:cNvPr id="5" name="Picture 4">
+            <a:extLst>
+              <a:ext uri="{FF2B5EF4-FFF2-40B4-BE49-F238E27FC236}">
+                <a16:creationId xmlns:a16="http://schemas.microsoft.com/office/drawing/2014/main" id="{F7F70D15-61B5-4144-93C3-D2FDFE5FC5F8}"/>
+              </a:ext>
+            </a:extLst>
+          </p:cNvPr>
+          <p:cNvPicPr>
+            <a:picLocks noChangeAspect="1"/>
+          </p:cNvPicPr>
+          <p:nvPr/>
+        </p:nvPicPr>
+        <p:blipFill>
+          <a:blip r:embed="rId2"/>
+          <a:stretch>
+            <a:fillRect/>
+          </a:stretch>
+        </p:blipFill>
+        <p:spPr>
+          <a:xfrm>
+            <a:off x="1062237" y="463180"/>
+            <a:ext cx="10067526" cy="5931639"/>
+          </a:xfrm>
+          <a:prstGeom prst="rect">
+            <a:avLst/>
+          </a:prstGeom>
+        </p:spPr>
+      </p:pic>
+    </p:spTree>
+    <p:extLst>
+      <p:ext uri="{BB962C8B-B14F-4D97-AF65-F5344CB8AC3E}">
+        <p14:creationId xmlns:p14="http://schemas.microsoft.com/office/powerpoint/2010/main" val="919969642"/>
+      </p:ext>
+    </p:extLst>
+  </p:cSld>
+  <p:clrMapOvr>
+    <a:masterClrMapping/>
+  </p:clrMapOvr>
+</p:sld>
+</file>
+
+<file path=ppt/slides/slide26.xml><?xml version="1.0" encoding="utf-8"?>
+<p:sld xmlns:a="http://schemas.openxmlformats.org/drawingml/2006/main" xmlns:r="http://schemas.openxmlformats.org/officeDocument/2006/relationships" xmlns:p="http://schemas.openxmlformats.org/presentationml/2006/main">
+  <p:cSld>
+    <p:spTree>
+      <p:nvGrpSpPr>
+        <p:cNvPr id="1" name=""/>
+        <p:cNvGrpSpPr/>
+        <p:nvPr/>
+      </p:nvGrpSpPr>
+      <p:grpSpPr>
+        <a:xfrm>
+          <a:off x="0" y="0"/>
+          <a:ext cx="0" cy="0"/>
+          <a:chOff x="0" y="0"/>
+          <a:chExt cx="0" cy="0"/>
+        </a:xfrm>
+      </p:grpSpPr>
+      <p:pic>
+        <p:nvPicPr>
+          <p:cNvPr id="5" name="Picture 4">
+            <a:extLst>
+              <a:ext uri="{FF2B5EF4-FFF2-40B4-BE49-F238E27FC236}">
+                <a16:creationId xmlns:a16="http://schemas.microsoft.com/office/drawing/2014/main" id="{EE9F1553-1BA7-4BF8-9E16-63D74821F563}"/>
+              </a:ext>
+            </a:extLst>
+          </p:cNvPr>
+          <p:cNvPicPr>
+            <a:picLocks noChangeAspect="1"/>
+          </p:cNvPicPr>
+          <p:nvPr/>
+        </p:nvPicPr>
+        <p:blipFill>
+          <a:blip r:embed="rId2"/>
+          <a:stretch>
+            <a:fillRect/>
+          </a:stretch>
+        </p:blipFill>
+        <p:spPr>
+          <a:xfrm>
+            <a:off x="1169930" y="480269"/>
+            <a:ext cx="9852139" cy="5897461"/>
+          </a:xfrm>
+          <a:prstGeom prst="rect">
+            <a:avLst/>
+          </a:prstGeom>
+        </p:spPr>
+      </p:pic>
+    </p:spTree>
+    <p:extLst>
+      <p:ext uri="{BB962C8B-B14F-4D97-AF65-F5344CB8AC3E}">
+        <p14:creationId xmlns:p14="http://schemas.microsoft.com/office/powerpoint/2010/main" val="1864120781"/>
+      </p:ext>
+    </p:extLst>
+  </p:cSld>
+  <p:clrMapOvr>
+    <a:masterClrMapping/>
+  </p:clrMapOvr>
+</p:sld>
+</file>
+
+<file path=ppt/slides/slide27.xml><?xml version="1.0" encoding="utf-8"?>
+<p:sld xmlns:a="http://schemas.openxmlformats.org/drawingml/2006/main" xmlns:r="http://schemas.openxmlformats.org/officeDocument/2006/relationships" xmlns:p="http://schemas.openxmlformats.org/presentationml/2006/main">
+  <p:cSld>
+    <p:spTree>
+      <p:nvGrpSpPr>
+        <p:cNvPr id="1" name=""/>
+        <p:cNvGrpSpPr/>
+        <p:nvPr/>
+      </p:nvGrpSpPr>
+      <p:grpSpPr>
+        <a:xfrm>
+          <a:off x="0" y="0"/>
+          <a:ext cx="0" cy="0"/>
+          <a:chOff x="0" y="0"/>
+          <a:chExt cx="0" cy="0"/>
+        </a:xfrm>
+      </p:grpSpPr>
+      <p:pic>
+        <p:nvPicPr>
+          <p:cNvPr id="3" name="Picture 2">
+            <a:extLst>
+              <a:ext uri="{FF2B5EF4-FFF2-40B4-BE49-F238E27FC236}">
+                <a16:creationId xmlns:a16="http://schemas.microsoft.com/office/drawing/2014/main" id="{601BBACA-7A20-4F1C-BF71-43130AF20FE0}"/>
+              </a:ext>
+            </a:extLst>
+          </p:cNvPr>
+          <p:cNvPicPr>
+            <a:picLocks noChangeAspect="1"/>
+          </p:cNvPicPr>
+          <p:nvPr/>
+        </p:nvPicPr>
+        <p:blipFill>
+          <a:blip r:embed="rId2"/>
+          <a:stretch>
+            <a:fillRect/>
+          </a:stretch>
+        </p:blipFill>
+        <p:spPr>
+          <a:xfrm>
+            <a:off x="2830657" y="0"/>
+            <a:ext cx="6530686" cy="6858000"/>
+          </a:xfrm>
+          <a:prstGeom prst="rect">
+            <a:avLst/>
+          </a:prstGeom>
+        </p:spPr>
+      </p:pic>
+    </p:spTree>
+    <p:extLst>
+      <p:ext uri="{BB962C8B-B14F-4D97-AF65-F5344CB8AC3E}">
+        <p14:creationId xmlns:p14="http://schemas.microsoft.com/office/powerpoint/2010/main" val="3328329084"/>
+      </p:ext>
+    </p:extLst>
+  </p:cSld>
+  <p:clrMapOvr>
+    <a:masterClrMapping/>
+  </p:clrMapOvr>
+</p:sld>
+</file>
+
+<file path=ppt/slides/slide28.xml><?xml version="1.0" encoding="utf-8"?>
+<p:sld xmlns:a="http://schemas.openxmlformats.org/drawingml/2006/main" xmlns:r="http://schemas.openxmlformats.org/officeDocument/2006/relationships" xmlns:p="http://schemas.openxmlformats.org/presentationml/2006/main">
+  <p:cSld>
+    <p:spTree>
+      <p:nvGrpSpPr>
+        <p:cNvPr id="1" name=""/>
+        <p:cNvGrpSpPr/>
+        <p:nvPr/>
+      </p:nvGrpSpPr>
+      <p:grpSpPr>
+        <a:xfrm>
+          <a:off x="0" y="0"/>
+          <a:ext cx="0" cy="0"/>
+          <a:chOff x="0" y="0"/>
+          <a:chExt cx="0" cy="0"/>
+        </a:xfrm>
+      </p:grpSpPr>
+      <p:sp>
+        <p:nvSpPr>
+          <p:cNvPr id="2" name="Title 1">
+            <a:extLst>
+              <a:ext uri="{FF2B5EF4-FFF2-40B4-BE49-F238E27FC236}">
+                <a16:creationId xmlns:a16="http://schemas.microsoft.com/office/drawing/2014/main" id="{63D0535B-2910-4152-8D90-A7F2AC5962D1}"/>
+              </a:ext>
+            </a:extLst>
+          </p:cNvPr>
+          <p:cNvSpPr>
+            <a:spLocks noGrp="1"/>
+          </p:cNvSpPr>
+          <p:nvPr>
+            <p:ph type="title"/>
+          </p:nvPr>
+        </p:nvSpPr>
+        <p:spPr/>
+        <p:txBody>
+          <a:bodyPr/>
+          <a:lstStyle/>
+          <a:p>
+            <a:r>
+              <a:rPr lang="en-US"/>
+              <a:t>2. MỤC TIÊU VÀ TẦM NHÌN </a:t>
+            </a:r>
+          </a:p>
+        </p:txBody>
+      </p:sp>
+      <p:sp>
+        <p:nvSpPr>
+          <p:cNvPr id="3" name="Content Placeholder 2">
+            <a:extLst>
+              <a:ext uri="{FF2B5EF4-FFF2-40B4-BE49-F238E27FC236}">
+                <a16:creationId xmlns:a16="http://schemas.microsoft.com/office/drawing/2014/main" id="{285A80AE-EF2F-4246-A2E2-568E53012E6B}"/>
+              </a:ext>
+            </a:extLst>
+          </p:cNvPr>
+          <p:cNvSpPr>
+            <a:spLocks noGrp="1"/>
+          </p:cNvSpPr>
+          <p:nvPr>
+            <p:ph idx="1"/>
+          </p:nvPr>
+        </p:nvSpPr>
+        <p:spPr/>
+        <p:txBody>
+          <a:bodyPr/>
+          <a:lstStyle/>
+          <a:p>
+            <a:pPr>
+              <a:lnSpc>
+                <a:spcPct val="150000"/>
+              </a:lnSpc>
+            </a:pPr>
+            <a:r>
+              <a:rPr lang="en-US"/>
+              <a:t>Đạt con số 3000 khách hàng trong năm 2020</a:t>
+            </a:r>
+          </a:p>
+          <a:p>
+            <a:pPr>
+              <a:lnSpc>
+                <a:spcPct val="150000"/>
+              </a:lnSpc>
+            </a:pPr>
+            <a:r>
+              <a:rPr lang="en-US"/>
+              <a:t>Hoàn thiện, bổ sung thêm các tính năng mới (hỗ trợ copy đa sàn, quản lý đ</a:t>
+            </a:r>
+            <a:r>
+              <a:rPr lang="vi-VN"/>
+              <a:t>ơ</a:t>
+            </a:r>
+            <a:r>
+              <a:rPr lang="en-US"/>
+              <a:t>n hàng đa sàn, quản lý tồn kho, chat,…)</a:t>
+            </a:r>
+          </a:p>
+          <a:p>
+            <a:pPr>
+              <a:lnSpc>
+                <a:spcPct val="150000"/>
+              </a:lnSpc>
+            </a:pPr>
+            <a:r>
+              <a:rPr lang="en-US"/>
+              <a:t>Bổ sung thêm đa ngôn ngữ để h</a:t>
+            </a:r>
+            <a:r>
+              <a:rPr lang="vi-VN"/>
+              <a:t>ư</a:t>
+            </a:r>
+            <a:r>
+              <a:rPr lang="en-US"/>
+              <a:t>ớng tới các thị tr</a:t>
+            </a:r>
+            <a:r>
+              <a:rPr lang="vi-VN"/>
+              <a:t>ư</a:t>
+            </a:r>
+            <a:r>
+              <a:rPr lang="en-US"/>
+              <a:t>ờng quốc tế</a:t>
+            </a:r>
+          </a:p>
+          <a:p>
+            <a:pPr>
+              <a:lnSpc>
+                <a:spcPct val="150000"/>
+              </a:lnSpc>
+            </a:pPr>
+            <a:r>
+              <a:rPr lang="en-US"/>
+              <a:t>Trong những năm tới, sẽ có thể thành lập công ty ShipXanh – Giải pháp bán hàng thông minh.</a:t>
+            </a:r>
+          </a:p>
+        </p:txBody>
+      </p:sp>
+    </p:spTree>
+    <p:extLst>
+      <p:ext uri="{BB962C8B-B14F-4D97-AF65-F5344CB8AC3E}">
+        <p14:creationId xmlns:p14="http://schemas.microsoft.com/office/powerpoint/2010/main" val="948712880"/>
+      </p:ext>
+    </p:extLst>
+  </p:cSld>
+  <p:clrMapOvr>
+    <a:masterClrMapping/>
+  </p:clrMapOvr>
+</p:sld>
+</file>
+
+<file path=ppt/slides/slide3.xml><?xml version="1.0" encoding="utf-8"?>
+<p:sld xmlns:a="http://schemas.openxmlformats.org/drawingml/2006/main" xmlns:r="http://schemas.openxmlformats.org/officeDocument/2006/relationships" xmlns:p="http://schemas.openxmlformats.org/presentationml/2006/main">
+  <p:cSld>
+    <p:spTree>
+      <p:nvGrpSpPr>
+        <p:cNvPr id="1" name=""/>
+        <p:cNvGrpSpPr/>
+        <p:nvPr/>
+      </p:nvGrpSpPr>
+      <p:grpSpPr>
+        <a:xfrm>
+          <a:off x="0" y="0"/>
+          <a:ext cx="0" cy="0"/>
+          <a:chOff x="0" y="0"/>
+          <a:chExt cx="0" cy="0"/>
+        </a:xfrm>
+      </p:grpSpPr>
+      <p:sp>
+        <p:nvSpPr>
+          <p:cNvPr id="3" name="Title 2">
+            <a:extLst>
+              <a:ext uri="{FF2B5EF4-FFF2-40B4-BE49-F238E27FC236}">
+                <a16:creationId xmlns:a16="http://schemas.microsoft.com/office/drawing/2014/main" id="{AD510BB1-4D9D-4096-83B9-1843A42929A3}"/>
+              </a:ext>
+            </a:extLst>
+          </p:cNvPr>
+          <p:cNvSpPr>
+            <a:spLocks noGrp="1"/>
+          </p:cNvSpPr>
+          <p:nvPr>
+            <p:ph type="title"/>
+          </p:nvPr>
+        </p:nvSpPr>
+        <p:spPr/>
+        <p:txBody>
+          <a:bodyPr/>
+          <a:lstStyle/>
+          <a:p>
+            <a:pPr algn="ctr"/>
+            <a:r>
+              <a:rPr lang="en-US"/>
+              <a:t>CH</a:t>
+            </a:r>
+            <a:r>
+              <a:rPr lang="vi-VN"/>
+              <a:t>Ư</a:t>
+            </a:r>
+            <a:r>
+              <a:rPr lang="en-US"/>
+              <a:t>ƠNG 1. ĐẶT VẤN ĐỀ		</a:t>
+            </a:r>
+          </a:p>
+        </p:txBody>
+      </p:sp>
+      <p:sp>
+        <p:nvSpPr>
+          <p:cNvPr id="4" name="Content Placeholder 3">
+            <a:extLst>
+              <a:ext uri="{FF2B5EF4-FFF2-40B4-BE49-F238E27FC236}">
+                <a16:creationId xmlns:a16="http://schemas.microsoft.com/office/drawing/2014/main" id="{D1284CFA-4894-42EE-8B90-E16801415686}"/>
+              </a:ext>
+            </a:extLst>
+          </p:cNvPr>
+          <p:cNvSpPr>
+            <a:spLocks noGrp="1"/>
+          </p:cNvSpPr>
+          <p:nvPr>
+            <p:ph idx="1"/>
+          </p:nvPr>
+        </p:nvSpPr>
+        <p:spPr/>
+        <p:txBody>
+          <a:bodyPr>
+            <a:normAutofit/>
+          </a:bodyPr>
+          <a:lstStyle/>
+          <a:p>
+            <a:pPr marL="457200" indent="-457200">
+              <a:lnSpc>
+                <a:spcPct val="200000"/>
+              </a:lnSpc>
+              <a:buAutoNum type="arabicPeriod"/>
+            </a:pPr>
+            <a:r>
+              <a:rPr lang="en-US" sz="2400"/>
+              <a:t>Shopee – Thế Lực Đáng Gờm Trong Làng TMĐT</a:t>
+            </a:r>
+          </a:p>
+          <a:p>
+            <a:pPr marL="457200" indent="-457200">
+              <a:lnSpc>
+                <a:spcPct val="200000"/>
+              </a:lnSpc>
+              <a:buAutoNum type="arabicPeriod"/>
+            </a:pPr>
+            <a:r>
+              <a:rPr lang="en-US" sz="2400"/>
+              <a:t>Nhà Bán Hàng Trên Shopee – C</a:t>
+            </a:r>
+            <a:r>
+              <a:rPr lang="vi-VN" sz="2400"/>
+              <a:t>ơ</a:t>
+            </a:r>
+            <a:r>
+              <a:rPr lang="en-US" sz="2400"/>
+              <a:t> Hội Và Thách Thức</a:t>
+            </a:r>
+          </a:p>
+          <a:p>
+            <a:pPr marL="457200" indent="-457200">
+              <a:lnSpc>
+                <a:spcPct val="200000"/>
+              </a:lnSpc>
+              <a:buAutoNum type="arabicPeriod"/>
+            </a:pPr>
+            <a:r>
+              <a:rPr lang="en-US" sz="2400"/>
+              <a:t>Thị Tr</a:t>
+            </a:r>
+            <a:r>
+              <a:rPr lang="vi-VN" sz="2400"/>
+              <a:t>ư</a:t>
+            </a:r>
+            <a:r>
+              <a:rPr lang="en-US" sz="2400"/>
+              <a:t>ờng Phần Mềm Hỗ Trợ Nhà Bán Hàng Trên Shopee</a:t>
+            </a:r>
+            <a:endParaRPr lang="en-US" sz="2000"/>
+          </a:p>
+          <a:p>
+            <a:pPr lvl="1"/>
+            <a:endParaRPr lang="en-US"/>
+          </a:p>
+        </p:txBody>
+      </p:sp>
+    </p:spTree>
+    <p:extLst>
+      <p:ext uri="{BB962C8B-B14F-4D97-AF65-F5344CB8AC3E}">
+        <p14:creationId xmlns:p14="http://schemas.microsoft.com/office/powerpoint/2010/main" val="4105401439"/>
+      </p:ext>
+    </p:extLst>
+  </p:cSld>
+  <p:clrMapOvr>
+    <a:masterClrMapping/>
+  </p:clrMapOvr>
+  <p:transition spd="slow">
+    <p:cover/>
+  </p:transition>
+</p:sld>
+</file>
+
+<file path=ppt/slides/slide4.xml><?xml version="1.0" encoding="utf-8"?>
+<p:sld xmlns:a="http://schemas.openxmlformats.org/drawingml/2006/main" xmlns:r="http://schemas.openxmlformats.org/officeDocument/2006/relationships" xmlns:p="http://schemas.openxmlformats.org/presentationml/2006/main">
+  <p:cSld>
+    <p:spTree>
+      <p:nvGrpSpPr>
+        <p:cNvPr id="1" name=""/>
+        <p:cNvGrpSpPr/>
+        <p:nvPr/>
+      </p:nvGrpSpPr>
+      <p:grpSpPr>
+        <a:xfrm>
+          <a:off x="0" y="0"/>
+          <a:ext cx="0" cy="0"/>
+          <a:chOff x="0" y="0"/>
+          <a:chExt cx="0" cy="0"/>
+        </a:xfrm>
+      </p:grpSpPr>
+      <p:sp>
+        <p:nvSpPr>
+          <p:cNvPr id="4" name="Title 3">
+            <a:extLst>
+              <a:ext uri="{FF2B5EF4-FFF2-40B4-BE49-F238E27FC236}">
+                <a16:creationId xmlns:a16="http://schemas.microsoft.com/office/drawing/2014/main" id="{021B0599-A829-403E-809C-3AD65BEBA7B7}"/>
+              </a:ext>
+            </a:extLst>
+          </p:cNvPr>
+          <p:cNvSpPr>
+            <a:spLocks noGrp="1"/>
+          </p:cNvSpPr>
+          <p:nvPr>
+            <p:ph type="title"/>
+          </p:nvPr>
+        </p:nvSpPr>
+        <p:spPr/>
+        <p:txBody>
+          <a:bodyPr/>
+          <a:lstStyle/>
+          <a:p>
+            <a:r>
+              <a:rPr lang="en-US"/>
+              <a:t>1. ShOPEE – THẾ LỰC TRONG LÀNG TMĐT </a:t>
+            </a:r>
+          </a:p>
+        </p:txBody>
+      </p:sp>
+      <p:sp>
+        <p:nvSpPr>
+          <p:cNvPr id="5" name="Content Placeholder 4">
+            <a:extLst>
+              <a:ext uri="{FF2B5EF4-FFF2-40B4-BE49-F238E27FC236}">
+                <a16:creationId xmlns:a16="http://schemas.microsoft.com/office/drawing/2014/main" id="{57354F93-CBDB-415D-A65C-82E955A2E048}"/>
+              </a:ext>
+            </a:extLst>
+          </p:cNvPr>
+          <p:cNvSpPr>
+            <a:spLocks noGrp="1"/>
+          </p:cNvSpPr>
+          <p:nvPr>
+            <p:ph idx="1"/>
+          </p:nvPr>
+        </p:nvSpPr>
+        <p:spPr/>
+        <p:txBody>
+          <a:bodyPr>
+            <a:normAutofit/>
+          </a:bodyPr>
+          <a:lstStyle/>
+          <a:p>
+            <a:pPr lvl="1">
+              <a:lnSpc>
+                <a:spcPct val="150000"/>
+              </a:lnSpc>
+            </a:pPr>
+            <a:r>
+              <a:rPr lang="en-US" sz="1800"/>
+              <a:t>Thành lập năm 2015, b</a:t>
+            </a:r>
+            <a:r>
+              <a:rPr lang="vi-VN" sz="1800"/>
+              <a:t>ư</a:t>
+            </a:r>
+            <a:r>
+              <a:rPr lang="en-US" sz="1800"/>
+              <a:t>ớc chân vào Việt Nam năm 2016</a:t>
+            </a:r>
+          </a:p>
+          <a:p>
+            <a:pPr lvl="1">
+              <a:lnSpc>
+                <a:spcPct val="150000"/>
+              </a:lnSpc>
+            </a:pPr>
+            <a:r>
+              <a:rPr lang="en-US" sz="1800"/>
+              <a:t>Vận hành bởi SEA – trụ sở tại Singapore</a:t>
+            </a:r>
+          </a:p>
+          <a:p>
+            <a:pPr lvl="1">
+              <a:lnSpc>
+                <a:spcPct val="150000"/>
+              </a:lnSpc>
+            </a:pPr>
+            <a:r>
+              <a:rPr lang="en-US" sz="1800"/>
+              <a:t>Có mặt tại 7 quốc gia khu vực Châu Á</a:t>
+            </a:r>
+          </a:p>
+          <a:p>
+            <a:pPr lvl="1">
+              <a:lnSpc>
+                <a:spcPct val="150000"/>
+              </a:lnSpc>
+            </a:pPr>
+            <a:r>
+              <a:rPr lang="en-US" sz="1800"/>
+              <a:t>Đứng đầu danh mục l</a:t>
+            </a:r>
+            <a:r>
+              <a:rPr lang="vi-VN" sz="1800"/>
+              <a:t>ư</a:t>
+            </a:r>
+            <a:r>
+              <a:rPr lang="en-US" sz="1800"/>
+              <a:t>ợt tải và hoạt động trung bình hàng tháng tại khu vực</a:t>
+            </a:r>
+          </a:p>
+          <a:p>
+            <a:pPr lvl="1">
+              <a:lnSpc>
+                <a:spcPct val="150000"/>
+              </a:lnSpc>
+            </a:pPr>
+            <a:r>
+              <a:rPr lang="en-US" sz="1800"/>
+              <a:t>Chiến l</a:t>
+            </a:r>
+            <a:r>
+              <a:rPr lang="vi-VN" sz="1800"/>
+              <a:t>ư</a:t>
+            </a:r>
+            <a:r>
+              <a:rPr lang="en-US" sz="1800"/>
+              <a:t>ợc quảng bá và tiếp thị hiệu quả, bài bản</a:t>
+            </a:r>
+            <a:endParaRPr lang="en-US" sz="1400"/>
+          </a:p>
+        </p:txBody>
+      </p:sp>
+    </p:spTree>
+    <p:extLst>
+      <p:ext uri="{BB962C8B-B14F-4D97-AF65-F5344CB8AC3E}">
+        <p14:creationId xmlns:p14="http://schemas.microsoft.com/office/powerpoint/2010/main" val="560627016"/>
+      </p:ext>
+    </p:extLst>
+  </p:cSld>
+  <p:clrMapOvr>
+    <a:masterClrMapping/>
+  </p:clrMapOvr>
+  <p:transition spd="slow">
+    <p:cover/>
+  </p:transition>
+</p:sld>
+</file>
+
+<file path=ppt/slides/slide5.xml><?xml version="1.0" encoding="utf-8"?>
+<p:sld xmlns:a="http://schemas.openxmlformats.org/drawingml/2006/main" xmlns:r="http://schemas.openxmlformats.org/officeDocument/2006/relationships" xmlns:p="http://schemas.openxmlformats.org/presentationml/2006/main">
+  <p:cSld>
+    <p:spTree>
+      <p:nvGrpSpPr>
+        <p:cNvPr id="1" name=""/>
+        <p:cNvGrpSpPr/>
+        <p:nvPr/>
+      </p:nvGrpSpPr>
+      <p:grpSpPr>
+        <a:xfrm>
+          <a:off x="0" y="0"/>
+          <a:ext cx="0" cy="0"/>
+          <a:chOff x="0" y="0"/>
+          <a:chExt cx="0" cy="0"/>
+        </a:xfrm>
+      </p:grpSpPr>
+      <p:pic>
+        <p:nvPicPr>
+          <p:cNvPr id="5" name="Picture 4">
+            <a:extLst>
+              <a:ext uri="{FF2B5EF4-FFF2-40B4-BE49-F238E27FC236}">
+                <a16:creationId xmlns:a16="http://schemas.microsoft.com/office/drawing/2014/main" id="{FF7074DA-AD91-43C9-9DBF-9F8AF883B244}"/>
+              </a:ext>
+            </a:extLst>
+          </p:cNvPr>
+          <p:cNvPicPr>
+            <a:picLocks noChangeAspect="1"/>
+          </p:cNvPicPr>
+          <p:nvPr/>
+        </p:nvPicPr>
+        <p:blipFill>
+          <a:blip r:embed="rId2"/>
+          <a:stretch>
+            <a:fillRect/>
+          </a:stretch>
+        </p:blipFill>
+        <p:spPr>
+          <a:xfrm>
+            <a:off x="1806003" y="303276"/>
+            <a:ext cx="8579994" cy="5276834"/>
+          </a:xfrm>
+          <a:prstGeom prst="rect">
+            <a:avLst/>
+          </a:prstGeom>
+          <a:solidFill>
+            <a:srgbClr val="FFFFFF">
+              <a:shade val="85000"/>
+            </a:srgbClr>
+          </a:solidFill>
+          <a:ln w="88900" cap="sq">
+            <a:solidFill>
+              <a:srgbClr val="FFFFFF"/>
+            </a:solidFill>
+            <a:miter lim="800000"/>
+          </a:ln>
+          <a:effectLst>
+            <a:outerShdw blurRad="55000" dist="18000" dir="5400000" algn="tl" rotWithShape="0">
+              <a:srgbClr val="000000">
+                <a:alpha val="40000"/>
+              </a:srgbClr>
+            </a:outerShdw>
+          </a:effectLst>
+          <a:scene3d>
+            <a:camera prst="orthographicFront"/>
+            <a:lightRig rig="twoPt" dir="t">
+              <a:rot lat="0" lon="0" rev="7200000"/>
+            </a:lightRig>
+          </a:scene3d>
+          <a:sp3d>
+            <a:bevelT w="25400" h="19050"/>
+            <a:contourClr>
+              <a:srgbClr val="FFFFFF"/>
+            </a:contourClr>
+          </a:sp3d>
+        </p:spPr>
+      </p:pic>
+      <p:sp>
+        <p:nvSpPr>
+          <p:cNvPr id="6" name="TextBox 5">
+            <a:extLst>
+              <a:ext uri="{FF2B5EF4-FFF2-40B4-BE49-F238E27FC236}">
+                <a16:creationId xmlns:a16="http://schemas.microsoft.com/office/drawing/2014/main" id="{C1455042-0232-41C5-AD9A-84DD127AE744}"/>
+              </a:ext>
+            </a:extLst>
+          </p:cNvPr>
+          <p:cNvSpPr txBox="1"/>
+          <p:nvPr/>
+        </p:nvSpPr>
+        <p:spPr>
+          <a:xfrm>
+            <a:off x="3315431" y="6065240"/>
+            <a:ext cx="5561138" cy="369332"/>
+          </a:xfrm>
+          <a:prstGeom prst="rect">
+            <a:avLst/>
+          </a:prstGeom>
+          <a:noFill/>
+        </p:spPr>
+        <p:txBody>
+          <a:bodyPr wrap="none" rtlCol="0">
+            <a:spAutoFit/>
+          </a:bodyPr>
+          <a:lstStyle/>
+          <a:p>
+            <a:r>
+              <a:rPr lang="en-US"/>
+              <a:t>Top 4 sàn th</a:t>
+            </a:r>
+            <a:r>
+              <a:rPr lang="vi-VN"/>
+              <a:t>ư</a:t>
+            </a:r>
+            <a:r>
+              <a:rPr lang="en-US"/>
+              <a:t>ơng mại điện tử ở Việt Nam</a:t>
+            </a:r>
+          </a:p>
+        </p:txBody>
+      </p:sp>
+    </p:spTree>
+    <p:extLst>
+      <p:ext uri="{BB962C8B-B14F-4D97-AF65-F5344CB8AC3E}">
+        <p14:creationId xmlns:p14="http://schemas.microsoft.com/office/powerpoint/2010/main" val="402032942"/>
+      </p:ext>
+    </p:extLst>
+  </p:cSld>
+  <p:clrMapOvr>
+    <a:masterClrMapping/>
+  </p:clrMapOvr>
+  <p:transition spd="slow">
+    <p:cover/>
+  </p:transition>
+</p:sld>
+</file>
+
+<file path=ppt/slides/slide6.xml><?xml version="1.0" encoding="utf-8"?>
+<p:sld xmlns:a="http://schemas.openxmlformats.org/drawingml/2006/main" xmlns:r="http://schemas.openxmlformats.org/officeDocument/2006/relationships" xmlns:p="http://schemas.openxmlformats.org/presentationml/2006/main">
+  <p:cSld>
+    <p:spTree>
+      <p:nvGrpSpPr>
+        <p:cNvPr id="1" name=""/>
+        <p:cNvGrpSpPr/>
+        <p:nvPr/>
+      </p:nvGrpSpPr>
+      <p:grpSpPr>
+        <a:xfrm>
+          <a:off x="0" y="0"/>
+          <a:ext cx="0" cy="0"/>
+          <a:chOff x="0" y="0"/>
+          <a:chExt cx="0" cy="0"/>
+        </a:xfrm>
+      </p:grpSpPr>
+      <p:sp>
+        <p:nvSpPr>
+          <p:cNvPr id="2" name="Title 1">
+            <a:extLst>
+              <a:ext uri="{FF2B5EF4-FFF2-40B4-BE49-F238E27FC236}">
+                <a16:creationId xmlns:a16="http://schemas.microsoft.com/office/drawing/2014/main" id="{B6543797-503D-4233-9D5A-E00C8EF8D834}"/>
+              </a:ext>
+            </a:extLst>
+          </p:cNvPr>
+          <p:cNvSpPr>
+            <a:spLocks noGrp="1"/>
+          </p:cNvSpPr>
+          <p:nvPr>
+            <p:ph type="title"/>
+          </p:nvPr>
+        </p:nvSpPr>
+        <p:spPr/>
+        <p:txBody>
+          <a:bodyPr/>
+          <a:lstStyle/>
+          <a:p>
+            <a:r>
+              <a:rPr lang="en-US"/>
+              <a:t>2. C</a:t>
+            </a:r>
+            <a:r>
+              <a:rPr lang="vi-VN"/>
+              <a:t>Ơ</a:t>
+            </a:r>
+            <a:r>
+              <a:rPr lang="en-US"/>
+              <a:t> HỘI VÀ THÁCH THỨC CỦA NBH</a:t>
+            </a:r>
+          </a:p>
+        </p:txBody>
+      </p:sp>
+      <p:sp>
+        <p:nvSpPr>
+          <p:cNvPr id="3" name="Content Placeholder 2">
+            <a:extLst>
+              <a:ext uri="{FF2B5EF4-FFF2-40B4-BE49-F238E27FC236}">
+                <a16:creationId xmlns:a16="http://schemas.microsoft.com/office/drawing/2014/main" id="{198D1AEB-6A1A-42B3-B064-03232665A306}"/>
+              </a:ext>
+            </a:extLst>
+          </p:cNvPr>
+          <p:cNvSpPr>
+            <a:spLocks noGrp="1"/>
+          </p:cNvSpPr>
+          <p:nvPr>
+            <p:ph idx="1"/>
+          </p:nvPr>
+        </p:nvSpPr>
+        <p:spPr/>
+        <p:txBody>
+          <a:bodyPr>
+            <a:normAutofit fontScale="92500" lnSpcReduction="20000"/>
+          </a:bodyPr>
+          <a:lstStyle/>
+          <a:p>
+            <a:pPr>
+              <a:lnSpc>
+                <a:spcPct val="150000"/>
+              </a:lnSpc>
+            </a:pPr>
+            <a:r>
+              <a:rPr lang="en-US" sz="2000"/>
+              <a:t>A. C</a:t>
+            </a:r>
+            <a:r>
+              <a:rPr lang="vi-VN" sz="2000"/>
+              <a:t>Ơ</a:t>
+            </a:r>
+            <a:r>
+              <a:rPr lang="en-US" sz="2000"/>
+              <a:t> HỘI</a:t>
+            </a:r>
+          </a:p>
+          <a:p>
+            <a:pPr lvl="1">
+              <a:lnSpc>
+                <a:spcPct val="150000"/>
+              </a:lnSpc>
+            </a:pPr>
+            <a:r>
+              <a:rPr lang="en-US" sz="1800"/>
+              <a:t>Cách đăng kí gian hang, mở một shop trên Shopee vô cùng dễ dàng và đ</a:t>
+            </a:r>
+            <a:r>
+              <a:rPr lang="vi-VN" sz="1800"/>
+              <a:t>ơ</a:t>
+            </a:r>
+            <a:r>
+              <a:rPr lang="en-US" sz="1800"/>
+              <a:t>n giản</a:t>
+            </a:r>
+          </a:p>
+          <a:p>
+            <a:pPr lvl="1">
+              <a:lnSpc>
+                <a:spcPct val="150000"/>
+              </a:lnSpc>
+            </a:pPr>
+            <a:r>
+              <a:rPr lang="en-US" sz="1800"/>
+              <a:t>Trang quản lý, đăng bài rõ rang, dễ hiểu</a:t>
+            </a:r>
+          </a:p>
+          <a:p>
+            <a:pPr lvl="1">
+              <a:lnSpc>
+                <a:spcPct val="150000"/>
+              </a:lnSpc>
+            </a:pPr>
+            <a:r>
+              <a:rPr lang="en-US" sz="1800"/>
+              <a:t>Đội ngũ chăm sóc khách hàng ổn</a:t>
+            </a:r>
+          </a:p>
+          <a:p>
+            <a:pPr lvl="1">
+              <a:lnSpc>
+                <a:spcPct val="150000"/>
+              </a:lnSpc>
+            </a:pPr>
+            <a:r>
+              <a:rPr lang="en-US" sz="1800"/>
+              <a:t>Thuật toán tìm kiếm sản phẩm đ</a:t>
+            </a:r>
+            <a:r>
+              <a:rPr lang="vi-VN" sz="1800"/>
+              <a:t>ư</a:t>
+            </a:r>
+            <a:r>
+              <a:rPr lang="en-US" sz="1800"/>
+              <a:t>ợc đổi mới liên tục, theo xu h</a:t>
+            </a:r>
+            <a:r>
+              <a:rPr lang="vi-VN" sz="1800"/>
+              <a:t>ư</a:t>
+            </a:r>
+            <a:r>
+              <a:rPr lang="en-US" sz="1800"/>
+              <a:t>ớng đ</a:t>
+            </a:r>
+            <a:r>
+              <a:rPr lang="vi-VN" sz="1800"/>
+              <a:t>ư</a:t>
+            </a:r>
+            <a:r>
+              <a:rPr lang="en-US" sz="1800"/>
+              <a:t>a sản phẩm mới lên top</a:t>
+            </a:r>
+          </a:p>
+          <a:p>
+            <a:pPr lvl="1">
+              <a:lnSpc>
+                <a:spcPct val="150000"/>
+              </a:lnSpc>
+            </a:pPr>
+            <a:r>
+              <a:rPr lang="en-US" sz="1800"/>
+              <a:t>Hỗ trợ lấy hàng tận n</a:t>
+            </a:r>
+            <a:r>
+              <a:rPr lang="vi-VN" sz="1800"/>
+              <a:t>ơ</a:t>
+            </a:r>
+            <a:r>
+              <a:rPr lang="en-US" sz="1800"/>
+              <a:t>i, không mất phí hoàn hang</a:t>
+            </a:r>
+          </a:p>
+          <a:p>
+            <a:pPr lvl="1"/>
+            <a:endParaRPr lang="en-US"/>
+          </a:p>
+        </p:txBody>
+      </p:sp>
+    </p:spTree>
+    <p:extLst>
+      <p:ext uri="{BB962C8B-B14F-4D97-AF65-F5344CB8AC3E}">
+        <p14:creationId xmlns:p14="http://schemas.microsoft.com/office/powerpoint/2010/main" val="198912961"/>
+      </p:ext>
+    </p:extLst>
+  </p:cSld>
+  <p:clrMapOvr>
+    <a:masterClrMapping/>
+  </p:clrMapOvr>
+  <p:transition spd="slow">
+    <p:cover/>
+  </p:transition>
+</p:sld>
+</file>
+
+<file path=ppt/slides/slide7.xml><?xml version="1.0" encoding="utf-8"?>
+<p:sld xmlns:a="http://schemas.openxmlformats.org/drawingml/2006/main" xmlns:r="http://schemas.openxmlformats.org/officeDocument/2006/relationships" xmlns:p="http://schemas.openxmlformats.org/presentationml/2006/main">
+  <p:cSld>
+    <p:spTree>
+      <p:nvGrpSpPr>
+        <p:cNvPr id="1" name=""/>
+        <p:cNvGrpSpPr/>
+        <p:nvPr/>
+      </p:nvGrpSpPr>
+      <p:grpSpPr>
+        <a:xfrm>
+          <a:off x="0" y="0"/>
+          <a:ext cx="0" cy="0"/>
+          <a:chOff x="0" y="0"/>
+          <a:chExt cx="0" cy="0"/>
+        </a:xfrm>
+      </p:grpSpPr>
+      <p:sp>
+        <p:nvSpPr>
+          <p:cNvPr id="2" name="Title 1">
+            <a:extLst>
+              <a:ext uri="{FF2B5EF4-FFF2-40B4-BE49-F238E27FC236}">
+                <a16:creationId xmlns:a16="http://schemas.microsoft.com/office/drawing/2014/main" id="{9A591CA2-490D-4798-AE49-2D47FFE7AF9F}"/>
+              </a:ext>
+            </a:extLst>
+          </p:cNvPr>
+          <p:cNvSpPr>
+            <a:spLocks noGrp="1"/>
+          </p:cNvSpPr>
+          <p:nvPr>
+            <p:ph type="title"/>
+          </p:nvPr>
+        </p:nvSpPr>
+        <p:spPr/>
+        <p:txBody>
+          <a:bodyPr/>
+          <a:lstStyle/>
+          <a:p>
+            <a:r>
+              <a:rPr lang="en-US"/>
+              <a:t>2. C</a:t>
+            </a:r>
+            <a:r>
+              <a:rPr lang="vi-VN"/>
+              <a:t>Ơ</a:t>
+            </a:r>
+            <a:r>
+              <a:rPr lang="en-US"/>
+              <a:t> HỘI VÀ THÁCH THỨC CỦA NBH</a:t>
+            </a:r>
+          </a:p>
+        </p:txBody>
+      </p:sp>
+      <p:sp>
+        <p:nvSpPr>
+          <p:cNvPr id="3" name="Content Placeholder 2">
+            <a:extLst>
+              <a:ext uri="{FF2B5EF4-FFF2-40B4-BE49-F238E27FC236}">
+                <a16:creationId xmlns:a16="http://schemas.microsoft.com/office/drawing/2014/main" id="{73A957DD-5ED5-4ECA-B9C7-11595201C73B}"/>
+              </a:ext>
+            </a:extLst>
+          </p:cNvPr>
+          <p:cNvSpPr>
+            <a:spLocks noGrp="1"/>
+          </p:cNvSpPr>
+          <p:nvPr>
+            <p:ph idx="1"/>
+          </p:nvPr>
+        </p:nvSpPr>
+        <p:spPr>
+          <a:xfrm>
+            <a:off x="685801" y="2142067"/>
+            <a:ext cx="10345722" cy="3649133"/>
+          </a:xfrm>
+        </p:spPr>
+        <p:txBody>
+          <a:bodyPr>
+            <a:normAutofit fontScale="92500"/>
+          </a:bodyPr>
+          <a:lstStyle/>
+          <a:p>
+            <a:pPr>
+              <a:lnSpc>
+                <a:spcPct val="150000"/>
+              </a:lnSpc>
+            </a:pPr>
+            <a:r>
+              <a:rPr lang="en-US" sz="2000"/>
+              <a:t>B. THÁCH THỨC</a:t>
+            </a:r>
+          </a:p>
+          <a:p>
+            <a:pPr lvl="1">
+              <a:lnSpc>
+                <a:spcPct val="150000"/>
+              </a:lnSpc>
+            </a:pPr>
+            <a:r>
+              <a:rPr lang="en-US" sz="1800"/>
+              <a:t>Cạnh tranh thị phần với các Shop Mall, tuy nhiên lại đ</a:t>
+            </a:r>
+            <a:r>
+              <a:rPr lang="vi-VN" sz="1800"/>
+              <a:t>ư</a:t>
+            </a:r>
+            <a:r>
+              <a:rPr lang="en-US" sz="1800"/>
+              <a:t>ợc lợi về giá</a:t>
+            </a:r>
+          </a:p>
+          <a:p>
+            <a:pPr lvl="1">
+              <a:lnSpc>
+                <a:spcPct val="150000"/>
+              </a:lnSpc>
+            </a:pPr>
+            <a:r>
+              <a:rPr lang="en-US" sz="1800"/>
+              <a:t>Cạnh tranh với các shop khác (Một miếng bánh ngon, nhiều ng</a:t>
+            </a:r>
+            <a:r>
+              <a:rPr lang="vi-VN" sz="1800"/>
+              <a:t>ư</a:t>
+            </a:r>
+            <a:r>
+              <a:rPr lang="en-US" sz="1800"/>
+              <a:t>ời cùng ăn)</a:t>
+            </a:r>
+          </a:p>
+          <a:p>
+            <a:pPr lvl="1">
+              <a:lnSpc>
+                <a:spcPct val="150000"/>
+              </a:lnSpc>
+            </a:pPr>
+            <a:r>
+              <a:rPr lang="en-US" sz="1800"/>
+              <a:t>Quản lý đ</a:t>
+            </a:r>
+            <a:r>
+              <a:rPr lang="vi-VN" sz="1800"/>
+              <a:t>ơ</a:t>
+            </a:r>
+            <a:r>
+              <a:rPr lang="en-US" sz="1800"/>
+              <a:t>n hàng, theo dõi trạng thái đ</a:t>
+            </a:r>
+            <a:r>
+              <a:rPr lang="vi-VN" sz="1800"/>
+              <a:t>ơ</a:t>
+            </a:r>
+            <a:r>
+              <a:rPr lang="en-US" sz="1800"/>
+              <a:t>n, doanh thu trên mỗi đ</a:t>
+            </a:r>
+            <a:r>
+              <a:rPr lang="vi-VN" sz="1800"/>
+              <a:t>ơ</a:t>
+            </a:r>
+            <a:r>
+              <a:rPr lang="en-US" sz="1800"/>
+              <a:t>n trên trang banhang.shopee.vn vẫn còn nhiều hạn chế, ch</a:t>
+            </a:r>
+            <a:r>
+              <a:rPr lang="vi-VN" sz="1800"/>
+              <a:t>ư</a:t>
+            </a:r>
+            <a:r>
+              <a:rPr lang="en-US" sz="1800"/>
+              <a:t>a bao quát đ</a:t>
+            </a:r>
+            <a:r>
+              <a:rPr lang="vi-VN" sz="1800"/>
+              <a:t>ư</a:t>
+            </a:r>
+            <a:r>
+              <a:rPr lang="en-US" sz="1800"/>
+              <a:t>ợc.</a:t>
+            </a:r>
+          </a:p>
+          <a:p>
+            <a:pPr lvl="1">
+              <a:lnSpc>
+                <a:spcPct val="150000"/>
+              </a:lnSpc>
+            </a:pPr>
+            <a:r>
+              <a:rPr lang="en-US" sz="1800"/>
+              <a:t>Những bất cập liên quan đến bên vận chuyển (Móc hàng, mất đ</a:t>
+            </a:r>
+            <a:r>
+              <a:rPr lang="vi-VN" sz="1800"/>
+              <a:t>ơ</a:t>
+            </a:r>
+            <a:r>
+              <a:rPr lang="en-US" sz="1800"/>
+              <a:t>n, chậm trễ,…)</a:t>
+            </a:r>
+          </a:p>
+        </p:txBody>
+      </p:sp>
+    </p:spTree>
+    <p:extLst>
+      <p:ext uri="{BB962C8B-B14F-4D97-AF65-F5344CB8AC3E}">
+        <p14:creationId xmlns:p14="http://schemas.microsoft.com/office/powerpoint/2010/main" val="643720905"/>
+      </p:ext>
+    </p:extLst>
+  </p:cSld>
+  <p:clrMapOvr>
+    <a:masterClrMapping/>
+  </p:clrMapOvr>
+  <p:transition spd="slow">
+    <p:cover/>
+  </p:transition>
+</p:sld>
+</file>
+
+<file path=ppt/slides/slide8.xml><?xml version="1.0" encoding="utf-8"?>
+<p:sld xmlns:a="http://schemas.openxmlformats.org/drawingml/2006/main" xmlns:r="http://schemas.openxmlformats.org/officeDocument/2006/relationships" xmlns:p="http://schemas.openxmlformats.org/presentationml/2006/main">
+  <p:cSld>
+    <p:spTree>
+      <p:nvGrpSpPr>
+        <p:cNvPr id="1" name=""/>
+        <p:cNvGrpSpPr/>
+        <p:nvPr/>
+      </p:nvGrpSpPr>
+      <p:grpSpPr>
+        <a:xfrm>
+          <a:off x="0" y="0"/>
+          <a:ext cx="0" cy="0"/>
+          <a:chOff x="0" y="0"/>
+          <a:chExt cx="0" cy="0"/>
+        </a:xfrm>
+      </p:grpSpPr>
+      <p:sp>
+        <p:nvSpPr>
+          <p:cNvPr id="2" name="Title 1">
+            <a:extLst>
+              <a:ext uri="{FF2B5EF4-FFF2-40B4-BE49-F238E27FC236}">
+                <a16:creationId xmlns:a16="http://schemas.microsoft.com/office/drawing/2014/main" id="{738B644F-CA25-4B64-AD97-AF60F92ACDFE}"/>
+              </a:ext>
+            </a:extLst>
+          </p:cNvPr>
+          <p:cNvSpPr>
+            <a:spLocks noGrp="1"/>
+          </p:cNvSpPr>
+          <p:nvPr>
+            <p:ph type="title"/>
+          </p:nvPr>
+        </p:nvSpPr>
+        <p:spPr/>
+        <p:txBody>
+          <a:bodyPr/>
+          <a:lstStyle/>
+          <a:p>
+            <a:r>
+              <a:rPr lang="en-US"/>
+              <a:t>3. Thị tr</a:t>
+            </a:r>
+            <a:r>
+              <a:rPr lang="vi-VN"/>
+              <a:t>ư</a:t>
+            </a:r>
+            <a:r>
+              <a:rPr lang="en-US"/>
+              <a:t>ờng phần mềm hỗ trợ	</a:t>
+            </a:r>
+          </a:p>
+        </p:txBody>
+      </p:sp>
+      <p:sp>
+        <p:nvSpPr>
+          <p:cNvPr id="3" name="Content Placeholder 2">
+            <a:extLst>
+              <a:ext uri="{FF2B5EF4-FFF2-40B4-BE49-F238E27FC236}">
+                <a16:creationId xmlns:a16="http://schemas.microsoft.com/office/drawing/2014/main" id="{C939A804-91F8-448E-8F7E-3F03B7AFE41B}"/>
+              </a:ext>
+            </a:extLst>
+          </p:cNvPr>
+          <p:cNvSpPr>
+            <a:spLocks noGrp="1"/>
+          </p:cNvSpPr>
+          <p:nvPr>
+            <p:ph idx="1"/>
+          </p:nvPr>
+        </p:nvSpPr>
+        <p:spPr/>
+        <p:txBody>
+          <a:bodyPr>
+            <a:normAutofit/>
+          </a:bodyPr>
+          <a:lstStyle/>
+          <a:p>
+            <a:pPr marL="342900" indent="-342900">
+              <a:lnSpc>
+                <a:spcPct val="150000"/>
+              </a:lnSpc>
+              <a:buAutoNum type="alphaUcPeriod"/>
+            </a:pPr>
+            <a:r>
+              <a:rPr lang="en-US" sz="2000"/>
+              <a:t>Các Phần Mềm Doanh Nghiệp</a:t>
+            </a:r>
+          </a:p>
+          <a:p>
+            <a:pPr lvl="1">
+              <a:lnSpc>
+                <a:spcPct val="150000"/>
+              </a:lnSpc>
+            </a:pPr>
+            <a:r>
+              <a:rPr lang="en-US" sz="1800"/>
+              <a:t>Là các phần mềm mà doanh nghiệp, công ty công nghệ cung cấp</a:t>
+            </a:r>
+          </a:p>
+          <a:p>
+            <a:pPr lvl="1">
+              <a:lnSpc>
+                <a:spcPct val="150000"/>
+              </a:lnSpc>
+            </a:pPr>
+            <a:r>
+              <a:rPr lang="en-US" sz="1800"/>
+              <a:t>Đội ngũ phát triển mạnh, đa mục đích, có hợp đồng, độ tin t</a:t>
+            </a:r>
+            <a:r>
+              <a:rPr lang="vi-VN" sz="1800"/>
+              <a:t>ư</a:t>
+            </a:r>
+            <a:r>
+              <a:rPr lang="en-US" sz="1800"/>
+              <a:t>ởng cao</a:t>
+            </a:r>
+          </a:p>
+          <a:p>
+            <a:pPr lvl="1">
+              <a:lnSpc>
+                <a:spcPct val="150000"/>
+              </a:lnSpc>
+            </a:pPr>
+            <a:r>
+              <a:rPr lang="en-US" sz="1800"/>
+              <a:t>Chưa tập trung vào những tính năng tuy nhỏ nhưng rất cần</a:t>
+            </a:r>
+          </a:p>
+          <a:p>
+            <a:pPr lvl="1">
+              <a:lnSpc>
+                <a:spcPct val="150000"/>
+              </a:lnSpc>
+            </a:pPr>
+            <a:r>
+              <a:rPr lang="en-US" sz="1800"/>
+              <a:t>Th</a:t>
+            </a:r>
+            <a:r>
+              <a:rPr lang="vi-VN" sz="1800"/>
+              <a:t>ư</a:t>
+            </a:r>
+            <a:r>
+              <a:rPr lang="en-US" sz="1800"/>
+              <a:t>ờng xảy ra hiện t</a:t>
+            </a:r>
+            <a:r>
+              <a:rPr lang="vi-VN" sz="1800"/>
+              <a:t>ư</a:t>
+            </a:r>
+            <a:r>
+              <a:rPr lang="en-US" sz="1800"/>
+              <a:t>ợng loãng tính năng</a:t>
+            </a:r>
+          </a:p>
+          <a:p>
+            <a:pPr lvl="1">
+              <a:lnSpc>
+                <a:spcPct val="150000"/>
+              </a:lnSpc>
+            </a:pPr>
+            <a:r>
+              <a:rPr lang="en-US" sz="1800"/>
+              <a:t>VD: KiotViet, Nhanh.vn, Sapo</a:t>
+            </a:r>
+          </a:p>
+        </p:txBody>
+      </p:sp>
+    </p:spTree>
+    <p:extLst>
+      <p:ext uri="{BB962C8B-B14F-4D97-AF65-F5344CB8AC3E}">
+        <p14:creationId xmlns:p14="http://schemas.microsoft.com/office/powerpoint/2010/main" val="805230904"/>
+      </p:ext>
+    </p:extLst>
+  </p:cSld>
+  <p:clrMapOvr>
+    <a:masterClrMapping/>
+  </p:clrMapOvr>
+  <p:transition spd="slow">
+    <p:cover/>
+  </p:transition>
+</p:sld>
+</file>
+
+<file path=ppt/slides/slide9.xml><?xml version="1.0" encoding="utf-8"?>
+<p:sld xmlns:a="http://schemas.openxmlformats.org/drawingml/2006/main" xmlns:r="http://schemas.openxmlformats.org/officeDocument/2006/relationships" xmlns:p="http://schemas.openxmlformats.org/presentationml/2006/main">
+  <p:cSld>
+    <p:spTree>
+      <p:nvGrpSpPr>
+        <p:cNvPr id="1" name=""/>
+        <p:cNvGrpSpPr/>
+        <p:nvPr/>
+      </p:nvGrpSpPr>
+      <p:grpSpPr>
+        <a:xfrm>
+          <a:off x="0" y="0"/>
+          <a:ext cx="0" cy="0"/>
+          <a:chOff x="0" y="0"/>
+          <a:chExt cx="0" cy="0"/>
+        </a:xfrm>
+      </p:grpSpPr>
+      <p:sp>
+        <p:nvSpPr>
+          <p:cNvPr id="2" name="Title 1">
+            <a:extLst>
+              <a:ext uri="{FF2B5EF4-FFF2-40B4-BE49-F238E27FC236}">
+                <a16:creationId xmlns:a16="http://schemas.microsoft.com/office/drawing/2014/main" id="{CB5AD904-8799-4A8F-8878-01B106DB8420}"/>
+              </a:ext>
+            </a:extLst>
+          </p:cNvPr>
+          <p:cNvSpPr>
+            <a:spLocks noGrp="1"/>
+          </p:cNvSpPr>
+          <p:nvPr>
+            <p:ph type="title"/>
+          </p:nvPr>
+        </p:nvSpPr>
+        <p:spPr/>
+        <p:txBody>
+          <a:bodyPr/>
+          <a:lstStyle/>
+          <a:p>
+            <a:r>
+              <a:rPr lang="en-US"/>
+              <a:t>3. Thị tr</a:t>
+            </a:r>
+            <a:r>
+              <a:rPr lang="vi-VN"/>
+              <a:t>ư</a:t>
+            </a:r>
+            <a:r>
+              <a:rPr lang="en-US"/>
+              <a:t>ờng phần mềm hỗ trợ	</a:t>
+            </a:r>
+            <a:endParaRPr lang="en-US" b="1"/>
+          </a:p>
+        </p:txBody>
+      </p:sp>
+      <p:sp>
+        <p:nvSpPr>
+          <p:cNvPr id="3" name="Content Placeholder 2">
+            <a:extLst>
+              <a:ext uri="{FF2B5EF4-FFF2-40B4-BE49-F238E27FC236}">
+                <a16:creationId xmlns:a16="http://schemas.microsoft.com/office/drawing/2014/main" id="{A465A4DD-822C-4218-B5C9-6F65050709BA}"/>
+              </a:ext>
+            </a:extLst>
+          </p:cNvPr>
+          <p:cNvSpPr>
+            <a:spLocks noGrp="1"/>
+          </p:cNvSpPr>
+          <p:nvPr>
+            <p:ph idx="1"/>
+          </p:nvPr>
+        </p:nvSpPr>
+        <p:spPr/>
+        <p:txBody>
+          <a:bodyPr/>
+          <a:lstStyle/>
+          <a:p>
+            <a:pPr marL="0" indent="0">
+              <a:lnSpc>
+                <a:spcPct val="150000"/>
+              </a:lnSpc>
+              <a:buNone/>
+            </a:pPr>
+            <a:r>
+              <a:rPr lang="en-US" sz="2000"/>
+              <a:t>B.	Các Phần Mềm Của Cá Nhân, Tổ Chức Nhỏ</a:t>
+            </a:r>
+          </a:p>
+          <a:p>
+            <a:pPr lvl="1">
+              <a:lnSpc>
+                <a:spcPct val="150000"/>
+              </a:lnSpc>
+            </a:pPr>
+            <a:r>
+              <a:rPr lang="en-US" sz="1800"/>
+              <a:t>	Chưa bài bản, độ tin cậy thấp, đội ngũ phát triển ch</a:t>
+            </a:r>
+            <a:r>
+              <a:rPr lang="vi-VN" sz="1800"/>
+              <a:t>ư</a:t>
+            </a:r>
+            <a:r>
+              <a:rPr lang="en-US" sz="1800"/>
+              <a:t>a mạnh</a:t>
+            </a:r>
+          </a:p>
+          <a:p>
+            <a:pPr lvl="1">
+              <a:lnSpc>
+                <a:spcPct val="150000"/>
+              </a:lnSpc>
+            </a:pPr>
+            <a:r>
+              <a:rPr lang="en-US" sz="1800"/>
+              <a:t>	Tập trung vào những tính năng nhỏ nh</a:t>
+            </a:r>
+            <a:r>
+              <a:rPr lang="vi-VN" sz="1800"/>
+              <a:t>ư</a:t>
+            </a:r>
+            <a:r>
+              <a:rPr lang="en-US" sz="1800"/>
+              <a:t>ng cần thiết</a:t>
+            </a:r>
+          </a:p>
+          <a:p>
+            <a:pPr lvl="1">
+              <a:lnSpc>
+                <a:spcPct val="150000"/>
+              </a:lnSpc>
+            </a:pPr>
+            <a:r>
+              <a:rPr lang="en-US" sz="1800"/>
+              <a:t>	Khó khăn trong việc quảng bá sản phẩm do kinh phí hạn hẹp</a:t>
+            </a:r>
+          </a:p>
+          <a:p>
+            <a:pPr lvl="1">
+              <a:lnSpc>
+                <a:spcPct val="150000"/>
+              </a:lnSpc>
+            </a:pPr>
+            <a:r>
+              <a:rPr lang="en-US" sz="1800"/>
+              <a:t>	Ví dụ: ShopeePlus, Fshopee,…</a:t>
+            </a:r>
+          </a:p>
+          <a:p>
+            <a:pPr marL="0" indent="0">
+              <a:buNone/>
+            </a:pPr>
+            <a:r>
+              <a:rPr lang="en-US"/>
+              <a:t>	</a:t>
+            </a:r>
+          </a:p>
+        </p:txBody>
+      </p:sp>
+    </p:spTree>
+    <p:extLst>
+      <p:ext uri="{BB962C8B-B14F-4D97-AF65-F5344CB8AC3E}">
+        <p14:creationId xmlns:p14="http://schemas.microsoft.com/office/powerpoint/2010/main" val="773592103"/>
+      </p:ext>
+    </p:extLst>
+  </p:cSld>
+  <p:clrMapOvr>
+    <a:masterClrMapping/>
+  </p:clrMapOvr>
+  <p:transition spd="slow">
+    <p:cover/>
+  </p:transition>
 </p:sld>
 </file>
 
@@ -6217,4 +11060,594 @@
     </a:ext>
   </a:extLst>
 </a:theme>
+</file>
+
+<file path=ppt/theme/theme2.xml><?xml version="1.0" encoding="utf-8"?>
+<a:theme xmlns:a="http://schemas.openxmlformats.org/drawingml/2006/main" name="Office Theme">
+  <a:themeElements>
+    <a:clrScheme name="Office">
+      <a:dk1>
+        <a:sysClr val="windowText" lastClr="000000"/>
+      </a:dk1>
+      <a:lt1>
+        <a:sysClr val="window" lastClr="FFFFFF"/>
+      </a:lt1>
+      <a:dk2>
+        <a:srgbClr val="44546A"/>
+      </a:dk2>
+      <a:lt2>
+        <a:srgbClr val="E7E6E6"/>
+      </a:lt2>
+      <a:accent1>
+        <a:srgbClr val="4472C4"/>
+      </a:accent1>
+      <a:accent2>
+        <a:srgbClr val="ED7D31"/>
+      </a:accent2>
+      <a:accent3>
+        <a:srgbClr val="A5A5A5"/>
+      </a:accent3>
+      <a:accent4>
+        <a:srgbClr val="FFC000"/>
+      </a:accent4>
+      <a:accent5>
+        <a:srgbClr val="5B9BD5"/>
+      </a:accent5>
+      <a:accent6>
+        <a:srgbClr val="70AD47"/>
+      </a:accent6>
+      <a:hlink>
+        <a:srgbClr val="0563C1"/>
+      </a:hlink>
+      <a:folHlink>
+        <a:srgbClr val="954F72"/>
+      </a:folHlink>
+    </a:clrScheme>
+    <a:fontScheme name="Office">
+      <a:majorFont>
+        <a:latin typeface="Calibri Light" panose="020F0302020204030204"/>
+        <a:ea typeface=""/>
+        <a:cs typeface=""/>
+        <a:font script="Jpan" typeface="游ゴシック Light"/>
+        <a:font script="Hang" typeface="맑은 고딕"/>
+        <a:font script="Hans" typeface="等线 Light"/>
+        <a:font script="Hant" typeface="新細明體"/>
+        <a:font script="Arab" typeface="Times New Roman"/>
+        <a:font script="Hebr" typeface="Times New Roman"/>
+        <a:font script="Thai" typeface="Angsana New"/>
+        <a:font script="Ethi" typeface="Nyala"/>
+        <a:font script="Beng" typeface="Vrinda"/>
+        <a:font script="Gujr" typeface="Shruti"/>
+        <a:font script="Khmr" typeface="MoolBoran"/>
+        <a:font script="Knda" typeface="Tunga"/>
+        <a:font script="Guru" typeface="Raavi"/>
+        <a:font script="Cans" typeface="Euphemia"/>
+        <a:font script="Cher" typeface="Plantagenet Cherokee"/>
+        <a:font script="Yiii" typeface="Microsoft Yi Baiti"/>
+        <a:font script="Tibt" typeface="Microsoft Himalaya"/>
+        <a:font script="Thaa" typeface="MV Boli"/>
+        <a:font script="Deva" typeface="Mangal"/>
+        <a:font script="Telu" typeface="Gautami"/>
+        <a:font script="Taml" typeface="Latha"/>
+        <a:font script="Syrc" typeface="Estrangelo Edessa"/>
+        <a:font script="Orya" typeface="Kalinga"/>
+        <a:font script="Mlym" typeface="Kartika"/>
+        <a:font script="Laoo" typeface="DokChampa"/>
+        <a:font script="Sinh" typeface="Iskoola Pota"/>
+        <a:font script="Mong" typeface="Mongolian Baiti"/>
+        <a:font script="Viet" typeface="Times New Roman"/>
+        <a:font script="Uigh" typeface="Microsoft Uighur"/>
+        <a:font script="Geor" typeface="Sylfaen"/>
+        <a:font script="Armn" typeface="Arial"/>
+        <a:font script="Bugi" typeface="Leelawadee UI"/>
+        <a:font script="Bopo" typeface="Microsoft JhengHei"/>
+        <a:font script="Java" typeface="Javanese Text"/>
+        <a:font script="Lisu" typeface="Segoe UI"/>
+        <a:font script="Mymr" typeface="Myanmar Text"/>
+        <a:font script="Nkoo" typeface="Ebrima"/>
+        <a:font script="Olck" typeface="Nirmala UI"/>
+        <a:font script="Osma" typeface="Ebrima"/>
+        <a:font script="Phag" typeface="Phagspa"/>
+        <a:font script="Syrn" typeface="Estrangelo Edessa"/>
+        <a:font script="Syrj" typeface="Estrangelo Edessa"/>
+        <a:font script="Syre" typeface="Estrangelo Edessa"/>
+        <a:font script="Sora" typeface="Nirmala UI"/>
+        <a:font script="Tale" typeface="Microsoft Tai Le"/>
+        <a:font script="Talu" typeface="Microsoft New Tai Lue"/>
+        <a:font script="Tfng" typeface="Ebrima"/>
+      </a:majorFont>
+      <a:minorFont>
+        <a:latin typeface="Calibri" panose="020F0502020204030204"/>
+        <a:ea typeface=""/>
+        <a:cs typeface=""/>
+        <a:font script="Jpan" typeface="游ゴシック"/>
+        <a:font script="Hang" typeface="맑은 고딕"/>
+        <a:font script="Hans" typeface="等线"/>
+        <a:font script="Hant" typeface="新細明體"/>
+        <a:font script="Arab" typeface="Arial"/>
+        <a:font script="Hebr" typeface="Arial"/>
+        <a:font script="Thai" typeface="Cordia New"/>
+        <a:font script="Ethi" typeface="Nyala"/>
+        <a:font script="Beng" typeface="Vrinda"/>
+        <a:font script="Gujr" typeface="Shruti"/>
+        <a:font script="Khmr" typeface="DaunPenh"/>
+        <a:font script="Knda" typeface="Tunga"/>
+        <a:font script="Guru" typeface="Raavi"/>
+        <a:font script="Cans" typeface="Euphemia"/>
+        <a:font script="Cher" typeface="Plantagenet Cherokee"/>
+        <a:font script="Yiii" typeface="Microsoft Yi Baiti"/>
+        <a:font script="Tibt" typeface="Microsoft Himalaya"/>
+        <a:font script="Thaa" typeface="MV Boli"/>
+        <a:font script="Deva" typeface="Mangal"/>
+        <a:font script="Telu" typeface="Gautami"/>
+        <a:font script="Taml" typeface="Latha"/>
+        <a:font script="Syrc" typeface="Estrangelo Edessa"/>
+        <a:font script="Orya" typeface="Kalinga"/>
+        <a:font script="Mlym" typeface="Kartika"/>
+        <a:font script="Laoo" typeface="DokChampa"/>
+        <a:font script="Sinh" typeface="Iskoola Pota"/>
+        <a:font script="Mong" typeface="Mongolian Baiti"/>
+        <a:font script="Viet" typeface="Arial"/>
+        <a:font script="Uigh" typeface="Microsoft Uighur"/>
+        <a:font script="Geor" typeface="Sylfaen"/>
+        <a:font script="Armn" typeface="Arial"/>
+        <a:font script="Bugi" typeface="Leelawadee UI"/>
+        <a:font script="Bopo" typeface="Microsoft JhengHei"/>
+        <a:font script="Java" typeface="Javanese Text"/>
+        <a:font script="Lisu" typeface="Segoe UI"/>
+        <a:font script="Mymr" typeface="Myanmar Text"/>
+        <a:font script="Nkoo" typeface="Ebrima"/>
+        <a:font script="Olck" typeface="Nirmala UI"/>
+        <a:font script="Osma" typeface="Ebrima"/>
+        <a:font script="Phag" typeface="Phagspa"/>
+        <a:font script="Syrn" typeface="Estrangelo Edessa"/>
+        <a:font script="Syrj" typeface="Estrangelo Edessa"/>
+        <a:font script="Syre" typeface="Estrangelo Edessa"/>
+        <a:font script="Sora" typeface="Nirmala UI"/>
+        <a:font script="Tale" typeface="Microsoft Tai Le"/>
+        <a:font script="Talu" typeface="Microsoft New Tai Lue"/>
+        <a:font script="Tfng" typeface="Ebrima"/>
+      </a:minorFont>
+    </a:fontScheme>
+    <a:fmtScheme name="Office">
+      <a:fillStyleLst>
+        <a:solidFill>
+          <a:schemeClr val="phClr"/>
+        </a:solidFill>
+        <a:gradFill rotWithShape="1">
+          <a:gsLst>
+            <a:gs pos="0">
+              <a:schemeClr val="phClr">
+                <a:lumMod val="110000"/>
+                <a:satMod val="105000"/>
+                <a:tint val="67000"/>
+              </a:schemeClr>
+            </a:gs>
+            <a:gs pos="50000">
+              <a:schemeClr val="phClr">
+                <a:lumMod val="105000"/>
+                <a:satMod val="103000"/>
+                <a:tint val="73000"/>
+              </a:schemeClr>
+            </a:gs>
+            <a:gs pos="100000">
+              <a:schemeClr val="phClr">
+                <a:lumMod val="105000"/>
+                <a:satMod val="109000"/>
+                <a:tint val="81000"/>
+              </a:schemeClr>
+            </a:gs>
+          </a:gsLst>
+          <a:lin ang="5400000" scaled="0"/>
+        </a:gradFill>
+        <a:gradFill rotWithShape="1">
+          <a:gsLst>
+            <a:gs pos="0">
+              <a:schemeClr val="phClr">
+                <a:satMod val="103000"/>
+                <a:lumMod val="102000"/>
+                <a:tint val="94000"/>
+              </a:schemeClr>
+            </a:gs>
+            <a:gs pos="50000">
+              <a:schemeClr val="phClr">
+                <a:satMod val="110000"/>
+                <a:lumMod val="100000"/>
+                <a:shade val="100000"/>
+              </a:schemeClr>
+            </a:gs>
+            <a:gs pos="100000">
+              <a:schemeClr val="phClr">
+                <a:lumMod val="99000"/>
+                <a:satMod val="120000"/>
+                <a:shade val="78000"/>
+              </a:schemeClr>
+            </a:gs>
+          </a:gsLst>
+          <a:lin ang="5400000" scaled="0"/>
+        </a:gradFill>
+      </a:fillStyleLst>
+      <a:lnStyleLst>
+        <a:ln w="6350" cap="flat" cmpd="sng" algn="ctr">
+          <a:solidFill>
+            <a:schemeClr val="phClr"/>
+          </a:solidFill>
+          <a:prstDash val="solid"/>
+          <a:miter lim="800000"/>
+        </a:ln>
+        <a:ln w="12700" cap="flat" cmpd="sng" algn="ctr">
+          <a:solidFill>
+            <a:schemeClr val="phClr"/>
+          </a:solidFill>
+          <a:prstDash val="solid"/>
+          <a:miter lim="800000"/>
+        </a:ln>
+        <a:ln w="19050" cap="flat" cmpd="sng" algn="ctr">
+          <a:solidFill>
+            <a:schemeClr val="phClr"/>
+          </a:solidFill>
+          <a:prstDash val="solid"/>
+          <a:miter lim="800000"/>
+        </a:ln>
+      </a:lnStyleLst>
+      <a:effectStyleLst>
+        <a:effectStyle>
+          <a:effectLst/>
+        </a:effectStyle>
+        <a:effectStyle>
+          <a:effectLst/>
+        </a:effectStyle>
+        <a:effectStyle>
+          <a:effectLst>
+            <a:outerShdw blurRad="57150" dist="19050" dir="5400000" algn="ctr" rotWithShape="0">
+              <a:srgbClr val="000000">
+                <a:alpha val="63000"/>
+              </a:srgbClr>
+            </a:outerShdw>
+          </a:effectLst>
+        </a:effectStyle>
+      </a:effectStyleLst>
+      <a:bgFillStyleLst>
+        <a:solidFill>
+          <a:schemeClr val="phClr"/>
+        </a:solidFill>
+        <a:solidFill>
+          <a:schemeClr val="phClr">
+            <a:tint val="95000"/>
+            <a:satMod val="170000"/>
+          </a:schemeClr>
+        </a:solidFill>
+        <a:gradFill rotWithShape="1">
+          <a:gsLst>
+            <a:gs pos="0">
+              <a:schemeClr val="phClr">
+                <a:tint val="93000"/>
+                <a:satMod val="150000"/>
+                <a:shade val="98000"/>
+                <a:lumMod val="102000"/>
+              </a:schemeClr>
+            </a:gs>
+            <a:gs pos="50000">
+              <a:schemeClr val="phClr">
+                <a:tint val="98000"/>
+                <a:satMod val="130000"/>
+                <a:shade val="90000"/>
+                <a:lumMod val="103000"/>
+              </a:schemeClr>
+            </a:gs>
+            <a:gs pos="100000">
+              <a:schemeClr val="phClr">
+                <a:shade val="63000"/>
+                <a:satMod val="120000"/>
+              </a:schemeClr>
+            </a:gs>
+          </a:gsLst>
+          <a:lin ang="5400000" scaled="0"/>
+        </a:gradFill>
+      </a:bgFillStyleLst>
+    </a:fmtScheme>
+  </a:themeElements>
+  <a:objectDefaults/>
+  <a:extraClrSchemeLst/>
+  <a:extLst>
+    <a:ext uri="{05A4C25C-085E-4340-85A3-A5531E510DB2}">
+      <thm15:themeFamily xmlns:thm15="http://schemas.microsoft.com/office/thememl/2012/main" name="Office Theme" id="{62F939B6-93AF-4DB8-9C6B-D6C7DFDC589F}" vid="{4A3C46E8-61CC-4603-A589-7422A47A8E4A}"/>
+    </a:ext>
+  </a:extLst>
+</a:theme>
+</file>
+
+<file path=ppt/theme/theme3.xml><?xml version="1.0" encoding="utf-8"?>
+<a:theme xmlns:a="http://schemas.openxmlformats.org/drawingml/2006/main" name="Office Theme">
+  <a:themeElements>
+    <a:clrScheme name="Office">
+      <a:dk1>
+        <a:sysClr val="windowText" lastClr="000000"/>
+      </a:dk1>
+      <a:lt1>
+        <a:sysClr val="window" lastClr="FFFFFF"/>
+      </a:lt1>
+      <a:dk2>
+        <a:srgbClr val="44546A"/>
+      </a:dk2>
+      <a:lt2>
+        <a:srgbClr val="E7E6E6"/>
+      </a:lt2>
+      <a:accent1>
+        <a:srgbClr val="4472C4"/>
+      </a:accent1>
+      <a:accent2>
+        <a:srgbClr val="ED7D31"/>
+      </a:accent2>
+      <a:accent3>
+        <a:srgbClr val="A5A5A5"/>
+      </a:accent3>
+      <a:accent4>
+        <a:srgbClr val="FFC000"/>
+      </a:accent4>
+      <a:accent5>
+        <a:srgbClr val="5B9BD5"/>
+      </a:accent5>
+      <a:accent6>
+        <a:srgbClr val="70AD47"/>
+      </a:accent6>
+      <a:hlink>
+        <a:srgbClr val="0563C1"/>
+      </a:hlink>
+      <a:folHlink>
+        <a:srgbClr val="954F72"/>
+      </a:folHlink>
+    </a:clrScheme>
+    <a:fontScheme name="Office">
+      <a:majorFont>
+        <a:latin typeface="Calibri Light" panose="020F0302020204030204"/>
+        <a:ea typeface=""/>
+        <a:cs typeface=""/>
+        <a:font script="Jpan" typeface="游ゴシック Light"/>
+        <a:font script="Hang" typeface="맑은 고딕"/>
+        <a:font script="Hans" typeface="等线 Light"/>
+        <a:font script="Hant" typeface="新細明體"/>
+        <a:font script="Arab" typeface="Times New Roman"/>
+        <a:font script="Hebr" typeface="Times New Roman"/>
+        <a:font script="Thai" typeface="Angsana New"/>
+        <a:font script="Ethi" typeface="Nyala"/>
+        <a:font script="Beng" typeface="Vrinda"/>
+        <a:font script="Gujr" typeface="Shruti"/>
+        <a:font script="Khmr" typeface="MoolBoran"/>
+        <a:font script="Knda" typeface="Tunga"/>
+        <a:font script="Guru" typeface="Raavi"/>
+        <a:font script="Cans" typeface="Euphemia"/>
+        <a:font script="Cher" typeface="Plantagenet Cherokee"/>
+        <a:font script="Yiii" typeface="Microsoft Yi Baiti"/>
+        <a:font script="Tibt" typeface="Microsoft Himalaya"/>
+        <a:font script="Thaa" typeface="MV Boli"/>
+        <a:font script="Deva" typeface="Mangal"/>
+        <a:font script="Telu" typeface="Gautami"/>
+        <a:font script="Taml" typeface="Latha"/>
+        <a:font script="Syrc" typeface="Estrangelo Edessa"/>
+        <a:font script="Orya" typeface="Kalinga"/>
+        <a:font script="Mlym" typeface="Kartika"/>
+        <a:font script="Laoo" typeface="DokChampa"/>
+        <a:font script="Sinh" typeface="Iskoola Pota"/>
+        <a:font script="Mong" typeface="Mongolian Baiti"/>
+        <a:font script="Viet" typeface="Times New Roman"/>
+        <a:font script="Uigh" typeface="Microsoft Uighur"/>
+        <a:font script="Geor" typeface="Sylfaen"/>
+        <a:font script="Armn" typeface="Arial"/>
+        <a:font script="Bugi" typeface="Leelawadee UI"/>
+        <a:font script="Bopo" typeface="Microsoft JhengHei"/>
+        <a:font script="Java" typeface="Javanese Text"/>
+        <a:font script="Lisu" typeface="Segoe UI"/>
+        <a:font script="Mymr" typeface="Myanmar Text"/>
+        <a:font script="Nkoo" typeface="Ebrima"/>
+        <a:font script="Olck" typeface="Nirmala UI"/>
+        <a:font script="Osma" typeface="Ebrima"/>
+        <a:font script="Phag" typeface="Phagspa"/>
+        <a:font script="Syrn" typeface="Estrangelo Edessa"/>
+        <a:font script="Syrj" typeface="Estrangelo Edessa"/>
+        <a:font script="Syre" typeface="Estrangelo Edessa"/>
+        <a:font script="Sora" typeface="Nirmala UI"/>
+        <a:font script="Tale" typeface="Microsoft Tai Le"/>
+        <a:font script="Talu" typeface="Microsoft New Tai Lue"/>
+        <a:font script="Tfng" typeface="Ebrima"/>
+      </a:majorFont>
+      <a:minorFont>
+        <a:latin typeface="Calibri" panose="020F0502020204030204"/>
+        <a:ea typeface=""/>
+        <a:cs typeface=""/>
+        <a:font script="Jpan" typeface="游ゴシック"/>
+        <a:font script="Hang" typeface="맑은 고딕"/>
+        <a:font script="Hans" typeface="等线"/>
+        <a:font script="Hant" typeface="新細明體"/>
+        <a:font script="Arab" typeface="Arial"/>
+        <a:font script="Hebr" typeface="Arial"/>
+        <a:font script="Thai" typeface="Cordia New"/>
+        <a:font script="Ethi" typeface="Nyala"/>
+        <a:font script="Beng" typeface="Vrinda"/>
+        <a:font script="Gujr" typeface="Shruti"/>
+        <a:font script="Khmr" typeface="DaunPenh"/>
+        <a:font script="Knda" typeface="Tunga"/>
+        <a:font script="Guru" typeface="Raavi"/>
+        <a:font script="Cans" typeface="Euphemia"/>
+        <a:font script="Cher" typeface="Plantagenet Cherokee"/>
+        <a:font script="Yiii" typeface="Microsoft Yi Baiti"/>
+        <a:font script="Tibt" typeface="Microsoft Himalaya"/>
+        <a:font script="Thaa" typeface="MV Boli"/>
+        <a:font script="Deva" typeface="Mangal"/>
+        <a:font script="Telu" typeface="Gautami"/>
+        <a:font script="Taml" typeface="Latha"/>
+        <a:font script="Syrc" typeface="Estrangelo Edessa"/>
+        <a:font script="Orya" typeface="Kalinga"/>
+        <a:font script="Mlym" typeface="Kartika"/>
+        <a:font script="Laoo" typeface="DokChampa"/>
+        <a:font script="Sinh" typeface="Iskoola Pota"/>
+        <a:font script="Mong" typeface="Mongolian Baiti"/>
+        <a:font script="Viet" typeface="Arial"/>
+        <a:font script="Uigh" typeface="Microsoft Uighur"/>
+        <a:font script="Geor" typeface="Sylfaen"/>
+        <a:font script="Armn" typeface="Arial"/>
+        <a:font script="Bugi" typeface="Leelawadee UI"/>
+        <a:font script="Bopo" typeface="Microsoft JhengHei"/>
+        <a:font script="Java" typeface="Javanese Text"/>
+        <a:font script="Lisu" typeface="Segoe UI"/>
+        <a:font script="Mymr" typeface="Myanmar Text"/>
+        <a:font script="Nkoo" typeface="Ebrima"/>
+        <a:font script="Olck" typeface="Nirmala UI"/>
+        <a:font script="Osma" typeface="Ebrima"/>
+        <a:font script="Phag" typeface="Phagspa"/>
+        <a:font script="Syrn" typeface="Estrangelo Edessa"/>
+        <a:font script="Syrj" typeface="Estrangelo Edessa"/>
+        <a:font script="Syre" typeface="Estrangelo Edessa"/>
+        <a:font script="Sora" typeface="Nirmala UI"/>
+        <a:font script="Tale" typeface="Microsoft Tai Le"/>
+        <a:font script="Talu" typeface="Microsoft New Tai Lue"/>
+        <a:font script="Tfng" typeface="Ebrima"/>
+      </a:minorFont>
+    </a:fontScheme>
+    <a:fmtScheme name="Office">
+      <a:fillStyleLst>
+        <a:solidFill>
+          <a:schemeClr val="phClr"/>
+        </a:solidFill>
+        <a:gradFill rotWithShape="1">
+          <a:gsLst>
+            <a:gs pos="0">
+              <a:schemeClr val="phClr">
+                <a:lumMod val="110000"/>
+                <a:satMod val="105000"/>
+                <a:tint val="67000"/>
+              </a:schemeClr>
+            </a:gs>
+            <a:gs pos="50000">
+              <a:schemeClr val="phClr">
+                <a:lumMod val="105000"/>
+                <a:satMod val="103000"/>
+                <a:tint val="73000"/>
+              </a:schemeClr>
+            </a:gs>
+            <a:gs pos="100000">
+              <a:schemeClr val="phClr">
+                <a:lumMod val="105000"/>
+                <a:satMod val="109000"/>
+                <a:tint val="81000"/>
+              </a:schemeClr>
+            </a:gs>
+          </a:gsLst>
+          <a:lin ang="5400000" scaled="0"/>
+        </a:gradFill>
+        <a:gradFill rotWithShape="1">
+          <a:gsLst>
+            <a:gs pos="0">
+              <a:schemeClr val="phClr">
+                <a:satMod val="103000"/>
+                <a:lumMod val="102000"/>
+                <a:tint val="94000"/>
+              </a:schemeClr>
+            </a:gs>
+            <a:gs pos="50000">
+              <a:schemeClr val="phClr">
+                <a:satMod val="110000"/>
+                <a:lumMod val="100000"/>
+                <a:shade val="100000"/>
+              </a:schemeClr>
+            </a:gs>
+            <a:gs pos="100000">
+              <a:schemeClr val="phClr">
+                <a:lumMod val="99000"/>
+                <a:satMod val="120000"/>
+                <a:shade val="78000"/>
+              </a:schemeClr>
+            </a:gs>
+          </a:gsLst>
+          <a:lin ang="5400000" scaled="0"/>
+        </a:gradFill>
+      </a:fillStyleLst>
+      <a:lnStyleLst>
+        <a:ln w="6350" cap="flat" cmpd="sng" algn="ctr">
+          <a:solidFill>
+            <a:schemeClr val="phClr"/>
+          </a:solidFill>
+          <a:prstDash val="solid"/>
+          <a:miter lim="800000"/>
+        </a:ln>
+        <a:ln w="12700" cap="flat" cmpd="sng" algn="ctr">
+          <a:solidFill>
+            <a:schemeClr val="phClr"/>
+          </a:solidFill>
+          <a:prstDash val="solid"/>
+          <a:miter lim="800000"/>
+        </a:ln>
+        <a:ln w="19050" cap="flat" cmpd="sng" algn="ctr">
+          <a:solidFill>
+            <a:schemeClr val="phClr"/>
+          </a:solidFill>
+          <a:prstDash val="solid"/>
+          <a:miter lim="800000"/>
+        </a:ln>
+      </a:lnStyleLst>
+      <a:effectStyleLst>
+        <a:effectStyle>
+          <a:effectLst/>
+        </a:effectStyle>
+        <a:effectStyle>
+          <a:effectLst/>
+        </a:effectStyle>
+        <a:effectStyle>
+          <a:effectLst>
+            <a:outerShdw blurRad="57150" dist="19050" dir="5400000" algn="ctr" rotWithShape="0">
+              <a:srgbClr val="000000">
+                <a:alpha val="63000"/>
+              </a:srgbClr>
+            </a:outerShdw>
+          </a:effectLst>
+        </a:effectStyle>
+      </a:effectStyleLst>
+      <a:bgFillStyleLst>
+        <a:solidFill>
+          <a:schemeClr val="phClr"/>
+        </a:solidFill>
+        <a:solidFill>
+          <a:schemeClr val="phClr">
+            <a:tint val="95000"/>
+            <a:satMod val="170000"/>
+          </a:schemeClr>
+        </a:solidFill>
+        <a:gradFill rotWithShape="1">
+          <a:gsLst>
+            <a:gs pos="0">
+              <a:schemeClr val="phClr">
+                <a:tint val="93000"/>
+                <a:satMod val="150000"/>
+                <a:shade val="98000"/>
+                <a:lumMod val="102000"/>
+              </a:schemeClr>
+            </a:gs>
+            <a:gs pos="50000">
+              <a:schemeClr val="phClr">
+                <a:tint val="98000"/>
+                <a:satMod val="130000"/>
+                <a:shade val="90000"/>
+                <a:lumMod val="103000"/>
+              </a:schemeClr>
+            </a:gs>
+            <a:gs pos="100000">
+              <a:schemeClr val="phClr">
+                <a:shade val="63000"/>
+                <a:satMod val="120000"/>
+              </a:schemeClr>
+            </a:gs>
+          </a:gsLst>
+          <a:lin ang="5400000" scaled="0"/>
+        </a:gradFill>
+      </a:bgFillStyleLst>
+    </a:fmtScheme>
+  </a:themeElements>
+  <a:objectDefaults/>
+  <a:extraClrSchemeLst/>
+  <a:extLst>
+    <a:ext uri="{05A4C25C-085E-4340-85A3-A5531E510DB2}">
+      <thm15:themeFamily xmlns:thm15="http://schemas.microsoft.com/office/thememl/2012/main" name="Office Theme" id="{62F939B6-93AF-4DB8-9C6B-D6C7DFDC589F}" vid="{4A3C46E8-61CC-4603-A589-7422A47A8E4A}"/>
+    </a:ext>
+  </a:extLst>
+</a:theme>
 </file>